--- a/Fintech Project 2 Slides.pptx
+++ b/Fintech Project 2 Slides.pptx
@@ -1,39 +1,39 @@
 
 <file path=ppt/presentation.xml><?xml version="1.0" encoding="utf-8"?>
-<p:presentation xmlns:a="http://schemas.openxmlformats.org/drawingml/2006/main" xmlns:r="http://schemas.openxmlformats.org/officeDocument/2006/relationships" xmlns:mc="http://schemas.openxmlformats.org/markup-compatibility/2006" xmlns:mv="urn:schemas-microsoft-com:mac:vml" xmlns:p="http://schemas.openxmlformats.org/presentationml/2006/main" xmlns:c="http://schemas.openxmlformats.org/drawingml/2006/chart" xmlns:dgm="http://schemas.openxmlformats.org/drawingml/2006/diagram" xmlns:o="urn:schemas-microsoft-com:office:office" xmlns:v="urn:schemas-microsoft-com:vml" xmlns:pvml="urn:schemas-microsoft-com:office:powerpoint" xmlns:com="http://schemas.openxmlformats.org/drawingml/2006/compatibility" xmlns:p14="http://schemas.microsoft.com/office/powerpoint/2010/main" xmlns:p15="http://schemas.microsoft.com/office/powerpoint/2012/main" xmlns:ahyp="http://schemas.microsoft.com/office/drawing/2018/hyperlinkcolor" autoCompressPictures="0" embedTrueTypeFonts="1" strictFirstAndLastChars="0" saveSubsetFonts="1">
+<p:presentation xmlns:a="http://schemas.openxmlformats.org/drawingml/2006/main" xmlns:r="http://schemas.openxmlformats.org/officeDocument/2006/relationships" xmlns:p="http://schemas.openxmlformats.org/presentationml/2006/main" strictFirstAndLastChars="0" embedTrueTypeFonts="1" saveSubsetFonts="1" autoCompressPictures="0">
   <p:sldMasterIdLst>
-    <p:sldMasterId id="2147483659" r:id="rId5"/>
+    <p:sldMasterId id="2147483659" r:id="rId1"/>
   </p:sldMasterIdLst>
   <p:notesMasterIdLst>
-    <p:notesMasterId r:id="rId6"/>
+    <p:notesMasterId r:id="rId14"/>
   </p:notesMasterIdLst>
   <p:sldIdLst>
-    <p:sldId id="256" r:id="rId7"/>
-    <p:sldId id="257" r:id="rId8"/>
-    <p:sldId id="258" r:id="rId9"/>
-    <p:sldId id="259" r:id="rId10"/>
-    <p:sldId id="260" r:id="rId11"/>
-    <p:sldId id="261" r:id="rId12"/>
-    <p:sldId id="262" r:id="rId13"/>
-    <p:sldId id="263" r:id="rId14"/>
-    <p:sldId id="264" r:id="rId15"/>
-    <p:sldId id="265" r:id="rId16"/>
-    <p:sldId id="266" r:id="rId17"/>
-    <p:sldId id="267" r:id="rId18"/>
+    <p:sldId id="256" r:id="rId2"/>
+    <p:sldId id="257" r:id="rId3"/>
+    <p:sldId id="258" r:id="rId4"/>
+    <p:sldId id="259" r:id="rId5"/>
+    <p:sldId id="260" r:id="rId6"/>
+    <p:sldId id="261" r:id="rId7"/>
+    <p:sldId id="262" r:id="rId8"/>
+    <p:sldId id="263" r:id="rId9"/>
+    <p:sldId id="264" r:id="rId10"/>
+    <p:sldId id="265" r:id="rId11"/>
+    <p:sldId id="266" r:id="rId12"/>
+    <p:sldId id="267" r:id="rId13"/>
   </p:sldIdLst>
-  <p:sldSz cy="5143500" cx="9144000"/>
+  <p:sldSz cx="9144000" cy="5143500" type="screen16x9"/>
   <p:notesSz cx="6858000" cy="9144000"/>
   <p:embeddedFontLst>
     <p:embeddedFont>
-      <p:font typeface="Proxima Nova"/>
-      <p:regular r:id="rId19"/>
-      <p:bold r:id="rId20"/>
-      <p:italic r:id="rId21"/>
-      <p:boldItalic r:id="rId22"/>
+      <p:font typeface="Proxima Nova" panose="020B0604020202020204" charset="0"/>
+      <p:regular r:id="rId15"/>
+      <p:bold r:id="rId16"/>
+      <p:italic r:id="rId17"/>
+      <p:boldItalic r:id="rId18"/>
     </p:embeddedFont>
   </p:embeddedFontLst>
   <p:defaultTextStyle>
-    <a:defPPr lvl="0" marR="0" rtl="0" algn="l">
+    <a:defPPr marR="0" lvl="0" algn="l" rtl="0">
       <a:lnSpc>
         <a:spcPct val="100000"/>
       </a:lnSpc>
@@ -44,7 +44,7 @@
         <a:spcPts val="0"/>
       </a:spcAft>
     </a:defPPr>
-    <a:lvl1pPr lvl="0" marR="0" rtl="0" algn="l">
+    <a:lvl1pPr marR="0" lvl="0" algn="l" rtl="0">
       <a:lnSpc>
         <a:spcPct val="100000"/>
       </a:lnSpc>
@@ -58,7 +58,7 @@
         <a:srgbClr val="000000"/>
       </a:buClr>
       <a:buFont typeface="Arial"/>
-      <a:defRPr b="0" i="0" sz="1400" u="none" cap="none" strike="noStrike">
+      <a:defRPr sz="1400" b="0" i="0" u="none" strike="noStrike" cap="none">
         <a:solidFill>
           <a:srgbClr val="000000"/>
         </a:solidFill>
@@ -68,7 +68,7 @@
         <a:sym typeface="Arial"/>
       </a:defRPr>
     </a:lvl1pPr>
-    <a:lvl2pPr lvl="1" marR="0" rtl="0" algn="l">
+    <a:lvl2pPr marR="0" lvl="1" algn="l" rtl="0">
       <a:lnSpc>
         <a:spcPct val="100000"/>
       </a:lnSpc>
@@ -82,7 +82,7 @@
         <a:srgbClr val="000000"/>
       </a:buClr>
       <a:buFont typeface="Arial"/>
-      <a:defRPr b="0" i="0" sz="1400" u="none" cap="none" strike="noStrike">
+      <a:defRPr sz="1400" b="0" i="0" u="none" strike="noStrike" cap="none">
         <a:solidFill>
           <a:srgbClr val="000000"/>
         </a:solidFill>
@@ -92,7 +92,7 @@
         <a:sym typeface="Arial"/>
       </a:defRPr>
     </a:lvl2pPr>
-    <a:lvl3pPr lvl="2" marR="0" rtl="0" algn="l">
+    <a:lvl3pPr marR="0" lvl="2" algn="l" rtl="0">
       <a:lnSpc>
         <a:spcPct val="100000"/>
       </a:lnSpc>
@@ -106,7 +106,7 @@
         <a:srgbClr val="000000"/>
       </a:buClr>
       <a:buFont typeface="Arial"/>
-      <a:defRPr b="0" i="0" sz="1400" u="none" cap="none" strike="noStrike">
+      <a:defRPr sz="1400" b="0" i="0" u="none" strike="noStrike" cap="none">
         <a:solidFill>
           <a:srgbClr val="000000"/>
         </a:solidFill>
@@ -116,7 +116,7 @@
         <a:sym typeface="Arial"/>
       </a:defRPr>
     </a:lvl3pPr>
-    <a:lvl4pPr lvl="3" marR="0" rtl="0" algn="l">
+    <a:lvl4pPr marR="0" lvl="3" algn="l" rtl="0">
       <a:lnSpc>
         <a:spcPct val="100000"/>
       </a:lnSpc>
@@ -130,7 +130,7 @@
         <a:srgbClr val="000000"/>
       </a:buClr>
       <a:buFont typeface="Arial"/>
-      <a:defRPr b="0" i="0" sz="1400" u="none" cap="none" strike="noStrike">
+      <a:defRPr sz="1400" b="0" i="0" u="none" strike="noStrike" cap="none">
         <a:solidFill>
           <a:srgbClr val="000000"/>
         </a:solidFill>
@@ -140,7 +140,7 @@
         <a:sym typeface="Arial"/>
       </a:defRPr>
     </a:lvl4pPr>
-    <a:lvl5pPr lvl="4" marR="0" rtl="0" algn="l">
+    <a:lvl5pPr marR="0" lvl="4" algn="l" rtl="0">
       <a:lnSpc>
         <a:spcPct val="100000"/>
       </a:lnSpc>
@@ -154,7 +154,7 @@
         <a:srgbClr val="000000"/>
       </a:buClr>
       <a:buFont typeface="Arial"/>
-      <a:defRPr b="0" i="0" sz="1400" u="none" cap="none" strike="noStrike">
+      <a:defRPr sz="1400" b="0" i="0" u="none" strike="noStrike" cap="none">
         <a:solidFill>
           <a:srgbClr val="000000"/>
         </a:solidFill>
@@ -164,7 +164,7 @@
         <a:sym typeface="Arial"/>
       </a:defRPr>
     </a:lvl5pPr>
-    <a:lvl6pPr lvl="5" marR="0" rtl="0" algn="l">
+    <a:lvl6pPr marR="0" lvl="5" algn="l" rtl="0">
       <a:lnSpc>
         <a:spcPct val="100000"/>
       </a:lnSpc>
@@ -178,7 +178,7 @@
         <a:srgbClr val="000000"/>
       </a:buClr>
       <a:buFont typeface="Arial"/>
-      <a:defRPr b="0" i="0" sz="1400" u="none" cap="none" strike="noStrike">
+      <a:defRPr sz="1400" b="0" i="0" u="none" strike="noStrike" cap="none">
         <a:solidFill>
           <a:srgbClr val="000000"/>
         </a:solidFill>
@@ -188,7 +188,7 @@
         <a:sym typeface="Arial"/>
       </a:defRPr>
     </a:lvl6pPr>
-    <a:lvl7pPr lvl="6" marR="0" rtl="0" algn="l">
+    <a:lvl7pPr marR="0" lvl="6" algn="l" rtl="0">
       <a:lnSpc>
         <a:spcPct val="100000"/>
       </a:lnSpc>
@@ -202,7 +202,7 @@
         <a:srgbClr val="000000"/>
       </a:buClr>
       <a:buFont typeface="Arial"/>
-      <a:defRPr b="0" i="0" sz="1400" u="none" cap="none" strike="noStrike">
+      <a:defRPr sz="1400" b="0" i="0" u="none" strike="noStrike" cap="none">
         <a:solidFill>
           <a:srgbClr val="000000"/>
         </a:solidFill>
@@ -212,7 +212,7 @@
         <a:sym typeface="Arial"/>
       </a:defRPr>
     </a:lvl7pPr>
-    <a:lvl8pPr lvl="7" marR="0" rtl="0" algn="l">
+    <a:lvl8pPr marR="0" lvl="7" algn="l" rtl="0">
       <a:lnSpc>
         <a:spcPct val="100000"/>
       </a:lnSpc>
@@ -226,7 +226,7 @@
         <a:srgbClr val="000000"/>
       </a:buClr>
       <a:buFont typeface="Arial"/>
-      <a:defRPr b="0" i="0" sz="1400" u="none" cap="none" strike="noStrike">
+      <a:defRPr sz="1400" b="0" i="0" u="none" strike="noStrike" cap="none">
         <a:solidFill>
           <a:srgbClr val="000000"/>
         </a:solidFill>
@@ -236,7 +236,7 @@
         <a:sym typeface="Arial"/>
       </a:defRPr>
     </a:lvl8pPr>
-    <a:lvl9pPr lvl="8" marR="0" rtl="0" algn="l">
+    <a:lvl9pPr marR="0" lvl="8" algn="l" rtl="0">
       <a:lnSpc>
         <a:spcPct val="100000"/>
       </a:lnSpc>
@@ -250,7 +250,7 @@
         <a:srgbClr val="000000"/>
       </a:buClr>
       <a:buFont typeface="Arial"/>
-      <a:defRPr b="0" i="0" sz="1400" u="none" cap="none" strike="noStrike">
+      <a:defRPr sz="1400" b="0" i="0" u="none" strike="noStrike" cap="none">
         <a:solidFill>
           <a:srgbClr val="000000"/>
         </a:solidFill>
@@ -263,7 +263,7 @@
   </p:defaultTextStyle>
   <p:extLst>
     <p:ext uri="{EFAFB233-063F-42B5-8137-9DF3F51BA10A}">
-      <p15:sldGuideLst>
+      <p15:sldGuideLst xmlns:p15="http://schemas.microsoft.com/office/powerpoint/2012/main">
         <p15:guide id="1" orient="horz" pos="1620">
           <p15:clr>
             <a:srgbClr val="A4A3A4"/>
@@ -281,11 +281,16 @@
 </file>
 
 <file path=ppt/notesMasters/notesMaster1.xml><?xml version="1.0" encoding="utf-8"?>
-<p:notesMaster xmlns:a="http://schemas.openxmlformats.org/drawingml/2006/main" xmlns:r="http://schemas.openxmlformats.org/officeDocument/2006/relationships" xmlns:mc="http://schemas.openxmlformats.org/markup-compatibility/2006" xmlns:mv="urn:schemas-microsoft-com:mac:vml" xmlns:p="http://schemas.openxmlformats.org/presentationml/2006/main" xmlns:c="http://schemas.openxmlformats.org/drawingml/2006/chart" xmlns:dgm="http://schemas.openxmlformats.org/drawingml/2006/diagram" xmlns:o="urn:schemas-microsoft-com:office:office" xmlns:v="urn:schemas-microsoft-com:vml" xmlns:pvml="urn:schemas-microsoft-com:office:powerpoint" xmlns:com="http://schemas.openxmlformats.org/drawingml/2006/compatibility" xmlns:p14="http://schemas.microsoft.com/office/powerpoint/2010/main" xmlns:p15="http://schemas.microsoft.com/office/powerpoint/2012/main" xmlns:ahyp="http://schemas.microsoft.com/office/drawing/2018/hyperlinkcolor">
+<p:notesMaster xmlns:a="http://schemas.openxmlformats.org/drawingml/2006/main" xmlns:r="http://schemas.openxmlformats.org/officeDocument/2006/relationships" xmlns:p="http://schemas.openxmlformats.org/presentationml/2006/main">
   <p:cSld>
+    <p:bg>
+      <p:bgRef idx="1001">
+        <a:schemeClr val="bg1"/>
+      </p:bgRef>
+    </p:bg>
     <p:spTree>
       <p:nvGrpSpPr>
-        <p:cNvPr id="2" name="Shape 2"/>
+        <p:cNvPr id="1" name="Shape 2"/>
         <p:cNvGrpSpPr/>
         <p:nvPr/>
       </p:nvGrpSpPr>
@@ -300,9 +305,11 @@
       <p:sp>
         <p:nvSpPr>
           <p:cNvPr id="3" name="Google Shape;3;n"/>
-          <p:cNvSpPr/>
+          <p:cNvSpPr>
+            <a:spLocks noGrp="1" noRot="1" noChangeAspect="1"/>
+          </p:cNvSpPr>
           <p:nvPr>
-            <p:ph idx="2" type="sldImg"/>
+            <p:ph type="sldImg" idx="2"/>
           </p:nvPr>
         </p:nvSpPr>
         <p:spPr>
@@ -311,9 +318,13 @@
             <a:ext cx="6096075" cy="3429000"/>
           </a:xfrm>
           <a:custGeom>
-            <a:rect b="b" l="l" r="r" t="t"/>
+            <a:avLst/>
+            <a:gdLst/>
+            <a:ahLst/>
+            <a:cxnLst/>
+            <a:rect l="l" t="t" r="r" b="b"/>
             <a:pathLst>
-              <a:path extrusionOk="0" h="120000" w="120000">
+              <a:path w="120000" h="120000" extrusionOk="0">
                 <a:moveTo>
                   <a:pt x="0" y="0"/>
                 </a:moveTo>
@@ -331,23 +342,25 @@
             </a:pathLst>
           </a:custGeom>
           <a:noFill/>
-          <a:ln cap="flat" cmpd="sng" w="9525">
+          <a:ln w="9525" cap="flat" cmpd="sng">
             <a:solidFill>
               <a:srgbClr val="000000"/>
             </a:solidFill>
             <a:prstDash val="solid"/>
             <a:round/>
-            <a:headEnd len="sm" w="sm" type="none"/>
-            <a:tailEnd len="sm" w="sm" type="none"/>
+            <a:headEnd type="none" w="sm" len="sm"/>
+            <a:tailEnd type="none" w="sm" len="sm"/>
           </a:ln>
         </p:spPr>
       </p:sp>
       <p:sp>
         <p:nvSpPr>
           <p:cNvPr id="4" name="Google Shape;4;n"/>
-          <p:cNvSpPr txBox="1"/>
+          <p:cNvSpPr txBox="1">
+            <a:spLocks noGrp="1"/>
+          </p:cNvSpPr>
           <p:nvPr>
-            <p:ph idx="1" type="body"/>
+            <p:ph type="body" idx="1"/>
           </p:nvPr>
         </p:nvSpPr>
         <p:spPr>
@@ -364,11 +377,11 @@
           </a:ln>
         </p:spPr>
         <p:txBody>
-          <a:bodyPr anchorCtr="0" anchor="t" bIns="91425" lIns="91425" spcFirstLastPara="1" rIns="91425" wrap="square" tIns="91425">
+          <a:bodyPr spcFirstLastPara="1" wrap="square" lIns="91425" tIns="91425" rIns="91425" bIns="91425" anchor="t" anchorCtr="0">
             <a:noAutofit/>
           </a:bodyPr>
           <a:lstStyle>
-            <a:lvl1pPr indent="-298450" lvl="0" marL="457200">
+            <a:lvl1pPr marL="457200" lvl="0" indent="-298450">
               <a:spcBef>
                 <a:spcPts val="0"/>
               </a:spcBef>
@@ -379,7 +392,7 @@
               <a:buChar char="●"/>
               <a:defRPr sz="1100"/>
             </a:lvl1pPr>
-            <a:lvl2pPr indent="-298450" lvl="1" marL="914400">
+            <a:lvl2pPr marL="914400" lvl="1" indent="-298450">
               <a:spcBef>
                 <a:spcPts val="0"/>
               </a:spcBef>
@@ -390,7 +403,7 @@
               <a:buChar char="○"/>
               <a:defRPr sz="1100"/>
             </a:lvl2pPr>
-            <a:lvl3pPr indent="-298450" lvl="2" marL="1371600">
+            <a:lvl3pPr marL="1371600" lvl="2" indent="-298450">
               <a:spcBef>
                 <a:spcPts val="0"/>
               </a:spcBef>
@@ -401,7 +414,7 @@
               <a:buChar char="■"/>
               <a:defRPr sz="1100"/>
             </a:lvl3pPr>
-            <a:lvl4pPr indent="-298450" lvl="3" marL="1828800">
+            <a:lvl4pPr marL="1828800" lvl="3" indent="-298450">
               <a:spcBef>
                 <a:spcPts val="0"/>
               </a:spcBef>
@@ -412,7 +425,7 @@
               <a:buChar char="●"/>
               <a:defRPr sz="1100"/>
             </a:lvl4pPr>
-            <a:lvl5pPr indent="-298450" lvl="4" marL="2286000">
+            <a:lvl5pPr marL="2286000" lvl="4" indent="-298450">
               <a:spcBef>
                 <a:spcPts val="0"/>
               </a:spcBef>
@@ -423,7 +436,7 @@
               <a:buChar char="○"/>
               <a:defRPr sz="1100"/>
             </a:lvl5pPr>
-            <a:lvl6pPr indent="-298450" lvl="5" marL="2743200">
+            <a:lvl6pPr marL="2743200" lvl="5" indent="-298450">
               <a:spcBef>
                 <a:spcPts val="0"/>
               </a:spcBef>
@@ -434,7 +447,7 @@
               <a:buChar char="■"/>
               <a:defRPr sz="1100"/>
             </a:lvl6pPr>
-            <a:lvl7pPr indent="-298450" lvl="6" marL="3200400">
+            <a:lvl7pPr marL="3200400" lvl="6" indent="-298450">
               <a:spcBef>
                 <a:spcPts val="0"/>
               </a:spcBef>
@@ -445,7 +458,7 @@
               <a:buChar char="●"/>
               <a:defRPr sz="1100"/>
             </a:lvl7pPr>
-            <a:lvl8pPr indent="-298450" lvl="7" marL="3657600">
+            <a:lvl8pPr marL="3657600" lvl="7" indent="-298450">
               <a:spcBef>
                 <a:spcPts val="0"/>
               </a:spcBef>
@@ -456,7 +469,7 @@
               <a:buChar char="○"/>
               <a:defRPr sz="1100"/>
             </a:lvl8pPr>
-            <a:lvl9pPr indent="-298450" lvl="8" marL="4114800">
+            <a:lvl9pPr marL="4114800" lvl="8" indent="-298450">
               <a:spcBef>
                 <a:spcPts val="0"/>
               </a:spcBef>
@@ -468,14 +481,16 @@
               <a:defRPr sz="1100"/>
             </a:lvl9pPr>
           </a:lstStyle>
-          <a:p/>
+          <a:p>
+            <a:endParaRPr/>
+          </a:p>
         </p:txBody>
       </p:sp>
     </p:spTree>
   </p:cSld>
-  <p:clrMap accent1="accent1" accent2="accent2" accent3="accent3" accent4="accent4" accent5="accent5" accent6="accent6" bg1="lt1" bg2="dk2" tx1="dk1" tx2="lt2" folHlink="folHlink" hlink="hlink"/>
+  <p:clrMap bg1="lt1" tx1="dk1" bg2="dk2" tx2="lt2" accent1="accent1" accent2="accent2" accent3="accent3" accent4="accent4" accent5="accent5" accent6="accent6" hlink="hlink" folHlink="folHlink"/>
   <p:notesStyle>
-    <a:defPPr lvl="0" marR="0" rtl="0" algn="l">
+    <a:defPPr marR="0" lvl="0" algn="l" rtl="0">
       <a:lnSpc>
         <a:spcPct val="100000"/>
       </a:lnSpc>
@@ -486,7 +501,7 @@
         <a:spcPts val="0"/>
       </a:spcAft>
     </a:defPPr>
-    <a:lvl1pPr lvl="0" marR="0" rtl="0" algn="l">
+    <a:lvl1pPr marR="0" lvl="0" algn="l" rtl="0">
       <a:lnSpc>
         <a:spcPct val="100000"/>
       </a:lnSpc>
@@ -500,7 +515,7 @@
         <a:srgbClr val="000000"/>
       </a:buClr>
       <a:buFont typeface="Arial"/>
-      <a:defRPr b="0" i="0" sz="1400" u="none" cap="none" strike="noStrike">
+      <a:defRPr sz="1400" b="0" i="0" u="none" strike="noStrike" cap="none">
         <a:solidFill>
           <a:srgbClr val="000000"/>
         </a:solidFill>
@@ -510,7 +525,7 @@
         <a:sym typeface="Arial"/>
       </a:defRPr>
     </a:lvl1pPr>
-    <a:lvl2pPr lvl="1" marR="0" rtl="0" algn="l">
+    <a:lvl2pPr marR="0" lvl="1" algn="l" rtl="0">
       <a:lnSpc>
         <a:spcPct val="100000"/>
       </a:lnSpc>
@@ -524,7 +539,7 @@
         <a:srgbClr val="000000"/>
       </a:buClr>
       <a:buFont typeface="Arial"/>
-      <a:defRPr b="0" i="0" sz="1400" u="none" cap="none" strike="noStrike">
+      <a:defRPr sz="1400" b="0" i="0" u="none" strike="noStrike" cap="none">
         <a:solidFill>
           <a:srgbClr val="000000"/>
         </a:solidFill>
@@ -534,7 +549,7 @@
         <a:sym typeface="Arial"/>
       </a:defRPr>
     </a:lvl2pPr>
-    <a:lvl3pPr lvl="2" marR="0" rtl="0" algn="l">
+    <a:lvl3pPr marR="0" lvl="2" algn="l" rtl="0">
       <a:lnSpc>
         <a:spcPct val="100000"/>
       </a:lnSpc>
@@ -548,7 +563,7 @@
         <a:srgbClr val="000000"/>
       </a:buClr>
       <a:buFont typeface="Arial"/>
-      <a:defRPr b="0" i="0" sz="1400" u="none" cap="none" strike="noStrike">
+      <a:defRPr sz="1400" b="0" i="0" u="none" strike="noStrike" cap="none">
         <a:solidFill>
           <a:srgbClr val="000000"/>
         </a:solidFill>
@@ -558,7 +573,7 @@
         <a:sym typeface="Arial"/>
       </a:defRPr>
     </a:lvl3pPr>
-    <a:lvl4pPr lvl="3" marR="0" rtl="0" algn="l">
+    <a:lvl4pPr marR="0" lvl="3" algn="l" rtl="0">
       <a:lnSpc>
         <a:spcPct val="100000"/>
       </a:lnSpc>
@@ -572,7 +587,7 @@
         <a:srgbClr val="000000"/>
       </a:buClr>
       <a:buFont typeface="Arial"/>
-      <a:defRPr b="0" i="0" sz="1400" u="none" cap="none" strike="noStrike">
+      <a:defRPr sz="1400" b="0" i="0" u="none" strike="noStrike" cap="none">
         <a:solidFill>
           <a:srgbClr val="000000"/>
         </a:solidFill>
@@ -582,7 +597,7 @@
         <a:sym typeface="Arial"/>
       </a:defRPr>
     </a:lvl4pPr>
-    <a:lvl5pPr lvl="4" marR="0" rtl="0" algn="l">
+    <a:lvl5pPr marR="0" lvl="4" algn="l" rtl="0">
       <a:lnSpc>
         <a:spcPct val="100000"/>
       </a:lnSpc>
@@ -596,7 +611,7 @@
         <a:srgbClr val="000000"/>
       </a:buClr>
       <a:buFont typeface="Arial"/>
-      <a:defRPr b="0" i="0" sz="1400" u="none" cap="none" strike="noStrike">
+      <a:defRPr sz="1400" b="0" i="0" u="none" strike="noStrike" cap="none">
         <a:solidFill>
           <a:srgbClr val="000000"/>
         </a:solidFill>
@@ -606,7 +621,7 @@
         <a:sym typeface="Arial"/>
       </a:defRPr>
     </a:lvl5pPr>
-    <a:lvl6pPr lvl="5" marR="0" rtl="0" algn="l">
+    <a:lvl6pPr marR="0" lvl="5" algn="l" rtl="0">
       <a:lnSpc>
         <a:spcPct val="100000"/>
       </a:lnSpc>
@@ -620,7 +635,7 @@
         <a:srgbClr val="000000"/>
       </a:buClr>
       <a:buFont typeface="Arial"/>
-      <a:defRPr b="0" i="0" sz="1400" u="none" cap="none" strike="noStrike">
+      <a:defRPr sz="1400" b="0" i="0" u="none" strike="noStrike" cap="none">
         <a:solidFill>
           <a:srgbClr val="000000"/>
         </a:solidFill>
@@ -630,7 +645,7 @@
         <a:sym typeface="Arial"/>
       </a:defRPr>
     </a:lvl6pPr>
-    <a:lvl7pPr lvl="6" marR="0" rtl="0" algn="l">
+    <a:lvl7pPr marR="0" lvl="6" algn="l" rtl="0">
       <a:lnSpc>
         <a:spcPct val="100000"/>
       </a:lnSpc>
@@ -644,7 +659,7 @@
         <a:srgbClr val="000000"/>
       </a:buClr>
       <a:buFont typeface="Arial"/>
-      <a:defRPr b="0" i="0" sz="1400" u="none" cap="none" strike="noStrike">
+      <a:defRPr sz="1400" b="0" i="0" u="none" strike="noStrike" cap="none">
         <a:solidFill>
           <a:srgbClr val="000000"/>
         </a:solidFill>
@@ -654,7 +669,7 @@
         <a:sym typeface="Arial"/>
       </a:defRPr>
     </a:lvl7pPr>
-    <a:lvl8pPr lvl="7" marR="0" rtl="0" algn="l">
+    <a:lvl8pPr marR="0" lvl="7" algn="l" rtl="0">
       <a:lnSpc>
         <a:spcPct val="100000"/>
       </a:lnSpc>
@@ -668,7 +683,7 @@
         <a:srgbClr val="000000"/>
       </a:buClr>
       <a:buFont typeface="Arial"/>
-      <a:defRPr b="0" i="0" sz="1400" u="none" cap="none" strike="noStrike">
+      <a:defRPr sz="1400" b="0" i="0" u="none" strike="noStrike" cap="none">
         <a:solidFill>
           <a:srgbClr val="000000"/>
         </a:solidFill>
@@ -678,7 +693,7 @@
         <a:sym typeface="Arial"/>
       </a:defRPr>
     </a:lvl8pPr>
-    <a:lvl9pPr lvl="8" marR="0" rtl="0" algn="l">
+    <a:lvl9pPr marR="0" lvl="8" algn="l" rtl="0">
       <a:lnSpc>
         <a:spcPct val="100000"/>
       </a:lnSpc>
@@ -692,7 +707,7 @@
         <a:srgbClr val="000000"/>
       </a:buClr>
       <a:buFont typeface="Arial"/>
-      <a:defRPr b="0" i="0" sz="1400" u="none" cap="none" strike="noStrike">
+      <a:defRPr sz="1400" b="0" i="0" u="none" strike="noStrike" cap="none">
         <a:solidFill>
           <a:srgbClr val="000000"/>
         </a:solidFill>
@@ -707,11 +722,11 @@
 </file>
 
 <file path=ppt/notesSlides/notesSlide1.xml><?xml version="1.0" encoding="utf-8"?>
-<p:notes xmlns:a="http://schemas.openxmlformats.org/drawingml/2006/main" xmlns:r="http://schemas.openxmlformats.org/officeDocument/2006/relationships" xmlns:mc="http://schemas.openxmlformats.org/markup-compatibility/2006" xmlns:mv="urn:schemas-microsoft-com:mac:vml" xmlns:p="http://schemas.openxmlformats.org/presentationml/2006/main" xmlns:c="http://schemas.openxmlformats.org/drawingml/2006/chart" xmlns:dgm="http://schemas.openxmlformats.org/drawingml/2006/diagram" xmlns:o="urn:schemas-microsoft-com:office:office" xmlns:v="urn:schemas-microsoft-com:vml" xmlns:pvml="urn:schemas-microsoft-com:office:powerpoint" xmlns:com="http://schemas.openxmlformats.org/drawingml/2006/compatibility" xmlns:p14="http://schemas.microsoft.com/office/powerpoint/2010/main" xmlns:p15="http://schemas.microsoft.com/office/powerpoint/2012/main" xmlns:ahyp="http://schemas.microsoft.com/office/drawing/2018/hyperlinkcolor" showMasterPhAnim="0" showMasterSp="0">
+<p:notes xmlns:a="http://schemas.openxmlformats.org/drawingml/2006/main" xmlns:r="http://schemas.openxmlformats.org/officeDocument/2006/relationships" xmlns:p="http://schemas.openxmlformats.org/presentationml/2006/main" showMasterSp="0" showMasterPhAnim="0">
   <p:cSld>
     <p:spTree>
       <p:nvGrpSpPr>
-        <p:cNvPr id="55" name="Shape 55"/>
+        <p:cNvPr id="1" name="Shape 55"/>
         <p:cNvGrpSpPr/>
         <p:nvPr/>
       </p:nvGrpSpPr>
@@ -726,9 +741,11 @@
       <p:sp>
         <p:nvSpPr>
           <p:cNvPr id="56" name="Google Shape;56;p:notes"/>
-          <p:cNvSpPr/>
+          <p:cNvSpPr>
+            <a:spLocks noGrp="1" noRot="1" noChangeAspect="1"/>
+          </p:cNvSpPr>
           <p:nvPr>
-            <p:ph idx="2" type="sldImg"/>
+            <p:ph type="sldImg" idx="2"/>
           </p:nvPr>
         </p:nvSpPr>
         <p:spPr>
@@ -737,9 +754,13 @@
             <a:ext cx="6096075" cy="3429000"/>
           </a:xfrm>
           <a:custGeom>
-            <a:rect b="b" l="l" r="r" t="t"/>
+            <a:avLst/>
+            <a:gdLst/>
+            <a:ahLst/>
+            <a:cxnLst/>
+            <a:rect l="l" t="t" r="r" b="b"/>
             <a:pathLst>
-              <a:path extrusionOk="0" h="120000" w="120000">
+              <a:path w="120000" h="120000" extrusionOk="0">
                 <a:moveTo>
                   <a:pt x="0" y="0"/>
                 </a:moveTo>
@@ -761,9 +782,11 @@
       <p:sp>
         <p:nvSpPr>
           <p:cNvPr id="57" name="Google Shape;57;p:notes"/>
-          <p:cNvSpPr txBox="1"/>
+          <p:cNvSpPr txBox="1">
+            <a:spLocks noGrp="1"/>
+          </p:cNvSpPr>
           <p:nvPr>
-            <p:ph idx="1" type="body"/>
+            <p:ph type="body" idx="1"/>
           </p:nvPr>
         </p:nvSpPr>
         <p:spPr>
@@ -776,12 +799,12 @@
           </a:prstGeom>
         </p:spPr>
         <p:txBody>
-          <a:bodyPr anchorCtr="0" anchor="t" bIns="91425" lIns="91425" spcFirstLastPara="1" rIns="91425" wrap="square" tIns="91425">
+          <a:bodyPr spcFirstLastPara="1" wrap="square" lIns="91425" tIns="91425" rIns="91425" bIns="91425" anchor="t" anchorCtr="0">
             <a:noAutofit/>
           </a:bodyPr>
           <a:lstStyle/>
           <a:p>
-            <a:pPr indent="0" lvl="0" marL="0" rtl="0" algn="l">
+            <a:pPr marL="0" lvl="0" indent="0" algn="l" rtl="0">
               <a:spcBef>
                 <a:spcPts val="0"/>
               </a:spcBef>
@@ -790,9 +813,6 @@
               </a:spcAft>
               <a:buNone/>
             </a:pPr>
-            <a:r>
-              <a:t/>
-            </a:r>
             <a:endParaRPr/>
           </a:p>
         </p:txBody>
@@ -806,11 +826,11 @@
 </file>
 
 <file path=ppt/notesSlides/notesSlide10.xml><?xml version="1.0" encoding="utf-8"?>
-<p:notes xmlns:a="http://schemas.openxmlformats.org/drawingml/2006/main" xmlns:r="http://schemas.openxmlformats.org/officeDocument/2006/relationships" xmlns:mc="http://schemas.openxmlformats.org/markup-compatibility/2006" xmlns:mv="urn:schemas-microsoft-com:mac:vml" xmlns:p="http://schemas.openxmlformats.org/presentationml/2006/main" xmlns:c="http://schemas.openxmlformats.org/drawingml/2006/chart" xmlns:dgm="http://schemas.openxmlformats.org/drawingml/2006/diagram" xmlns:o="urn:schemas-microsoft-com:office:office" xmlns:v="urn:schemas-microsoft-com:vml" xmlns:pvml="urn:schemas-microsoft-com:office:powerpoint" xmlns:com="http://schemas.openxmlformats.org/drawingml/2006/compatibility" xmlns:p14="http://schemas.microsoft.com/office/powerpoint/2010/main" xmlns:p15="http://schemas.microsoft.com/office/powerpoint/2012/main" xmlns:ahyp="http://schemas.microsoft.com/office/drawing/2018/hyperlinkcolor" showMasterPhAnim="0" showMasterSp="0">
+<p:notes xmlns:a="http://schemas.openxmlformats.org/drawingml/2006/main" xmlns:r="http://schemas.openxmlformats.org/officeDocument/2006/relationships" xmlns:p="http://schemas.openxmlformats.org/presentationml/2006/main" showMasterSp="0" showMasterPhAnim="0">
   <p:cSld>
     <p:spTree>
       <p:nvGrpSpPr>
-        <p:cNvPr id="115" name="Shape 115"/>
+        <p:cNvPr id="1" name="Shape 115"/>
         <p:cNvGrpSpPr/>
         <p:nvPr/>
       </p:nvGrpSpPr>
@@ -825,20 +845,26 @@
       <p:sp>
         <p:nvSpPr>
           <p:cNvPr id="116" name="Google Shape;116;g1c95ee53eb3_2_0:notes"/>
-          <p:cNvSpPr/>
+          <p:cNvSpPr>
+            <a:spLocks noGrp="1" noRot="1" noChangeAspect="1"/>
+          </p:cNvSpPr>
           <p:nvPr>
-            <p:ph idx="2" type="sldImg"/>
+            <p:ph type="sldImg" idx="2"/>
           </p:nvPr>
         </p:nvSpPr>
         <p:spPr>
           <a:xfrm>
-            <a:off x="381300" y="685800"/>
+            <a:off x="381000" y="685800"/>
             <a:ext cx="6096000" cy="3429000"/>
           </a:xfrm>
           <a:custGeom>
-            <a:rect b="b" l="l" r="r" t="t"/>
+            <a:avLst/>
+            <a:gdLst/>
+            <a:ahLst/>
+            <a:cxnLst/>
+            <a:rect l="l" t="t" r="r" b="b"/>
             <a:pathLst>
-              <a:path extrusionOk="0" h="120000" w="120000">
+              <a:path w="120000" h="120000" extrusionOk="0">
                 <a:moveTo>
                   <a:pt x="0" y="0"/>
                 </a:moveTo>
@@ -860,9 +886,11 @@
       <p:sp>
         <p:nvSpPr>
           <p:cNvPr id="117" name="Google Shape;117;g1c95ee53eb3_2_0:notes"/>
-          <p:cNvSpPr txBox="1"/>
+          <p:cNvSpPr txBox="1">
+            <a:spLocks noGrp="1"/>
+          </p:cNvSpPr>
           <p:nvPr>
-            <p:ph idx="1" type="body"/>
+            <p:ph type="body" idx="1"/>
           </p:nvPr>
         </p:nvSpPr>
         <p:spPr>
@@ -875,12 +903,12 @@
           </a:prstGeom>
         </p:spPr>
         <p:txBody>
-          <a:bodyPr anchorCtr="0" anchor="t" bIns="91425" lIns="91425" spcFirstLastPara="1" rIns="91425" wrap="square" tIns="91425">
+          <a:bodyPr spcFirstLastPara="1" wrap="square" lIns="91425" tIns="91425" rIns="91425" bIns="91425" anchor="t" anchorCtr="0">
             <a:noAutofit/>
           </a:bodyPr>
           <a:lstStyle/>
           <a:p>
-            <a:pPr indent="-298450" lvl="0" marL="457200" rtl="0" algn="l">
+            <a:pPr marL="457200" lvl="0" indent="-298450" algn="l" rtl="0">
               <a:spcBef>
                 <a:spcPts val="0"/>
               </a:spcBef>
@@ -907,11 +935,11 @@
 </file>
 
 <file path=ppt/notesSlides/notesSlide11.xml><?xml version="1.0" encoding="utf-8"?>
-<p:notes xmlns:a="http://schemas.openxmlformats.org/drawingml/2006/main" xmlns:r="http://schemas.openxmlformats.org/officeDocument/2006/relationships" xmlns:mc="http://schemas.openxmlformats.org/markup-compatibility/2006" xmlns:mv="urn:schemas-microsoft-com:mac:vml" xmlns:p="http://schemas.openxmlformats.org/presentationml/2006/main" xmlns:c="http://schemas.openxmlformats.org/drawingml/2006/chart" xmlns:dgm="http://schemas.openxmlformats.org/drawingml/2006/diagram" xmlns:o="urn:schemas-microsoft-com:office:office" xmlns:v="urn:schemas-microsoft-com:vml" xmlns:pvml="urn:schemas-microsoft-com:office:powerpoint" xmlns:com="http://schemas.openxmlformats.org/drawingml/2006/compatibility" xmlns:p14="http://schemas.microsoft.com/office/powerpoint/2010/main" xmlns:p15="http://schemas.microsoft.com/office/powerpoint/2012/main" xmlns:ahyp="http://schemas.microsoft.com/office/drawing/2018/hyperlinkcolor" showMasterPhAnim="0" showMasterSp="0">
+<p:notes xmlns:a="http://schemas.openxmlformats.org/drawingml/2006/main" xmlns:r="http://schemas.openxmlformats.org/officeDocument/2006/relationships" xmlns:p="http://schemas.openxmlformats.org/presentationml/2006/main" showMasterSp="0" showMasterPhAnim="0">
   <p:cSld>
     <p:spTree>
       <p:nvGrpSpPr>
-        <p:cNvPr id="124" name="Shape 124"/>
+        <p:cNvPr id="1" name="Shape 124"/>
         <p:cNvGrpSpPr/>
         <p:nvPr/>
       </p:nvGrpSpPr>
@@ -926,20 +954,26 @@
       <p:sp>
         <p:nvSpPr>
           <p:cNvPr id="125" name="Google Shape;125;g1c95ee53eb3_0_35:notes"/>
-          <p:cNvSpPr/>
+          <p:cNvSpPr>
+            <a:spLocks noGrp="1" noRot="1" noChangeAspect="1"/>
+          </p:cNvSpPr>
           <p:nvPr>
-            <p:ph idx="2" type="sldImg"/>
+            <p:ph type="sldImg" idx="2"/>
           </p:nvPr>
         </p:nvSpPr>
         <p:spPr>
           <a:xfrm>
-            <a:off x="381300" y="685800"/>
+            <a:off x="381000" y="685800"/>
             <a:ext cx="6096000" cy="3429000"/>
           </a:xfrm>
           <a:custGeom>
-            <a:rect b="b" l="l" r="r" t="t"/>
+            <a:avLst/>
+            <a:gdLst/>
+            <a:ahLst/>
+            <a:cxnLst/>
+            <a:rect l="l" t="t" r="r" b="b"/>
             <a:pathLst>
-              <a:path extrusionOk="0" h="120000" w="120000">
+              <a:path w="120000" h="120000" extrusionOk="0">
                 <a:moveTo>
                   <a:pt x="0" y="0"/>
                 </a:moveTo>
@@ -961,9 +995,11 @@
       <p:sp>
         <p:nvSpPr>
           <p:cNvPr id="126" name="Google Shape;126;g1c95ee53eb3_0_35:notes"/>
-          <p:cNvSpPr txBox="1"/>
+          <p:cNvSpPr txBox="1">
+            <a:spLocks noGrp="1"/>
+          </p:cNvSpPr>
           <p:nvPr>
-            <p:ph idx="1" type="body"/>
+            <p:ph type="body" idx="1"/>
           </p:nvPr>
         </p:nvSpPr>
         <p:spPr>
@@ -976,12 +1012,12 @@
           </a:prstGeom>
         </p:spPr>
         <p:txBody>
-          <a:bodyPr anchorCtr="0" anchor="t" bIns="91425" lIns="91425" spcFirstLastPara="1" rIns="91425" wrap="square" tIns="91425">
+          <a:bodyPr spcFirstLastPara="1" wrap="square" lIns="91425" tIns="91425" rIns="91425" bIns="91425" anchor="t" anchorCtr="0">
             <a:noAutofit/>
           </a:bodyPr>
           <a:lstStyle/>
           <a:p>
-            <a:pPr indent="0" lvl="0" marL="0" rtl="0" algn="l">
+            <a:pPr marL="0" lvl="0" indent="0" algn="l" rtl="0">
               <a:spcBef>
                 <a:spcPts val="0"/>
               </a:spcBef>
@@ -990,9 +1026,6 @@
               </a:spcAft>
               <a:buNone/>
             </a:pPr>
-            <a:r>
-              <a:t/>
-            </a:r>
             <a:endParaRPr/>
           </a:p>
         </p:txBody>
@@ -1006,11 +1039,11 @@
 </file>
 
 <file path=ppt/notesSlides/notesSlide12.xml><?xml version="1.0" encoding="utf-8"?>
-<p:notes xmlns:a="http://schemas.openxmlformats.org/drawingml/2006/main" xmlns:r="http://schemas.openxmlformats.org/officeDocument/2006/relationships" xmlns:mc="http://schemas.openxmlformats.org/markup-compatibility/2006" xmlns:mv="urn:schemas-microsoft-com:mac:vml" xmlns:p="http://schemas.openxmlformats.org/presentationml/2006/main" xmlns:c="http://schemas.openxmlformats.org/drawingml/2006/chart" xmlns:dgm="http://schemas.openxmlformats.org/drawingml/2006/diagram" xmlns:o="urn:schemas-microsoft-com:office:office" xmlns:v="urn:schemas-microsoft-com:vml" xmlns:pvml="urn:schemas-microsoft-com:office:powerpoint" xmlns:com="http://schemas.openxmlformats.org/drawingml/2006/compatibility" xmlns:p14="http://schemas.microsoft.com/office/powerpoint/2010/main" xmlns:p15="http://schemas.microsoft.com/office/powerpoint/2012/main" xmlns:ahyp="http://schemas.microsoft.com/office/drawing/2018/hyperlinkcolor" showMasterPhAnim="0" showMasterSp="0">
+<p:notes xmlns:a="http://schemas.openxmlformats.org/drawingml/2006/main" xmlns:r="http://schemas.openxmlformats.org/officeDocument/2006/relationships" xmlns:p="http://schemas.openxmlformats.org/presentationml/2006/main" showMasterSp="0" showMasterPhAnim="0">
   <p:cSld>
     <p:spTree>
       <p:nvGrpSpPr>
-        <p:cNvPr id="131" name="Shape 131"/>
+        <p:cNvPr id="1" name="Shape 131"/>
         <p:cNvGrpSpPr/>
         <p:nvPr/>
       </p:nvGrpSpPr>
@@ -1025,9 +1058,11 @@
       <p:sp>
         <p:nvSpPr>
           <p:cNvPr id="132" name="Google Shape;132;g1c95ee53eb3_2_6:notes"/>
-          <p:cNvSpPr/>
+          <p:cNvSpPr>
+            <a:spLocks noGrp="1" noRot="1" noChangeAspect="1"/>
+          </p:cNvSpPr>
           <p:nvPr>
-            <p:ph idx="2" type="sldImg"/>
+            <p:ph type="sldImg" idx="2"/>
           </p:nvPr>
         </p:nvSpPr>
         <p:spPr>
@@ -1036,9 +1071,13 @@
             <a:ext cx="6096000" cy="3429000"/>
           </a:xfrm>
           <a:custGeom>
-            <a:rect b="b" l="l" r="r" t="t"/>
+            <a:avLst/>
+            <a:gdLst/>
+            <a:ahLst/>
+            <a:cxnLst/>
+            <a:rect l="l" t="t" r="r" b="b"/>
             <a:pathLst>
-              <a:path extrusionOk="0" h="120000" w="120000">
+              <a:path w="120000" h="120000" extrusionOk="0">
                 <a:moveTo>
                   <a:pt x="0" y="0"/>
                 </a:moveTo>
@@ -1060,9 +1099,11 @@
       <p:sp>
         <p:nvSpPr>
           <p:cNvPr id="133" name="Google Shape;133;g1c95ee53eb3_2_6:notes"/>
-          <p:cNvSpPr txBox="1"/>
+          <p:cNvSpPr txBox="1">
+            <a:spLocks noGrp="1"/>
+          </p:cNvSpPr>
           <p:nvPr>
-            <p:ph idx="1" type="body"/>
+            <p:ph type="body" idx="1"/>
           </p:nvPr>
         </p:nvSpPr>
         <p:spPr>
@@ -1075,12 +1116,12 @@
           </a:prstGeom>
         </p:spPr>
         <p:txBody>
-          <a:bodyPr anchorCtr="0" anchor="t" bIns="91425" lIns="91425" spcFirstLastPara="1" rIns="91425" wrap="square" tIns="91425">
+          <a:bodyPr spcFirstLastPara="1" wrap="square" lIns="91425" tIns="91425" rIns="91425" bIns="91425" anchor="t" anchorCtr="0">
             <a:noAutofit/>
           </a:bodyPr>
           <a:lstStyle/>
           <a:p>
-            <a:pPr indent="0" lvl="0" marL="0" rtl="0" algn="l">
+            <a:pPr marL="0" lvl="0" indent="0" algn="l" rtl="0">
               <a:spcBef>
                 <a:spcPts val="0"/>
               </a:spcBef>
@@ -1089,9 +1130,6 @@
               </a:spcAft>
               <a:buNone/>
             </a:pPr>
-            <a:r>
-              <a:t/>
-            </a:r>
             <a:endParaRPr/>
           </a:p>
         </p:txBody>
@@ -1105,11 +1143,11 @@
 </file>
 
 <file path=ppt/notesSlides/notesSlide2.xml><?xml version="1.0" encoding="utf-8"?>
-<p:notes xmlns:a="http://schemas.openxmlformats.org/drawingml/2006/main" xmlns:r="http://schemas.openxmlformats.org/officeDocument/2006/relationships" xmlns:mc="http://schemas.openxmlformats.org/markup-compatibility/2006" xmlns:mv="urn:schemas-microsoft-com:mac:vml" xmlns:p="http://schemas.openxmlformats.org/presentationml/2006/main" xmlns:c="http://schemas.openxmlformats.org/drawingml/2006/chart" xmlns:dgm="http://schemas.openxmlformats.org/drawingml/2006/diagram" xmlns:o="urn:schemas-microsoft-com:office:office" xmlns:v="urn:schemas-microsoft-com:vml" xmlns:pvml="urn:schemas-microsoft-com:office:powerpoint" xmlns:com="http://schemas.openxmlformats.org/drawingml/2006/compatibility" xmlns:p14="http://schemas.microsoft.com/office/powerpoint/2010/main" xmlns:p15="http://schemas.microsoft.com/office/powerpoint/2012/main" xmlns:ahyp="http://schemas.microsoft.com/office/drawing/2018/hyperlinkcolor" showMasterPhAnim="0" showMasterSp="0">
+<p:notes xmlns:a="http://schemas.openxmlformats.org/drawingml/2006/main" xmlns:r="http://schemas.openxmlformats.org/officeDocument/2006/relationships" xmlns:p="http://schemas.openxmlformats.org/presentationml/2006/main" showMasterSp="0" showMasterPhAnim="0">
   <p:cSld>
     <p:spTree>
       <p:nvGrpSpPr>
-        <p:cNvPr id="61" name="Shape 61"/>
+        <p:cNvPr id="1" name="Shape 61"/>
         <p:cNvGrpSpPr/>
         <p:nvPr/>
       </p:nvGrpSpPr>
@@ -1124,9 +1162,11 @@
       <p:sp>
         <p:nvSpPr>
           <p:cNvPr id="62" name="Google Shape;62;g1c95ee53eb3_0_0:notes"/>
-          <p:cNvSpPr/>
+          <p:cNvSpPr>
+            <a:spLocks noGrp="1" noRot="1" noChangeAspect="1"/>
+          </p:cNvSpPr>
           <p:nvPr>
-            <p:ph idx="2" type="sldImg"/>
+            <p:ph type="sldImg" idx="2"/>
           </p:nvPr>
         </p:nvSpPr>
         <p:spPr>
@@ -1135,9 +1175,13 @@
             <a:ext cx="6096000" cy="3429000"/>
           </a:xfrm>
           <a:custGeom>
-            <a:rect b="b" l="l" r="r" t="t"/>
+            <a:avLst/>
+            <a:gdLst/>
+            <a:ahLst/>
+            <a:cxnLst/>
+            <a:rect l="l" t="t" r="r" b="b"/>
             <a:pathLst>
-              <a:path extrusionOk="0" h="120000" w="120000">
+              <a:path w="120000" h="120000" extrusionOk="0">
                 <a:moveTo>
                   <a:pt x="0" y="0"/>
                 </a:moveTo>
@@ -1159,9 +1203,11 @@
       <p:sp>
         <p:nvSpPr>
           <p:cNvPr id="63" name="Google Shape;63;g1c95ee53eb3_0_0:notes"/>
-          <p:cNvSpPr txBox="1"/>
+          <p:cNvSpPr txBox="1">
+            <a:spLocks noGrp="1"/>
+          </p:cNvSpPr>
           <p:nvPr>
-            <p:ph idx="1" type="body"/>
+            <p:ph type="body" idx="1"/>
           </p:nvPr>
         </p:nvSpPr>
         <p:spPr>
@@ -1174,12 +1220,12 @@
           </a:prstGeom>
         </p:spPr>
         <p:txBody>
-          <a:bodyPr anchorCtr="0" anchor="t" bIns="91425" lIns="91425" spcFirstLastPara="1" rIns="91425" wrap="square" tIns="91425">
+          <a:bodyPr spcFirstLastPara="1" wrap="square" lIns="91425" tIns="91425" rIns="91425" bIns="91425" anchor="t" anchorCtr="0">
             <a:noAutofit/>
           </a:bodyPr>
           <a:lstStyle/>
           <a:p>
-            <a:pPr indent="-298450" lvl="0" marL="457200" rtl="0" algn="l">
+            <a:pPr marL="457200" lvl="0" indent="-298450" algn="l" rtl="0">
               <a:spcBef>
                 <a:spcPts val="0"/>
               </a:spcBef>
@@ -1206,11 +1252,11 @@
 </file>
 
 <file path=ppt/notesSlides/notesSlide3.xml><?xml version="1.0" encoding="utf-8"?>
-<p:notes xmlns:a="http://schemas.openxmlformats.org/drawingml/2006/main" xmlns:r="http://schemas.openxmlformats.org/officeDocument/2006/relationships" xmlns:mc="http://schemas.openxmlformats.org/markup-compatibility/2006" xmlns:mv="urn:schemas-microsoft-com:mac:vml" xmlns:p="http://schemas.openxmlformats.org/presentationml/2006/main" xmlns:c="http://schemas.openxmlformats.org/drawingml/2006/chart" xmlns:dgm="http://schemas.openxmlformats.org/drawingml/2006/diagram" xmlns:o="urn:schemas-microsoft-com:office:office" xmlns:v="urn:schemas-microsoft-com:vml" xmlns:pvml="urn:schemas-microsoft-com:office:powerpoint" xmlns:com="http://schemas.openxmlformats.org/drawingml/2006/compatibility" xmlns:p14="http://schemas.microsoft.com/office/powerpoint/2010/main" xmlns:p15="http://schemas.microsoft.com/office/powerpoint/2012/main" xmlns:ahyp="http://schemas.microsoft.com/office/drawing/2018/hyperlinkcolor" showMasterPhAnim="0" showMasterSp="0">
+<p:notes xmlns:a="http://schemas.openxmlformats.org/drawingml/2006/main" xmlns:r="http://schemas.openxmlformats.org/officeDocument/2006/relationships" xmlns:p="http://schemas.openxmlformats.org/presentationml/2006/main" showMasterSp="0" showMasterPhAnim="0">
   <p:cSld>
     <p:spTree>
       <p:nvGrpSpPr>
-        <p:cNvPr id="67" name="Shape 67"/>
+        <p:cNvPr id="1" name="Shape 67"/>
         <p:cNvGrpSpPr/>
         <p:nvPr/>
       </p:nvGrpSpPr>
@@ -1225,9 +1271,11 @@
       <p:sp>
         <p:nvSpPr>
           <p:cNvPr id="68" name="Google Shape;68;g1c95ee53eb3_0_5:notes"/>
-          <p:cNvSpPr/>
+          <p:cNvSpPr>
+            <a:spLocks noGrp="1" noRot="1" noChangeAspect="1"/>
+          </p:cNvSpPr>
           <p:nvPr>
-            <p:ph idx="2" type="sldImg"/>
+            <p:ph type="sldImg" idx="2"/>
           </p:nvPr>
         </p:nvSpPr>
         <p:spPr>
@@ -1236,9 +1284,13 @@
             <a:ext cx="6096000" cy="3429000"/>
           </a:xfrm>
           <a:custGeom>
-            <a:rect b="b" l="l" r="r" t="t"/>
+            <a:avLst/>
+            <a:gdLst/>
+            <a:ahLst/>
+            <a:cxnLst/>
+            <a:rect l="l" t="t" r="r" b="b"/>
             <a:pathLst>
-              <a:path extrusionOk="0" h="120000" w="120000">
+              <a:path w="120000" h="120000" extrusionOk="0">
                 <a:moveTo>
                   <a:pt x="0" y="0"/>
                 </a:moveTo>
@@ -1260,9 +1312,11 @@
       <p:sp>
         <p:nvSpPr>
           <p:cNvPr id="69" name="Google Shape;69;g1c95ee53eb3_0_5:notes"/>
-          <p:cNvSpPr txBox="1"/>
+          <p:cNvSpPr txBox="1">
+            <a:spLocks noGrp="1"/>
+          </p:cNvSpPr>
           <p:nvPr>
-            <p:ph idx="1" type="body"/>
+            <p:ph type="body" idx="1"/>
           </p:nvPr>
         </p:nvSpPr>
         <p:spPr>
@@ -1275,12 +1329,12 @@
           </a:prstGeom>
         </p:spPr>
         <p:txBody>
-          <a:bodyPr anchorCtr="0" anchor="t" bIns="91425" lIns="91425" spcFirstLastPara="1" rIns="91425" wrap="square" tIns="91425">
+          <a:bodyPr spcFirstLastPara="1" wrap="square" lIns="91425" tIns="91425" rIns="91425" bIns="91425" anchor="t" anchorCtr="0">
             <a:noAutofit/>
           </a:bodyPr>
           <a:lstStyle/>
           <a:p>
-            <a:pPr indent="0" lvl="0" marL="0" rtl="0" algn="l">
+            <a:pPr marL="0" lvl="0" indent="0" algn="l" rtl="0">
               <a:spcBef>
                 <a:spcPts val="0"/>
               </a:spcBef>
@@ -1289,9 +1343,6 @@
               </a:spcAft>
               <a:buNone/>
             </a:pPr>
-            <a:r>
-              <a:t/>
-            </a:r>
             <a:endParaRPr/>
           </a:p>
         </p:txBody>
@@ -1305,11 +1356,11 @@
 </file>
 
 <file path=ppt/notesSlides/notesSlide4.xml><?xml version="1.0" encoding="utf-8"?>
-<p:notes xmlns:a="http://schemas.openxmlformats.org/drawingml/2006/main" xmlns:r="http://schemas.openxmlformats.org/officeDocument/2006/relationships" xmlns:mc="http://schemas.openxmlformats.org/markup-compatibility/2006" xmlns:mv="urn:schemas-microsoft-com:mac:vml" xmlns:p="http://schemas.openxmlformats.org/presentationml/2006/main" xmlns:c="http://schemas.openxmlformats.org/drawingml/2006/chart" xmlns:dgm="http://schemas.openxmlformats.org/drawingml/2006/diagram" xmlns:o="urn:schemas-microsoft-com:office:office" xmlns:v="urn:schemas-microsoft-com:vml" xmlns:pvml="urn:schemas-microsoft-com:office:powerpoint" xmlns:com="http://schemas.openxmlformats.org/drawingml/2006/compatibility" xmlns:p14="http://schemas.microsoft.com/office/powerpoint/2010/main" xmlns:p15="http://schemas.microsoft.com/office/powerpoint/2012/main" xmlns:ahyp="http://schemas.microsoft.com/office/drawing/2018/hyperlinkcolor" showMasterPhAnim="0" showMasterSp="0">
+<p:notes xmlns:a="http://schemas.openxmlformats.org/drawingml/2006/main" xmlns:r="http://schemas.openxmlformats.org/officeDocument/2006/relationships" xmlns:p="http://schemas.openxmlformats.org/presentationml/2006/main" showMasterSp="0" showMasterPhAnim="0">
   <p:cSld>
     <p:spTree>
       <p:nvGrpSpPr>
-        <p:cNvPr id="73" name="Shape 73"/>
+        <p:cNvPr id="1" name="Shape 73"/>
         <p:cNvGrpSpPr/>
         <p:nvPr/>
       </p:nvGrpSpPr>
@@ -1324,9 +1375,11 @@
       <p:sp>
         <p:nvSpPr>
           <p:cNvPr id="74" name="Google Shape;74;g1c95ee53eb3_0_10:notes"/>
-          <p:cNvSpPr/>
+          <p:cNvSpPr>
+            <a:spLocks noGrp="1" noRot="1" noChangeAspect="1"/>
+          </p:cNvSpPr>
           <p:nvPr>
-            <p:ph idx="2" type="sldImg"/>
+            <p:ph type="sldImg" idx="2"/>
           </p:nvPr>
         </p:nvSpPr>
         <p:spPr>
@@ -1335,9 +1388,13 @@
             <a:ext cx="6096000" cy="3429000"/>
           </a:xfrm>
           <a:custGeom>
-            <a:rect b="b" l="l" r="r" t="t"/>
+            <a:avLst/>
+            <a:gdLst/>
+            <a:ahLst/>
+            <a:cxnLst/>
+            <a:rect l="l" t="t" r="r" b="b"/>
             <a:pathLst>
-              <a:path extrusionOk="0" h="120000" w="120000">
+              <a:path w="120000" h="120000" extrusionOk="0">
                 <a:moveTo>
                   <a:pt x="0" y="0"/>
                 </a:moveTo>
@@ -1359,9 +1416,11 @@
       <p:sp>
         <p:nvSpPr>
           <p:cNvPr id="75" name="Google Shape;75;g1c95ee53eb3_0_10:notes"/>
-          <p:cNvSpPr txBox="1"/>
+          <p:cNvSpPr txBox="1">
+            <a:spLocks noGrp="1"/>
+          </p:cNvSpPr>
           <p:nvPr>
-            <p:ph idx="1" type="body"/>
+            <p:ph type="body" idx="1"/>
           </p:nvPr>
         </p:nvSpPr>
         <p:spPr>
@@ -1374,12 +1433,12 @@
           </a:prstGeom>
         </p:spPr>
         <p:txBody>
-          <a:bodyPr anchorCtr="0" anchor="t" bIns="91425" lIns="91425" spcFirstLastPara="1" rIns="91425" wrap="square" tIns="91425">
+          <a:bodyPr spcFirstLastPara="1" wrap="square" lIns="91425" tIns="91425" rIns="91425" bIns="91425" anchor="t" anchorCtr="0">
             <a:noAutofit/>
           </a:bodyPr>
           <a:lstStyle/>
           <a:p>
-            <a:pPr indent="0" lvl="0" marL="0" rtl="0" algn="l">
+            <a:pPr marL="0" lvl="0" indent="0" algn="l" rtl="0">
               <a:spcBef>
                 <a:spcPts val="0"/>
               </a:spcBef>
@@ -1388,9 +1447,6 @@
               </a:spcAft>
               <a:buNone/>
             </a:pPr>
-            <a:r>
-              <a:t/>
-            </a:r>
             <a:endParaRPr/>
           </a:p>
         </p:txBody>
@@ -1404,11 +1460,11 @@
 </file>
 
 <file path=ppt/notesSlides/notesSlide5.xml><?xml version="1.0" encoding="utf-8"?>
-<p:notes xmlns:a="http://schemas.openxmlformats.org/drawingml/2006/main" xmlns:r="http://schemas.openxmlformats.org/officeDocument/2006/relationships" xmlns:mc="http://schemas.openxmlformats.org/markup-compatibility/2006" xmlns:mv="urn:schemas-microsoft-com:mac:vml" xmlns:p="http://schemas.openxmlformats.org/presentationml/2006/main" xmlns:c="http://schemas.openxmlformats.org/drawingml/2006/chart" xmlns:dgm="http://schemas.openxmlformats.org/drawingml/2006/diagram" xmlns:o="urn:schemas-microsoft-com:office:office" xmlns:v="urn:schemas-microsoft-com:vml" xmlns:pvml="urn:schemas-microsoft-com:office:powerpoint" xmlns:com="http://schemas.openxmlformats.org/drawingml/2006/compatibility" xmlns:p14="http://schemas.microsoft.com/office/powerpoint/2010/main" xmlns:p15="http://schemas.microsoft.com/office/powerpoint/2012/main" xmlns:ahyp="http://schemas.microsoft.com/office/drawing/2018/hyperlinkcolor" showMasterPhAnim="0" showMasterSp="0">
+<p:notes xmlns:a="http://schemas.openxmlformats.org/drawingml/2006/main" xmlns:r="http://schemas.openxmlformats.org/officeDocument/2006/relationships" xmlns:p="http://schemas.openxmlformats.org/presentationml/2006/main" showMasterSp="0" showMasterPhAnim="0">
   <p:cSld>
     <p:spTree>
       <p:nvGrpSpPr>
-        <p:cNvPr id="79" name="Shape 79"/>
+        <p:cNvPr id="1" name="Shape 79"/>
         <p:cNvGrpSpPr/>
         <p:nvPr/>
       </p:nvGrpSpPr>
@@ -1423,9 +1479,11 @@
       <p:sp>
         <p:nvSpPr>
           <p:cNvPr id="80" name="Google Shape;80;g1c95ee53eb3_0_15:notes"/>
-          <p:cNvSpPr/>
+          <p:cNvSpPr>
+            <a:spLocks noGrp="1" noRot="1" noChangeAspect="1"/>
+          </p:cNvSpPr>
           <p:nvPr>
-            <p:ph idx="2" type="sldImg"/>
+            <p:ph type="sldImg" idx="2"/>
           </p:nvPr>
         </p:nvSpPr>
         <p:spPr>
@@ -1434,9 +1492,13 @@
             <a:ext cx="6096000" cy="3429000"/>
           </a:xfrm>
           <a:custGeom>
-            <a:rect b="b" l="l" r="r" t="t"/>
+            <a:avLst/>
+            <a:gdLst/>
+            <a:ahLst/>
+            <a:cxnLst/>
+            <a:rect l="l" t="t" r="r" b="b"/>
             <a:pathLst>
-              <a:path extrusionOk="0" h="120000" w="120000">
+              <a:path w="120000" h="120000" extrusionOk="0">
                 <a:moveTo>
                   <a:pt x="0" y="0"/>
                 </a:moveTo>
@@ -1458,9 +1520,11 @@
       <p:sp>
         <p:nvSpPr>
           <p:cNvPr id="81" name="Google Shape;81;g1c95ee53eb3_0_15:notes"/>
-          <p:cNvSpPr txBox="1"/>
+          <p:cNvSpPr txBox="1">
+            <a:spLocks noGrp="1"/>
+          </p:cNvSpPr>
           <p:nvPr>
-            <p:ph idx="1" type="body"/>
+            <p:ph type="body" idx="1"/>
           </p:nvPr>
         </p:nvSpPr>
         <p:spPr>
@@ -1473,12 +1537,12 @@
           </a:prstGeom>
         </p:spPr>
         <p:txBody>
-          <a:bodyPr anchorCtr="0" anchor="t" bIns="91425" lIns="91425" spcFirstLastPara="1" rIns="91425" wrap="square" tIns="91425">
+          <a:bodyPr spcFirstLastPara="1" wrap="square" lIns="91425" tIns="91425" rIns="91425" bIns="91425" anchor="t" anchorCtr="0">
             <a:noAutofit/>
           </a:bodyPr>
           <a:lstStyle/>
           <a:p>
-            <a:pPr indent="0" lvl="0" marL="0" rtl="0" algn="l">
+            <a:pPr marL="0" lvl="0" indent="0" algn="l" rtl="0">
               <a:spcBef>
                 <a:spcPts val="0"/>
               </a:spcBef>
@@ -1504,11 +1568,11 @@
 </file>
 
 <file path=ppt/notesSlides/notesSlide6.xml><?xml version="1.0" encoding="utf-8"?>
-<p:notes xmlns:a="http://schemas.openxmlformats.org/drawingml/2006/main" xmlns:r="http://schemas.openxmlformats.org/officeDocument/2006/relationships" xmlns:mc="http://schemas.openxmlformats.org/markup-compatibility/2006" xmlns:mv="urn:schemas-microsoft-com:mac:vml" xmlns:p="http://schemas.openxmlformats.org/presentationml/2006/main" xmlns:c="http://schemas.openxmlformats.org/drawingml/2006/chart" xmlns:dgm="http://schemas.openxmlformats.org/drawingml/2006/diagram" xmlns:o="urn:schemas-microsoft-com:office:office" xmlns:v="urn:schemas-microsoft-com:vml" xmlns:pvml="urn:schemas-microsoft-com:office:powerpoint" xmlns:com="http://schemas.openxmlformats.org/drawingml/2006/compatibility" xmlns:p14="http://schemas.microsoft.com/office/powerpoint/2010/main" xmlns:p15="http://schemas.microsoft.com/office/powerpoint/2012/main" xmlns:ahyp="http://schemas.microsoft.com/office/drawing/2018/hyperlinkcolor" showMasterPhAnim="0" showMasterSp="0">
+<p:notes xmlns:a="http://schemas.openxmlformats.org/drawingml/2006/main" xmlns:r="http://schemas.openxmlformats.org/officeDocument/2006/relationships" xmlns:p="http://schemas.openxmlformats.org/presentationml/2006/main" showMasterSp="0" showMasterPhAnim="0">
   <p:cSld>
     <p:spTree>
       <p:nvGrpSpPr>
-        <p:cNvPr id="86" name="Shape 86"/>
+        <p:cNvPr id="1" name="Shape 86"/>
         <p:cNvGrpSpPr/>
         <p:nvPr/>
       </p:nvGrpSpPr>
@@ -1523,9 +1587,11 @@
       <p:sp>
         <p:nvSpPr>
           <p:cNvPr id="87" name="Google Shape;87;g1c95ee53eb3_0_20:notes"/>
-          <p:cNvSpPr/>
+          <p:cNvSpPr>
+            <a:spLocks noGrp="1" noRot="1" noChangeAspect="1"/>
+          </p:cNvSpPr>
           <p:nvPr>
-            <p:ph idx="2" type="sldImg"/>
+            <p:ph type="sldImg" idx="2"/>
           </p:nvPr>
         </p:nvSpPr>
         <p:spPr>
@@ -1534,9 +1600,13 @@
             <a:ext cx="6096000" cy="3429000"/>
           </a:xfrm>
           <a:custGeom>
-            <a:rect b="b" l="l" r="r" t="t"/>
+            <a:avLst/>
+            <a:gdLst/>
+            <a:ahLst/>
+            <a:cxnLst/>
+            <a:rect l="l" t="t" r="r" b="b"/>
             <a:pathLst>
-              <a:path extrusionOk="0" h="120000" w="120000">
+              <a:path w="120000" h="120000" extrusionOk="0">
                 <a:moveTo>
                   <a:pt x="0" y="0"/>
                 </a:moveTo>
@@ -1558,9 +1628,11 @@
       <p:sp>
         <p:nvSpPr>
           <p:cNvPr id="88" name="Google Shape;88;g1c95ee53eb3_0_20:notes"/>
-          <p:cNvSpPr txBox="1"/>
+          <p:cNvSpPr txBox="1">
+            <a:spLocks noGrp="1"/>
+          </p:cNvSpPr>
           <p:nvPr>
-            <p:ph idx="1" type="body"/>
+            <p:ph type="body" idx="1"/>
           </p:nvPr>
         </p:nvSpPr>
         <p:spPr>
@@ -1573,12 +1645,12 @@
           </a:prstGeom>
         </p:spPr>
         <p:txBody>
-          <a:bodyPr anchorCtr="0" anchor="t" bIns="91425" lIns="91425" spcFirstLastPara="1" rIns="91425" wrap="square" tIns="91425">
+          <a:bodyPr spcFirstLastPara="1" wrap="square" lIns="91425" tIns="91425" rIns="91425" bIns="91425" anchor="t" anchorCtr="0">
             <a:noAutofit/>
           </a:bodyPr>
           <a:lstStyle/>
           <a:p>
-            <a:pPr indent="0" lvl="0" marL="0" rtl="0" algn="l">
+            <a:pPr marL="0" lvl="0" indent="0" algn="l" rtl="0">
               <a:spcBef>
                 <a:spcPts val="0"/>
               </a:spcBef>
@@ -1587,9 +1659,6 @@
               </a:spcAft>
               <a:buNone/>
             </a:pPr>
-            <a:r>
-              <a:t/>
-            </a:r>
             <a:endParaRPr/>
           </a:p>
         </p:txBody>
@@ -1603,11 +1672,11 @@
 </file>
 
 <file path=ppt/notesSlides/notesSlide7.xml><?xml version="1.0" encoding="utf-8"?>
-<p:notes xmlns:a="http://schemas.openxmlformats.org/drawingml/2006/main" xmlns:r="http://schemas.openxmlformats.org/officeDocument/2006/relationships" xmlns:mc="http://schemas.openxmlformats.org/markup-compatibility/2006" xmlns:mv="urn:schemas-microsoft-com:mac:vml" xmlns:p="http://schemas.openxmlformats.org/presentationml/2006/main" xmlns:c="http://schemas.openxmlformats.org/drawingml/2006/chart" xmlns:dgm="http://schemas.openxmlformats.org/drawingml/2006/diagram" xmlns:o="urn:schemas-microsoft-com:office:office" xmlns:v="urn:schemas-microsoft-com:vml" xmlns:pvml="urn:schemas-microsoft-com:office:powerpoint" xmlns:com="http://schemas.openxmlformats.org/drawingml/2006/compatibility" xmlns:p14="http://schemas.microsoft.com/office/powerpoint/2010/main" xmlns:p15="http://schemas.microsoft.com/office/powerpoint/2012/main" xmlns:ahyp="http://schemas.microsoft.com/office/drawing/2018/hyperlinkcolor" showMasterPhAnim="0" showMasterSp="0">
+<p:notes xmlns:a="http://schemas.openxmlformats.org/drawingml/2006/main" xmlns:r="http://schemas.openxmlformats.org/officeDocument/2006/relationships" xmlns:p="http://schemas.openxmlformats.org/presentationml/2006/main" showMasterSp="0" showMasterPhAnim="0">
   <p:cSld>
     <p:spTree>
       <p:nvGrpSpPr>
-        <p:cNvPr id="93" name="Shape 93"/>
+        <p:cNvPr id="1" name="Shape 93"/>
         <p:cNvGrpSpPr/>
         <p:nvPr/>
       </p:nvGrpSpPr>
@@ -1622,9 +1691,11 @@
       <p:sp>
         <p:nvSpPr>
           <p:cNvPr id="94" name="Google Shape;94;g1c95ee53eb3_0_25:notes"/>
-          <p:cNvSpPr/>
+          <p:cNvSpPr>
+            <a:spLocks noGrp="1" noRot="1" noChangeAspect="1"/>
+          </p:cNvSpPr>
           <p:nvPr>
-            <p:ph idx="2" type="sldImg"/>
+            <p:ph type="sldImg" idx="2"/>
           </p:nvPr>
         </p:nvSpPr>
         <p:spPr>
@@ -1633,9 +1704,13 @@
             <a:ext cx="6096000" cy="3429000"/>
           </a:xfrm>
           <a:custGeom>
-            <a:rect b="b" l="l" r="r" t="t"/>
+            <a:avLst/>
+            <a:gdLst/>
+            <a:ahLst/>
+            <a:cxnLst/>
+            <a:rect l="l" t="t" r="r" b="b"/>
             <a:pathLst>
-              <a:path extrusionOk="0" h="120000" w="120000">
+              <a:path w="120000" h="120000" extrusionOk="0">
                 <a:moveTo>
                   <a:pt x="0" y="0"/>
                 </a:moveTo>
@@ -1657,9 +1732,11 @@
       <p:sp>
         <p:nvSpPr>
           <p:cNvPr id="95" name="Google Shape;95;g1c95ee53eb3_0_25:notes"/>
-          <p:cNvSpPr txBox="1"/>
+          <p:cNvSpPr txBox="1">
+            <a:spLocks noGrp="1"/>
+          </p:cNvSpPr>
           <p:nvPr>
-            <p:ph idx="1" type="body"/>
+            <p:ph type="body" idx="1"/>
           </p:nvPr>
         </p:nvSpPr>
         <p:spPr>
@@ -1672,12 +1749,12 @@
           </a:prstGeom>
         </p:spPr>
         <p:txBody>
-          <a:bodyPr anchorCtr="0" anchor="t" bIns="91425" lIns="91425" spcFirstLastPara="1" rIns="91425" wrap="square" tIns="91425">
+          <a:bodyPr spcFirstLastPara="1" wrap="square" lIns="91425" tIns="91425" rIns="91425" bIns="91425" anchor="t" anchorCtr="0">
             <a:noAutofit/>
           </a:bodyPr>
           <a:lstStyle/>
           <a:p>
-            <a:pPr indent="0" lvl="0" marL="0" rtl="0" algn="l">
+            <a:pPr marL="0" lvl="0" indent="0" algn="l" rtl="0">
               <a:spcBef>
                 <a:spcPts val="0"/>
               </a:spcBef>
@@ -1686,9 +1763,6 @@
               </a:spcAft>
               <a:buNone/>
             </a:pPr>
-            <a:r>
-              <a:t/>
-            </a:r>
             <a:endParaRPr/>
           </a:p>
         </p:txBody>
@@ -1702,11 +1776,11 @@
 </file>
 
 <file path=ppt/notesSlides/notesSlide8.xml><?xml version="1.0" encoding="utf-8"?>
-<p:notes xmlns:a="http://schemas.openxmlformats.org/drawingml/2006/main" xmlns:r="http://schemas.openxmlformats.org/officeDocument/2006/relationships" xmlns:mc="http://schemas.openxmlformats.org/markup-compatibility/2006" xmlns:mv="urn:schemas-microsoft-com:mac:vml" xmlns:p="http://schemas.openxmlformats.org/presentationml/2006/main" xmlns:c="http://schemas.openxmlformats.org/drawingml/2006/chart" xmlns:dgm="http://schemas.openxmlformats.org/drawingml/2006/diagram" xmlns:o="urn:schemas-microsoft-com:office:office" xmlns:v="urn:schemas-microsoft-com:vml" xmlns:pvml="urn:schemas-microsoft-com:office:powerpoint" xmlns:com="http://schemas.openxmlformats.org/drawingml/2006/compatibility" xmlns:p14="http://schemas.microsoft.com/office/powerpoint/2010/main" xmlns:p15="http://schemas.microsoft.com/office/powerpoint/2012/main" xmlns:ahyp="http://schemas.microsoft.com/office/drawing/2018/hyperlinkcolor" showMasterPhAnim="0" showMasterSp="0">
+<p:notes xmlns:a="http://schemas.openxmlformats.org/drawingml/2006/main" xmlns:r="http://schemas.openxmlformats.org/officeDocument/2006/relationships" xmlns:p="http://schemas.openxmlformats.org/presentationml/2006/main" showMasterSp="0" showMasterPhAnim="0">
   <p:cSld>
     <p:spTree>
       <p:nvGrpSpPr>
-        <p:cNvPr id="101" name="Shape 101"/>
+        <p:cNvPr id="1" name="Shape 101"/>
         <p:cNvGrpSpPr/>
         <p:nvPr/>
       </p:nvGrpSpPr>
@@ -1721,20 +1795,26 @@
       <p:sp>
         <p:nvSpPr>
           <p:cNvPr id="102" name="Google Shape;102;g1c95ee53eb3_0_52:notes"/>
-          <p:cNvSpPr/>
+          <p:cNvSpPr>
+            <a:spLocks noGrp="1" noRot="1" noChangeAspect="1"/>
+          </p:cNvSpPr>
           <p:nvPr>
-            <p:ph idx="2" type="sldImg"/>
+            <p:ph type="sldImg" idx="2"/>
           </p:nvPr>
         </p:nvSpPr>
         <p:spPr>
           <a:xfrm>
-            <a:off x="381300" y="685800"/>
+            <a:off x="381000" y="685800"/>
             <a:ext cx="6096000" cy="3429000"/>
           </a:xfrm>
           <a:custGeom>
-            <a:rect b="b" l="l" r="r" t="t"/>
+            <a:avLst/>
+            <a:gdLst/>
+            <a:ahLst/>
+            <a:cxnLst/>
+            <a:rect l="l" t="t" r="r" b="b"/>
             <a:pathLst>
-              <a:path extrusionOk="0" h="120000" w="120000">
+              <a:path w="120000" h="120000" extrusionOk="0">
                 <a:moveTo>
                   <a:pt x="0" y="0"/>
                 </a:moveTo>
@@ -1756,9 +1836,11 @@
       <p:sp>
         <p:nvSpPr>
           <p:cNvPr id="103" name="Google Shape;103;g1c95ee53eb3_0_52:notes"/>
-          <p:cNvSpPr txBox="1"/>
+          <p:cNvSpPr txBox="1">
+            <a:spLocks noGrp="1"/>
+          </p:cNvSpPr>
           <p:nvPr>
-            <p:ph idx="1" type="body"/>
+            <p:ph type="body" idx="1"/>
           </p:nvPr>
         </p:nvSpPr>
         <p:spPr>
@@ -1771,12 +1853,12 @@
           </a:prstGeom>
         </p:spPr>
         <p:txBody>
-          <a:bodyPr anchorCtr="0" anchor="t" bIns="91425" lIns="91425" spcFirstLastPara="1" rIns="91425" wrap="square" tIns="91425">
+          <a:bodyPr spcFirstLastPara="1" wrap="square" lIns="91425" tIns="91425" rIns="91425" bIns="91425" anchor="t" anchorCtr="0">
             <a:noAutofit/>
           </a:bodyPr>
           <a:lstStyle/>
           <a:p>
-            <a:pPr indent="0" lvl="0" marL="0" rtl="0" algn="l">
+            <a:pPr marL="0" lvl="0" indent="0" algn="l" rtl="0">
               <a:spcBef>
                 <a:spcPts val="0"/>
               </a:spcBef>
@@ -1785,9 +1867,6 @@
               </a:spcAft>
               <a:buNone/>
             </a:pPr>
-            <a:r>
-              <a:t/>
-            </a:r>
             <a:endParaRPr/>
           </a:p>
         </p:txBody>
@@ -1801,11 +1880,11 @@
 </file>
 
 <file path=ppt/notesSlides/notesSlide9.xml><?xml version="1.0" encoding="utf-8"?>
-<p:notes xmlns:a="http://schemas.openxmlformats.org/drawingml/2006/main" xmlns:r="http://schemas.openxmlformats.org/officeDocument/2006/relationships" xmlns:mc="http://schemas.openxmlformats.org/markup-compatibility/2006" xmlns:mv="urn:schemas-microsoft-com:mac:vml" xmlns:p="http://schemas.openxmlformats.org/presentationml/2006/main" xmlns:c="http://schemas.openxmlformats.org/drawingml/2006/chart" xmlns:dgm="http://schemas.openxmlformats.org/drawingml/2006/diagram" xmlns:o="urn:schemas-microsoft-com:office:office" xmlns:v="urn:schemas-microsoft-com:vml" xmlns:pvml="urn:schemas-microsoft-com:office:powerpoint" xmlns:com="http://schemas.openxmlformats.org/drawingml/2006/compatibility" xmlns:p14="http://schemas.microsoft.com/office/powerpoint/2010/main" xmlns:p15="http://schemas.microsoft.com/office/powerpoint/2012/main" xmlns:ahyp="http://schemas.microsoft.com/office/drawing/2018/hyperlinkcolor" showMasterPhAnim="0" showMasterSp="0">
+<p:notes xmlns:a="http://schemas.openxmlformats.org/drawingml/2006/main" xmlns:r="http://schemas.openxmlformats.org/officeDocument/2006/relationships" xmlns:p="http://schemas.openxmlformats.org/presentationml/2006/main" showMasterSp="0" showMasterPhAnim="0">
   <p:cSld>
     <p:spTree>
       <p:nvGrpSpPr>
-        <p:cNvPr id="108" name="Shape 108"/>
+        <p:cNvPr id="1" name="Shape 108"/>
         <p:cNvGrpSpPr/>
         <p:nvPr/>
       </p:nvGrpSpPr>
@@ -1820,20 +1899,26 @@
       <p:sp>
         <p:nvSpPr>
           <p:cNvPr id="109" name="Google Shape;109;g1c95ee53eb3_0_30:notes"/>
-          <p:cNvSpPr/>
+          <p:cNvSpPr>
+            <a:spLocks noGrp="1" noRot="1" noChangeAspect="1"/>
+          </p:cNvSpPr>
           <p:nvPr>
-            <p:ph idx="2" type="sldImg"/>
+            <p:ph type="sldImg" idx="2"/>
           </p:nvPr>
         </p:nvSpPr>
         <p:spPr>
           <a:xfrm>
-            <a:off x="381300" y="685800"/>
+            <a:off x="381000" y="685800"/>
             <a:ext cx="6096000" cy="3429000"/>
           </a:xfrm>
           <a:custGeom>
-            <a:rect b="b" l="l" r="r" t="t"/>
+            <a:avLst/>
+            <a:gdLst/>
+            <a:ahLst/>
+            <a:cxnLst/>
+            <a:rect l="l" t="t" r="r" b="b"/>
             <a:pathLst>
-              <a:path extrusionOk="0" h="120000" w="120000">
+              <a:path w="120000" h="120000" extrusionOk="0">
                 <a:moveTo>
                   <a:pt x="0" y="0"/>
                 </a:moveTo>
@@ -1855,9 +1940,11 @@
       <p:sp>
         <p:nvSpPr>
           <p:cNvPr id="110" name="Google Shape;110;g1c95ee53eb3_0_30:notes"/>
-          <p:cNvSpPr txBox="1"/>
+          <p:cNvSpPr txBox="1">
+            <a:spLocks noGrp="1"/>
+          </p:cNvSpPr>
           <p:nvPr>
-            <p:ph idx="1" type="body"/>
+            <p:ph type="body" idx="1"/>
           </p:nvPr>
         </p:nvSpPr>
         <p:spPr>
@@ -1870,12 +1957,12 @@
           </a:prstGeom>
         </p:spPr>
         <p:txBody>
-          <a:bodyPr anchorCtr="0" anchor="t" bIns="91425" lIns="91425" spcFirstLastPara="1" rIns="91425" wrap="square" tIns="91425">
+          <a:bodyPr spcFirstLastPara="1" wrap="square" lIns="91425" tIns="91425" rIns="91425" bIns="91425" anchor="t" anchorCtr="0">
             <a:noAutofit/>
           </a:bodyPr>
           <a:lstStyle/>
           <a:p>
-            <a:pPr indent="0" lvl="0" marL="0" rtl="0" algn="l">
+            <a:pPr marL="0" lvl="0" indent="0" algn="l" rtl="0">
               <a:spcBef>
                 <a:spcPts val="0"/>
               </a:spcBef>
@@ -1884,9 +1971,6 @@
               </a:spcAft>
               <a:buNone/>
             </a:pPr>
-            <a:r>
-              <a:t/>
-            </a:r>
             <a:endParaRPr/>
           </a:p>
         </p:txBody>
@@ -1900,18 +1984,19 @@
 </file>
 
 <file path=ppt/slideLayouts/slideLayout1.xml><?xml version="1.0" encoding="utf-8"?>
-<p:sldLayout xmlns:a="http://schemas.openxmlformats.org/drawingml/2006/main" xmlns:r="http://schemas.openxmlformats.org/officeDocument/2006/relationships" xmlns:mc="http://schemas.openxmlformats.org/markup-compatibility/2006" xmlns:mv="urn:schemas-microsoft-com:mac:vml" xmlns:p="http://schemas.openxmlformats.org/presentationml/2006/main" xmlns:c="http://schemas.openxmlformats.org/drawingml/2006/chart" xmlns:dgm="http://schemas.openxmlformats.org/drawingml/2006/diagram" xmlns:o="urn:schemas-microsoft-com:office:office" xmlns:v="urn:schemas-microsoft-com:vml" xmlns:pvml="urn:schemas-microsoft-com:office:powerpoint" xmlns:com="http://schemas.openxmlformats.org/drawingml/2006/compatibility" xmlns:p14="http://schemas.microsoft.com/office/powerpoint/2010/main" xmlns:p15="http://schemas.microsoft.com/office/powerpoint/2012/main" xmlns:ahyp="http://schemas.microsoft.com/office/drawing/2018/hyperlinkcolor" matchingName="Title slide" type="title">
+<p:sldLayout xmlns:a="http://schemas.openxmlformats.org/drawingml/2006/main" xmlns:r="http://schemas.openxmlformats.org/officeDocument/2006/relationships" xmlns:p="http://schemas.openxmlformats.org/presentationml/2006/main" matchingName="Title slide" type="title">
   <p:cSld name="TITLE">
     <p:bg>
       <p:bgPr>
         <a:solidFill>
           <a:schemeClr val="dk1"/>
         </a:solidFill>
+        <a:effectLst/>
       </p:bgPr>
     </p:bg>
     <p:spTree>
       <p:nvGrpSpPr>
-        <p:cNvPr id="9" name="Shape 9"/>
+        <p:cNvPr id="1" name="Shape 9"/>
         <p:cNvGrpSpPr/>
         <p:nvPr/>
       </p:nvGrpSpPr>
@@ -1938,21 +2023,23 @@
             <a:avLst/>
           </a:prstGeom>
           <a:noFill/>
-          <a:ln cap="flat" cmpd="sng" w="19050">
+          <a:ln w="19050" cap="flat" cmpd="sng">
             <a:solidFill>
               <a:schemeClr val="lt2"/>
             </a:solidFill>
             <a:prstDash val="solid"/>
             <a:round/>
-            <a:headEnd len="sm" w="sm" type="none"/>
-            <a:tailEnd len="sm" w="sm" type="none"/>
+            <a:headEnd type="none" w="sm" len="sm"/>
+            <a:tailEnd type="none" w="sm" len="sm"/>
           </a:ln>
         </p:spPr>
       </p:cxnSp>
       <p:sp>
         <p:nvSpPr>
           <p:cNvPr id="11" name="Google Shape;11;p2"/>
-          <p:cNvSpPr txBox="1"/>
+          <p:cNvSpPr txBox="1">
+            <a:spLocks noGrp="1"/>
+          </p:cNvSpPr>
           <p:nvPr>
             <p:ph type="ctrTitle"/>
           </p:nvPr>
@@ -1967,7 +2054,7 @@
           </a:prstGeom>
         </p:spPr>
         <p:txBody>
-          <a:bodyPr anchorCtr="0" anchor="b" bIns="91425" lIns="91425" spcFirstLastPara="1" rIns="91425" wrap="square" tIns="91425">
+          <a:bodyPr spcFirstLastPara="1" wrap="square" lIns="91425" tIns="91425" rIns="91425" bIns="91425" anchor="b" anchorCtr="0">
             <a:normAutofit/>
           </a:bodyPr>
           <a:lstStyle>
@@ -2134,15 +2221,19 @@
               </a:defRPr>
             </a:lvl9pPr>
           </a:lstStyle>
-          <a:p/>
+          <a:p>
+            <a:endParaRPr/>
+          </a:p>
         </p:txBody>
       </p:sp>
       <p:sp>
         <p:nvSpPr>
           <p:cNvPr id="12" name="Google Shape;12;p2"/>
-          <p:cNvSpPr txBox="1"/>
+          <p:cNvSpPr txBox="1">
+            <a:spLocks noGrp="1"/>
+          </p:cNvSpPr>
           <p:nvPr>
-            <p:ph idx="1" type="subTitle"/>
+            <p:ph type="subTitle" idx="1"/>
           </p:nvPr>
         </p:nvSpPr>
         <p:spPr>
@@ -2155,7 +2246,7 @@
           </a:prstGeom>
         </p:spPr>
         <p:txBody>
-          <a:bodyPr anchorCtr="0" anchor="t" bIns="91425" lIns="91425" spcFirstLastPara="1" rIns="91425" wrap="square" tIns="91425">
+          <a:bodyPr spcFirstLastPara="1" wrap="square" lIns="91425" tIns="91425" rIns="91425" bIns="91425" anchor="t" anchorCtr="0">
             <a:normAutofit/>
           </a:bodyPr>
           <a:lstStyle>
@@ -2349,15 +2440,19 @@
               </a:defRPr>
             </a:lvl9pPr>
           </a:lstStyle>
-          <a:p/>
+          <a:p>
+            <a:endParaRPr/>
+          </a:p>
         </p:txBody>
       </p:sp>
       <p:sp>
         <p:nvSpPr>
           <p:cNvPr id="13" name="Google Shape;13;p2"/>
-          <p:cNvSpPr txBox="1"/>
+          <p:cNvSpPr txBox="1">
+            <a:spLocks noGrp="1"/>
+          </p:cNvSpPr>
           <p:nvPr>
-            <p:ph idx="12" type="sldNum"/>
+            <p:ph type="sldNum" idx="12"/>
           </p:nvPr>
         </p:nvSpPr>
         <p:spPr>
@@ -2370,7 +2465,7 @@
           </a:prstGeom>
         </p:spPr>
         <p:txBody>
-          <a:bodyPr anchorCtr="0" anchor="ctr" bIns="91425" lIns="91425" spcFirstLastPara="1" rIns="91425" wrap="square" tIns="91425">
+          <a:bodyPr spcFirstLastPara="1" wrap="square" lIns="91425" tIns="91425" rIns="91425" bIns="91425" anchor="ctr" anchorCtr="0">
             <a:normAutofit/>
           </a:bodyPr>
           <a:lstStyle>
@@ -2448,7 +2543,7 @@
             </a:lvl9pPr>
           </a:lstStyle>
           <a:p>
-            <a:pPr indent="0" lvl="0" marL="0" rtl="0" algn="r">
+            <a:pPr marL="0" lvl="0" indent="0" algn="r" rtl="0">
               <a:spcBef>
                 <a:spcPts val="0"/>
               </a:spcBef>
@@ -2474,11 +2569,11 @@
 </file>
 
 <file path=ppt/slideLayouts/slideLayout10.xml><?xml version="1.0" encoding="utf-8"?>
-<p:sldLayout xmlns:a="http://schemas.openxmlformats.org/drawingml/2006/main" xmlns:r="http://schemas.openxmlformats.org/officeDocument/2006/relationships" xmlns:mc="http://schemas.openxmlformats.org/markup-compatibility/2006" xmlns:mv="urn:schemas-microsoft-com:mac:vml" xmlns:p="http://schemas.openxmlformats.org/presentationml/2006/main" xmlns:c="http://schemas.openxmlformats.org/drawingml/2006/chart" xmlns:dgm="http://schemas.openxmlformats.org/drawingml/2006/diagram" xmlns:o="urn:schemas-microsoft-com:office:office" xmlns:v="urn:schemas-microsoft-com:vml" xmlns:pvml="urn:schemas-microsoft-com:office:powerpoint" xmlns:com="http://schemas.openxmlformats.org/drawingml/2006/compatibility" xmlns:p14="http://schemas.microsoft.com/office/powerpoint/2010/main" xmlns:p15="http://schemas.microsoft.com/office/powerpoint/2012/main" xmlns:ahyp="http://schemas.microsoft.com/office/drawing/2018/hyperlinkcolor" matchingName="Big number">
+<p:sldLayout xmlns:a="http://schemas.openxmlformats.org/drawingml/2006/main" xmlns:r="http://schemas.openxmlformats.org/officeDocument/2006/relationships" xmlns:p="http://schemas.openxmlformats.org/presentationml/2006/main" matchingName="Big number">
   <p:cSld name="BIG_NUMBER">
     <p:spTree>
       <p:nvGrpSpPr>
-        <p:cNvPr id="48" name="Shape 48"/>
+        <p:cNvPr id="1" name="Shape 48"/>
         <p:cNvGrpSpPr/>
         <p:nvPr/>
       </p:nvGrpSpPr>
@@ -2512,12 +2607,12 @@
           </a:ln>
         </p:spPr>
         <p:txBody>
-          <a:bodyPr anchorCtr="0" anchor="ctr" bIns="91425" lIns="91425" spcFirstLastPara="1" rIns="91425" wrap="square" tIns="91425">
+          <a:bodyPr spcFirstLastPara="1" wrap="square" lIns="91425" tIns="91425" rIns="91425" bIns="91425" anchor="ctr" anchorCtr="0">
             <a:noAutofit/>
           </a:bodyPr>
           <a:lstStyle/>
           <a:p>
-            <a:pPr indent="0" lvl="0" marL="0" rtl="0" algn="l">
+            <a:pPr marL="0" lvl="0" indent="0" algn="l" rtl="0">
               <a:spcBef>
                 <a:spcPts val="0"/>
               </a:spcBef>
@@ -2526,9 +2621,6 @@
               </a:spcAft>
               <a:buNone/>
             </a:pPr>
-            <a:r>
-              <a:t/>
-            </a:r>
             <a:endParaRPr/>
           </a:p>
         </p:txBody>
@@ -2536,9 +2628,11 @@
       <p:sp>
         <p:nvSpPr>
           <p:cNvPr id="50" name="Google Shape;50;p11"/>
-          <p:cNvSpPr txBox="1"/>
+          <p:cNvSpPr txBox="1">
+            <a:spLocks noGrp="1"/>
+          </p:cNvSpPr>
           <p:nvPr>
-            <p:ph hasCustomPrompt="1" type="title"/>
+            <p:ph type="title" hasCustomPrompt="1"/>
           </p:nvPr>
         </p:nvSpPr>
         <p:spPr>
@@ -2551,7 +2645,7 @@
           </a:prstGeom>
         </p:spPr>
         <p:txBody>
-          <a:bodyPr anchorCtr="0" anchor="ctr" bIns="91425" lIns="91425" spcFirstLastPara="1" rIns="91425" wrap="square" tIns="91425">
+          <a:bodyPr spcFirstLastPara="1" wrap="square" lIns="91425" tIns="91425" rIns="91425" bIns="91425" anchor="ctr" anchorCtr="0">
             <a:normAutofit/>
           </a:bodyPr>
           <a:lstStyle>
@@ -2564,7 +2658,7 @@
               </a:spcAft>
               <a:buSzPts val="14000"/>
               <a:buNone/>
-              <a:defRPr b="1" sz="14000"/>
+              <a:defRPr sz="14000" b="1"/>
             </a:lvl1pPr>
             <a:lvl2pPr lvl="1" algn="ctr">
               <a:spcBef>
@@ -2575,7 +2669,7 @@
               </a:spcAft>
               <a:buSzPts val="14000"/>
               <a:buNone/>
-              <a:defRPr b="1" sz="14000"/>
+              <a:defRPr sz="14000" b="1"/>
             </a:lvl2pPr>
             <a:lvl3pPr lvl="2" algn="ctr">
               <a:spcBef>
@@ -2586,7 +2680,7 @@
               </a:spcAft>
               <a:buSzPts val="14000"/>
               <a:buNone/>
-              <a:defRPr b="1" sz="14000"/>
+              <a:defRPr sz="14000" b="1"/>
             </a:lvl3pPr>
             <a:lvl4pPr lvl="3" algn="ctr">
               <a:spcBef>
@@ -2597,7 +2691,7 @@
               </a:spcAft>
               <a:buSzPts val="14000"/>
               <a:buNone/>
-              <a:defRPr b="1" sz="14000"/>
+              <a:defRPr sz="14000" b="1"/>
             </a:lvl4pPr>
             <a:lvl5pPr lvl="4" algn="ctr">
               <a:spcBef>
@@ -2608,7 +2702,7 @@
               </a:spcAft>
               <a:buSzPts val="14000"/>
               <a:buNone/>
-              <a:defRPr b="1" sz="14000"/>
+              <a:defRPr sz="14000" b="1"/>
             </a:lvl5pPr>
             <a:lvl6pPr lvl="5" algn="ctr">
               <a:spcBef>
@@ -2619,7 +2713,7 @@
               </a:spcAft>
               <a:buSzPts val="14000"/>
               <a:buNone/>
-              <a:defRPr b="1" sz="14000"/>
+              <a:defRPr sz="14000" b="1"/>
             </a:lvl6pPr>
             <a:lvl7pPr lvl="6" algn="ctr">
               <a:spcBef>
@@ -2630,7 +2724,7 @@
               </a:spcAft>
               <a:buSzPts val="14000"/>
               <a:buNone/>
-              <a:defRPr b="1" sz="14000"/>
+              <a:defRPr sz="14000" b="1"/>
             </a:lvl7pPr>
             <a:lvl8pPr lvl="7" algn="ctr">
               <a:spcBef>
@@ -2641,7 +2735,7 @@
               </a:spcAft>
               <a:buSzPts val="14000"/>
               <a:buNone/>
-              <a:defRPr b="1" sz="14000"/>
+              <a:defRPr sz="14000" b="1"/>
             </a:lvl8pPr>
             <a:lvl9pPr lvl="8" algn="ctr">
               <a:spcBef>
@@ -2652,7 +2746,7 @@
               </a:spcAft>
               <a:buSzPts val="14000"/>
               <a:buNone/>
-              <a:defRPr b="1" sz="14000"/>
+              <a:defRPr sz="14000" b="1"/>
             </a:lvl9pPr>
           </a:lstStyle>
           <a:p>
@@ -2665,9 +2759,11 @@
       <p:sp>
         <p:nvSpPr>
           <p:cNvPr id="51" name="Google Shape;51;p11"/>
-          <p:cNvSpPr txBox="1"/>
+          <p:cNvSpPr txBox="1">
+            <a:spLocks noGrp="1"/>
+          </p:cNvSpPr>
           <p:nvPr>
-            <p:ph idx="1" type="body"/>
+            <p:ph type="body" idx="1"/>
           </p:nvPr>
         </p:nvSpPr>
         <p:spPr>
@@ -2680,11 +2776,11 @@
           </a:prstGeom>
         </p:spPr>
         <p:txBody>
-          <a:bodyPr anchorCtr="0" anchor="t" bIns="91425" lIns="91425" spcFirstLastPara="1" rIns="91425" wrap="square" tIns="91425">
+          <a:bodyPr spcFirstLastPara="1" wrap="square" lIns="91425" tIns="91425" rIns="91425" bIns="91425" anchor="t" anchorCtr="0">
             <a:normAutofit/>
           </a:bodyPr>
           <a:lstStyle>
-            <a:lvl1pPr indent="-342900" lvl="0" marL="457200" algn="ctr">
+            <a:lvl1pPr marL="457200" lvl="0" indent="-342900" algn="ctr">
               <a:spcBef>
                 <a:spcPts val="0"/>
               </a:spcBef>
@@ -2695,7 +2791,7 @@
               <a:buChar char="●"/>
               <a:defRPr/>
             </a:lvl1pPr>
-            <a:lvl2pPr indent="-317500" lvl="1" marL="914400" algn="ctr">
+            <a:lvl2pPr marL="914400" lvl="1" indent="-317500" algn="ctr">
               <a:spcBef>
                 <a:spcPts val="0"/>
               </a:spcBef>
@@ -2706,7 +2802,7 @@
               <a:buChar char="○"/>
               <a:defRPr/>
             </a:lvl2pPr>
-            <a:lvl3pPr indent="-317500" lvl="2" marL="1371600" algn="ctr">
+            <a:lvl3pPr marL="1371600" lvl="2" indent="-317500" algn="ctr">
               <a:spcBef>
                 <a:spcPts val="0"/>
               </a:spcBef>
@@ -2717,7 +2813,7 @@
               <a:buChar char="■"/>
               <a:defRPr/>
             </a:lvl3pPr>
-            <a:lvl4pPr indent="-317500" lvl="3" marL="1828800" algn="ctr">
+            <a:lvl4pPr marL="1828800" lvl="3" indent="-317500" algn="ctr">
               <a:spcBef>
                 <a:spcPts val="0"/>
               </a:spcBef>
@@ -2728,7 +2824,7 @@
               <a:buChar char="●"/>
               <a:defRPr/>
             </a:lvl4pPr>
-            <a:lvl5pPr indent="-317500" lvl="4" marL="2286000" algn="ctr">
+            <a:lvl5pPr marL="2286000" lvl="4" indent="-317500" algn="ctr">
               <a:spcBef>
                 <a:spcPts val="0"/>
               </a:spcBef>
@@ -2739,7 +2835,7 @@
               <a:buChar char="○"/>
               <a:defRPr/>
             </a:lvl5pPr>
-            <a:lvl6pPr indent="-317500" lvl="5" marL="2743200" algn="ctr">
+            <a:lvl6pPr marL="2743200" lvl="5" indent="-317500" algn="ctr">
               <a:spcBef>
                 <a:spcPts val="0"/>
               </a:spcBef>
@@ -2750,7 +2846,7 @@
               <a:buChar char="■"/>
               <a:defRPr/>
             </a:lvl6pPr>
-            <a:lvl7pPr indent="-317500" lvl="6" marL="3200400" algn="ctr">
+            <a:lvl7pPr marL="3200400" lvl="6" indent="-317500" algn="ctr">
               <a:spcBef>
                 <a:spcPts val="0"/>
               </a:spcBef>
@@ -2761,7 +2857,7 @@
               <a:buChar char="●"/>
               <a:defRPr/>
             </a:lvl7pPr>
-            <a:lvl8pPr indent="-317500" lvl="7" marL="3657600" algn="ctr">
+            <a:lvl8pPr marL="3657600" lvl="7" indent="-317500" algn="ctr">
               <a:spcBef>
                 <a:spcPts val="0"/>
               </a:spcBef>
@@ -2772,7 +2868,7 @@
               <a:buChar char="○"/>
               <a:defRPr/>
             </a:lvl8pPr>
-            <a:lvl9pPr indent="-317500" lvl="8" marL="4114800" algn="ctr">
+            <a:lvl9pPr marL="4114800" lvl="8" indent="-317500" algn="ctr">
               <a:spcBef>
                 <a:spcPts val="0"/>
               </a:spcBef>
@@ -2784,15 +2880,19 @@
               <a:defRPr/>
             </a:lvl9pPr>
           </a:lstStyle>
-          <a:p/>
+          <a:p>
+            <a:endParaRPr/>
+          </a:p>
         </p:txBody>
       </p:sp>
       <p:sp>
         <p:nvSpPr>
           <p:cNvPr id="52" name="Google Shape;52;p11"/>
-          <p:cNvSpPr txBox="1"/>
+          <p:cNvSpPr txBox="1">
+            <a:spLocks noGrp="1"/>
+          </p:cNvSpPr>
           <p:nvPr>
-            <p:ph idx="12" type="sldNum"/>
+            <p:ph type="sldNum" idx="12"/>
           </p:nvPr>
         </p:nvSpPr>
         <p:spPr>
@@ -2805,7 +2905,7 @@
           </a:prstGeom>
         </p:spPr>
         <p:txBody>
-          <a:bodyPr anchorCtr="0" anchor="ctr" bIns="91425" lIns="91425" spcFirstLastPara="1" rIns="91425" wrap="square" tIns="91425">
+          <a:bodyPr spcFirstLastPara="1" wrap="square" lIns="91425" tIns="91425" rIns="91425" bIns="91425" anchor="ctr" anchorCtr="0">
             <a:normAutofit/>
           </a:bodyPr>
           <a:lstStyle>
@@ -2847,7 +2947,7 @@
             </a:lvl9pPr>
           </a:lstStyle>
           <a:p>
-            <a:pPr indent="0" lvl="0" marL="0" rtl="0" algn="r">
+            <a:pPr marL="0" lvl="0" indent="0" algn="r" rtl="0">
               <a:spcBef>
                 <a:spcPts val="0"/>
               </a:spcBef>
@@ -2873,11 +2973,11 @@
 </file>
 
 <file path=ppt/slideLayouts/slideLayout11.xml><?xml version="1.0" encoding="utf-8"?>
-<p:sldLayout xmlns:a="http://schemas.openxmlformats.org/drawingml/2006/main" xmlns:r="http://schemas.openxmlformats.org/officeDocument/2006/relationships" xmlns:mc="http://schemas.openxmlformats.org/markup-compatibility/2006" xmlns:mv="urn:schemas-microsoft-com:mac:vml" xmlns:p="http://schemas.openxmlformats.org/presentationml/2006/main" xmlns:c="http://schemas.openxmlformats.org/drawingml/2006/chart" xmlns:dgm="http://schemas.openxmlformats.org/drawingml/2006/diagram" xmlns:o="urn:schemas-microsoft-com:office:office" xmlns:v="urn:schemas-microsoft-com:vml" xmlns:pvml="urn:schemas-microsoft-com:office:powerpoint" xmlns:com="http://schemas.openxmlformats.org/drawingml/2006/compatibility" xmlns:p14="http://schemas.microsoft.com/office/powerpoint/2010/main" xmlns:p15="http://schemas.microsoft.com/office/powerpoint/2012/main" xmlns:ahyp="http://schemas.microsoft.com/office/drawing/2018/hyperlinkcolor" matchingName="Blank" type="blank">
+<p:sldLayout xmlns:a="http://schemas.openxmlformats.org/drawingml/2006/main" xmlns:r="http://schemas.openxmlformats.org/officeDocument/2006/relationships" xmlns:p="http://schemas.openxmlformats.org/presentationml/2006/main" matchingName="Blank" type="blank">
   <p:cSld name="BLANK">
     <p:spTree>
       <p:nvGrpSpPr>
-        <p:cNvPr id="53" name="Shape 53"/>
+        <p:cNvPr id="1" name="Shape 53"/>
         <p:cNvGrpSpPr/>
         <p:nvPr/>
       </p:nvGrpSpPr>
@@ -2892,9 +2992,11 @@
       <p:sp>
         <p:nvSpPr>
           <p:cNvPr id="54" name="Google Shape;54;p12"/>
-          <p:cNvSpPr txBox="1"/>
+          <p:cNvSpPr txBox="1">
+            <a:spLocks noGrp="1"/>
+          </p:cNvSpPr>
           <p:nvPr>
-            <p:ph idx="12" type="sldNum"/>
+            <p:ph type="sldNum" idx="12"/>
           </p:nvPr>
         </p:nvSpPr>
         <p:spPr>
@@ -2907,7 +3009,7 @@
           </a:prstGeom>
         </p:spPr>
         <p:txBody>
-          <a:bodyPr anchorCtr="0" anchor="ctr" bIns="91425" lIns="91425" spcFirstLastPara="1" rIns="91425" wrap="square" tIns="91425">
+          <a:bodyPr spcFirstLastPara="1" wrap="square" lIns="91425" tIns="91425" rIns="91425" bIns="91425" anchor="ctr" anchorCtr="0">
             <a:normAutofit/>
           </a:bodyPr>
           <a:lstStyle>
@@ -2949,7 +3051,7 @@
             </a:lvl9pPr>
           </a:lstStyle>
           <a:p>
-            <a:pPr indent="0" lvl="0" marL="0" rtl="0" algn="r">
+            <a:pPr marL="0" lvl="0" indent="0" algn="r" rtl="0">
               <a:spcBef>
                 <a:spcPts val="0"/>
               </a:spcBef>
@@ -2975,18 +3077,19 @@
 </file>
 
 <file path=ppt/slideLayouts/slideLayout2.xml><?xml version="1.0" encoding="utf-8"?>
-<p:sldLayout xmlns:a="http://schemas.openxmlformats.org/drawingml/2006/main" xmlns:r="http://schemas.openxmlformats.org/officeDocument/2006/relationships" xmlns:mc="http://schemas.openxmlformats.org/markup-compatibility/2006" xmlns:mv="urn:schemas-microsoft-com:mac:vml" xmlns:p="http://schemas.openxmlformats.org/presentationml/2006/main" xmlns:c="http://schemas.openxmlformats.org/drawingml/2006/chart" xmlns:dgm="http://schemas.openxmlformats.org/drawingml/2006/diagram" xmlns:o="urn:schemas-microsoft-com:office:office" xmlns:v="urn:schemas-microsoft-com:vml" xmlns:pvml="urn:schemas-microsoft-com:office:powerpoint" xmlns:com="http://schemas.openxmlformats.org/drawingml/2006/compatibility" xmlns:p14="http://schemas.microsoft.com/office/powerpoint/2010/main" xmlns:p15="http://schemas.microsoft.com/office/powerpoint/2012/main" xmlns:ahyp="http://schemas.microsoft.com/office/drawing/2018/hyperlinkcolor" matchingName="Section header" type="secHead">
+<p:sldLayout xmlns:a="http://schemas.openxmlformats.org/drawingml/2006/main" xmlns:r="http://schemas.openxmlformats.org/officeDocument/2006/relationships" xmlns:p="http://schemas.openxmlformats.org/presentationml/2006/main" matchingName="Section header" type="secHead">
   <p:cSld name="SECTION_HEADER">
     <p:bg>
       <p:bgPr>
         <a:solidFill>
           <a:schemeClr val="dk1"/>
         </a:solidFill>
+        <a:effectLst/>
       </p:bgPr>
     </p:bg>
     <p:spTree>
       <p:nvGrpSpPr>
-        <p:cNvPr id="14" name="Shape 14"/>
+        <p:cNvPr id="1" name="Shape 14"/>
         <p:cNvGrpSpPr/>
         <p:nvPr/>
       </p:nvGrpSpPr>
@@ -3013,21 +3116,23 @@
             <a:avLst/>
           </a:prstGeom>
           <a:noFill/>
-          <a:ln cap="flat" cmpd="sng" w="19050">
+          <a:ln w="19050" cap="flat" cmpd="sng">
             <a:solidFill>
               <a:schemeClr val="lt2"/>
             </a:solidFill>
             <a:prstDash val="solid"/>
             <a:round/>
-            <a:headEnd len="sm" w="sm" type="none"/>
-            <a:tailEnd len="sm" w="sm" type="none"/>
+            <a:headEnd type="none" w="sm" len="sm"/>
+            <a:tailEnd type="none" w="sm" len="sm"/>
           </a:ln>
         </p:spPr>
       </p:cxnSp>
       <p:sp>
         <p:nvSpPr>
           <p:cNvPr id="16" name="Google Shape;16;p3"/>
-          <p:cNvSpPr txBox="1"/>
+          <p:cNvSpPr txBox="1">
+            <a:spLocks noGrp="1"/>
+          </p:cNvSpPr>
           <p:nvPr>
             <p:ph type="title"/>
           </p:nvPr>
@@ -3042,7 +3147,7 @@
           </a:prstGeom>
         </p:spPr>
         <p:txBody>
-          <a:bodyPr anchorCtr="0" anchor="b" bIns="91425" lIns="91425" spcFirstLastPara="1" rIns="91425" wrap="square" tIns="91425">
+          <a:bodyPr spcFirstLastPara="1" wrap="square" lIns="91425" tIns="91425" rIns="91425" bIns="91425" anchor="b" anchorCtr="0">
             <a:normAutofit/>
           </a:bodyPr>
           <a:lstStyle>
@@ -3209,15 +3314,19 @@
               </a:defRPr>
             </a:lvl9pPr>
           </a:lstStyle>
-          <a:p/>
+          <a:p>
+            <a:endParaRPr/>
+          </a:p>
         </p:txBody>
       </p:sp>
       <p:sp>
         <p:nvSpPr>
           <p:cNvPr id="17" name="Google Shape;17;p3"/>
-          <p:cNvSpPr txBox="1"/>
+          <p:cNvSpPr txBox="1">
+            <a:spLocks noGrp="1"/>
+          </p:cNvSpPr>
           <p:nvPr>
-            <p:ph idx="12" type="sldNum"/>
+            <p:ph type="sldNum" idx="12"/>
           </p:nvPr>
         </p:nvSpPr>
         <p:spPr>
@@ -3230,7 +3339,7 @@
           </a:prstGeom>
         </p:spPr>
         <p:txBody>
-          <a:bodyPr anchorCtr="0" anchor="ctr" bIns="91425" lIns="91425" spcFirstLastPara="1" rIns="91425" wrap="square" tIns="91425">
+          <a:bodyPr spcFirstLastPara="1" wrap="square" lIns="91425" tIns="91425" rIns="91425" bIns="91425" anchor="ctr" anchorCtr="0">
             <a:normAutofit/>
           </a:bodyPr>
           <a:lstStyle>
@@ -3308,7 +3417,7 @@
             </a:lvl9pPr>
           </a:lstStyle>
           <a:p>
-            <a:pPr indent="0" lvl="0" marL="0" rtl="0" algn="r">
+            <a:pPr marL="0" lvl="0" indent="0" algn="r" rtl="0">
               <a:spcBef>
                 <a:spcPts val="0"/>
               </a:spcBef>
@@ -3334,11 +3443,11 @@
 </file>
 
 <file path=ppt/slideLayouts/slideLayout3.xml><?xml version="1.0" encoding="utf-8"?>
-<p:sldLayout xmlns:a="http://schemas.openxmlformats.org/drawingml/2006/main" xmlns:r="http://schemas.openxmlformats.org/officeDocument/2006/relationships" xmlns:mc="http://schemas.openxmlformats.org/markup-compatibility/2006" xmlns:mv="urn:schemas-microsoft-com:mac:vml" xmlns:p="http://schemas.openxmlformats.org/presentationml/2006/main" xmlns:c="http://schemas.openxmlformats.org/drawingml/2006/chart" xmlns:dgm="http://schemas.openxmlformats.org/drawingml/2006/diagram" xmlns:o="urn:schemas-microsoft-com:office:office" xmlns:v="urn:schemas-microsoft-com:vml" xmlns:pvml="urn:schemas-microsoft-com:office:powerpoint" xmlns:com="http://schemas.openxmlformats.org/drawingml/2006/compatibility" xmlns:p14="http://schemas.microsoft.com/office/powerpoint/2010/main" xmlns:p15="http://schemas.microsoft.com/office/powerpoint/2012/main" xmlns:ahyp="http://schemas.microsoft.com/office/drawing/2018/hyperlinkcolor" matchingName="Title and body" type="tx">
+<p:sldLayout xmlns:a="http://schemas.openxmlformats.org/drawingml/2006/main" xmlns:r="http://schemas.openxmlformats.org/officeDocument/2006/relationships" xmlns:p="http://schemas.openxmlformats.org/presentationml/2006/main" matchingName="Title and body" type="tx">
   <p:cSld name="TITLE_AND_BODY">
     <p:spTree>
       <p:nvGrpSpPr>
-        <p:cNvPr id="18" name="Shape 18"/>
+        <p:cNvPr id="1" name="Shape 18"/>
         <p:cNvGrpSpPr/>
         <p:nvPr/>
       </p:nvGrpSpPr>
@@ -3372,12 +3481,12 @@
           </a:ln>
         </p:spPr>
         <p:txBody>
-          <a:bodyPr anchorCtr="0" anchor="ctr" bIns="91425" lIns="91425" spcFirstLastPara="1" rIns="91425" wrap="square" tIns="91425">
+          <a:bodyPr spcFirstLastPara="1" wrap="square" lIns="91425" tIns="91425" rIns="91425" bIns="91425" anchor="ctr" anchorCtr="0">
             <a:noAutofit/>
           </a:bodyPr>
           <a:lstStyle/>
           <a:p>
-            <a:pPr indent="0" lvl="0" marL="0" rtl="0" algn="l">
+            <a:pPr marL="0" lvl="0" indent="0" algn="l" rtl="0">
               <a:spcBef>
                 <a:spcPts val="0"/>
               </a:spcBef>
@@ -3386,9 +3495,6 @@
               </a:spcAft>
               <a:buNone/>
             </a:pPr>
-            <a:r>
-              <a:t/>
-            </a:r>
             <a:endParaRPr/>
           </a:p>
         </p:txBody>
@@ -3396,7 +3502,9 @@
       <p:sp>
         <p:nvSpPr>
           <p:cNvPr id="20" name="Google Shape;20;p4"/>
-          <p:cNvSpPr txBox="1"/>
+          <p:cNvSpPr txBox="1">
+            <a:spLocks noGrp="1"/>
+          </p:cNvSpPr>
           <p:nvPr>
             <p:ph type="title"/>
           </p:nvPr>
@@ -3411,7 +3519,7 @@
           </a:prstGeom>
         </p:spPr>
         <p:txBody>
-          <a:bodyPr anchorCtr="0" anchor="t" bIns="91425" lIns="91425" spcFirstLastPara="1" rIns="91425" wrap="square" tIns="91425">
+          <a:bodyPr spcFirstLastPara="1" wrap="square" lIns="91425" tIns="91425" rIns="91425" bIns="91425" anchor="t" anchorCtr="0">
             <a:normAutofit/>
           </a:bodyPr>
           <a:lstStyle>
@@ -3515,15 +3623,19 @@
               <a:defRPr/>
             </a:lvl9pPr>
           </a:lstStyle>
-          <a:p/>
+          <a:p>
+            <a:endParaRPr/>
+          </a:p>
         </p:txBody>
       </p:sp>
       <p:sp>
         <p:nvSpPr>
           <p:cNvPr id="21" name="Google Shape;21;p4"/>
-          <p:cNvSpPr txBox="1"/>
+          <p:cNvSpPr txBox="1">
+            <a:spLocks noGrp="1"/>
+          </p:cNvSpPr>
           <p:nvPr>
-            <p:ph idx="1" type="body"/>
+            <p:ph type="body" idx="1"/>
           </p:nvPr>
         </p:nvSpPr>
         <p:spPr>
@@ -3536,11 +3648,11 @@
           </a:prstGeom>
         </p:spPr>
         <p:txBody>
-          <a:bodyPr anchorCtr="0" anchor="t" bIns="91425" lIns="91425" spcFirstLastPara="1" rIns="91425" wrap="square" tIns="91425">
+          <a:bodyPr spcFirstLastPara="1" wrap="square" lIns="91425" tIns="91425" rIns="91425" bIns="91425" anchor="t" anchorCtr="0">
             <a:normAutofit/>
           </a:bodyPr>
           <a:lstStyle>
-            <a:lvl1pPr indent="-342900" lvl="0" marL="457200">
+            <a:lvl1pPr marL="457200" lvl="0" indent="-342900">
               <a:spcBef>
                 <a:spcPts val="0"/>
               </a:spcBef>
@@ -3551,7 +3663,7 @@
               <a:buChar char="●"/>
               <a:defRPr/>
             </a:lvl1pPr>
-            <a:lvl2pPr indent="-317500" lvl="1" marL="914400">
+            <a:lvl2pPr marL="914400" lvl="1" indent="-317500">
               <a:spcBef>
                 <a:spcPts val="0"/>
               </a:spcBef>
@@ -3562,7 +3674,7 @@
               <a:buChar char="○"/>
               <a:defRPr/>
             </a:lvl2pPr>
-            <a:lvl3pPr indent="-317500" lvl="2" marL="1371600">
+            <a:lvl3pPr marL="1371600" lvl="2" indent="-317500">
               <a:spcBef>
                 <a:spcPts val="0"/>
               </a:spcBef>
@@ -3573,7 +3685,7 @@
               <a:buChar char="■"/>
               <a:defRPr/>
             </a:lvl3pPr>
-            <a:lvl4pPr indent="-317500" lvl="3" marL="1828800">
+            <a:lvl4pPr marL="1828800" lvl="3" indent="-317500">
               <a:spcBef>
                 <a:spcPts val="0"/>
               </a:spcBef>
@@ -3584,7 +3696,7 @@
               <a:buChar char="●"/>
               <a:defRPr/>
             </a:lvl4pPr>
-            <a:lvl5pPr indent="-317500" lvl="4" marL="2286000">
+            <a:lvl5pPr marL="2286000" lvl="4" indent="-317500">
               <a:spcBef>
                 <a:spcPts val="0"/>
               </a:spcBef>
@@ -3595,7 +3707,7 @@
               <a:buChar char="○"/>
               <a:defRPr/>
             </a:lvl5pPr>
-            <a:lvl6pPr indent="-317500" lvl="5" marL="2743200">
+            <a:lvl6pPr marL="2743200" lvl="5" indent="-317500">
               <a:spcBef>
                 <a:spcPts val="0"/>
               </a:spcBef>
@@ -3606,7 +3718,7 @@
               <a:buChar char="■"/>
               <a:defRPr/>
             </a:lvl6pPr>
-            <a:lvl7pPr indent="-317500" lvl="6" marL="3200400">
+            <a:lvl7pPr marL="3200400" lvl="6" indent="-317500">
               <a:spcBef>
                 <a:spcPts val="0"/>
               </a:spcBef>
@@ -3617,7 +3729,7 @@
               <a:buChar char="●"/>
               <a:defRPr/>
             </a:lvl7pPr>
-            <a:lvl8pPr indent="-317500" lvl="7" marL="3657600">
+            <a:lvl8pPr marL="3657600" lvl="7" indent="-317500">
               <a:spcBef>
                 <a:spcPts val="0"/>
               </a:spcBef>
@@ -3628,7 +3740,7 @@
               <a:buChar char="○"/>
               <a:defRPr/>
             </a:lvl8pPr>
-            <a:lvl9pPr indent="-317500" lvl="8" marL="4114800">
+            <a:lvl9pPr marL="4114800" lvl="8" indent="-317500">
               <a:spcBef>
                 <a:spcPts val="0"/>
               </a:spcBef>
@@ -3640,15 +3752,19 @@
               <a:defRPr/>
             </a:lvl9pPr>
           </a:lstStyle>
-          <a:p/>
+          <a:p>
+            <a:endParaRPr/>
+          </a:p>
         </p:txBody>
       </p:sp>
       <p:sp>
         <p:nvSpPr>
           <p:cNvPr id="22" name="Google Shape;22;p4"/>
-          <p:cNvSpPr txBox="1"/>
+          <p:cNvSpPr txBox="1">
+            <a:spLocks noGrp="1"/>
+          </p:cNvSpPr>
           <p:nvPr>
-            <p:ph idx="12" type="sldNum"/>
+            <p:ph type="sldNum" idx="12"/>
           </p:nvPr>
         </p:nvSpPr>
         <p:spPr>
@@ -3661,7 +3777,7 @@
           </a:prstGeom>
         </p:spPr>
         <p:txBody>
-          <a:bodyPr anchorCtr="0" anchor="ctr" bIns="91425" lIns="91425" spcFirstLastPara="1" rIns="91425" wrap="square" tIns="91425">
+          <a:bodyPr spcFirstLastPara="1" wrap="square" lIns="91425" tIns="91425" rIns="91425" bIns="91425" anchor="ctr" anchorCtr="0">
             <a:normAutofit/>
           </a:bodyPr>
           <a:lstStyle>
@@ -3703,7 +3819,7 @@
             </a:lvl9pPr>
           </a:lstStyle>
           <a:p>
-            <a:pPr indent="0" lvl="0" marL="0" rtl="0" algn="r">
+            <a:pPr marL="0" lvl="0" indent="0" algn="r" rtl="0">
               <a:spcBef>
                 <a:spcPts val="0"/>
               </a:spcBef>
@@ -3729,11 +3845,11 @@
 </file>
 
 <file path=ppt/slideLayouts/slideLayout4.xml><?xml version="1.0" encoding="utf-8"?>
-<p:sldLayout xmlns:a="http://schemas.openxmlformats.org/drawingml/2006/main" xmlns:r="http://schemas.openxmlformats.org/officeDocument/2006/relationships" xmlns:mc="http://schemas.openxmlformats.org/markup-compatibility/2006" xmlns:mv="urn:schemas-microsoft-com:mac:vml" xmlns:p="http://schemas.openxmlformats.org/presentationml/2006/main" xmlns:c="http://schemas.openxmlformats.org/drawingml/2006/chart" xmlns:dgm="http://schemas.openxmlformats.org/drawingml/2006/diagram" xmlns:o="urn:schemas-microsoft-com:office:office" xmlns:v="urn:schemas-microsoft-com:vml" xmlns:pvml="urn:schemas-microsoft-com:office:powerpoint" xmlns:com="http://schemas.openxmlformats.org/drawingml/2006/compatibility" xmlns:p14="http://schemas.microsoft.com/office/powerpoint/2010/main" xmlns:p15="http://schemas.microsoft.com/office/powerpoint/2012/main" xmlns:ahyp="http://schemas.microsoft.com/office/drawing/2018/hyperlinkcolor" matchingName="Title and two columns" type="twoColTx">
+<p:sldLayout xmlns:a="http://schemas.openxmlformats.org/drawingml/2006/main" xmlns:r="http://schemas.openxmlformats.org/officeDocument/2006/relationships" xmlns:p="http://schemas.openxmlformats.org/presentationml/2006/main" matchingName="Title and two columns" type="twoColTx">
   <p:cSld name="TITLE_AND_TWO_COLUMNS">
     <p:spTree>
       <p:nvGrpSpPr>
-        <p:cNvPr id="23" name="Shape 23"/>
+        <p:cNvPr id="1" name="Shape 23"/>
         <p:cNvGrpSpPr/>
         <p:nvPr/>
       </p:nvGrpSpPr>
@@ -3748,7 +3864,9 @@
       <p:sp>
         <p:nvSpPr>
           <p:cNvPr id="24" name="Google Shape;24;p5"/>
-          <p:cNvSpPr txBox="1"/>
+          <p:cNvSpPr txBox="1">
+            <a:spLocks noGrp="1"/>
+          </p:cNvSpPr>
           <p:nvPr>
             <p:ph type="title"/>
           </p:nvPr>
@@ -3763,7 +3881,7 @@
           </a:prstGeom>
         </p:spPr>
         <p:txBody>
-          <a:bodyPr anchorCtr="0" anchor="t" bIns="91425" lIns="91425" spcFirstLastPara="1" rIns="91425" wrap="square" tIns="91425">
+          <a:bodyPr spcFirstLastPara="1" wrap="square" lIns="91425" tIns="91425" rIns="91425" bIns="91425" anchor="t" anchorCtr="0">
             <a:normAutofit/>
           </a:bodyPr>
           <a:lstStyle>
@@ -3867,15 +3985,19 @@
               <a:defRPr/>
             </a:lvl9pPr>
           </a:lstStyle>
-          <a:p/>
+          <a:p>
+            <a:endParaRPr/>
+          </a:p>
         </p:txBody>
       </p:sp>
       <p:sp>
         <p:nvSpPr>
           <p:cNvPr id="25" name="Google Shape;25;p5"/>
-          <p:cNvSpPr txBox="1"/>
+          <p:cNvSpPr txBox="1">
+            <a:spLocks noGrp="1"/>
+          </p:cNvSpPr>
           <p:nvPr>
-            <p:ph idx="1" type="body"/>
+            <p:ph type="body" idx="1"/>
           </p:nvPr>
         </p:nvSpPr>
         <p:spPr>
@@ -3888,11 +4010,11 @@
           </a:prstGeom>
         </p:spPr>
         <p:txBody>
-          <a:bodyPr anchorCtr="0" anchor="t" bIns="91425" lIns="91425" spcFirstLastPara="1" rIns="91425" wrap="square" tIns="91425">
+          <a:bodyPr spcFirstLastPara="1" wrap="square" lIns="91425" tIns="91425" rIns="91425" bIns="91425" anchor="t" anchorCtr="0">
             <a:normAutofit/>
           </a:bodyPr>
           <a:lstStyle>
-            <a:lvl1pPr indent="-317500" lvl="0" marL="457200">
+            <a:lvl1pPr marL="457200" lvl="0" indent="-317500">
               <a:spcBef>
                 <a:spcPts val="0"/>
               </a:spcBef>
@@ -3903,7 +4025,7 @@
               <a:buChar char="●"/>
               <a:defRPr sz="1400"/>
             </a:lvl1pPr>
-            <a:lvl2pPr indent="-304800" lvl="1" marL="914400">
+            <a:lvl2pPr marL="914400" lvl="1" indent="-304800">
               <a:spcBef>
                 <a:spcPts val="0"/>
               </a:spcBef>
@@ -3914,7 +4036,7 @@
               <a:buChar char="○"/>
               <a:defRPr sz="1200"/>
             </a:lvl2pPr>
-            <a:lvl3pPr indent="-304800" lvl="2" marL="1371600">
+            <a:lvl3pPr marL="1371600" lvl="2" indent="-304800">
               <a:spcBef>
                 <a:spcPts val="0"/>
               </a:spcBef>
@@ -3925,7 +4047,7 @@
               <a:buChar char="■"/>
               <a:defRPr sz="1200"/>
             </a:lvl3pPr>
-            <a:lvl4pPr indent="-304800" lvl="3" marL="1828800">
+            <a:lvl4pPr marL="1828800" lvl="3" indent="-304800">
               <a:spcBef>
                 <a:spcPts val="0"/>
               </a:spcBef>
@@ -3936,7 +4058,7 @@
               <a:buChar char="●"/>
               <a:defRPr sz="1200"/>
             </a:lvl4pPr>
-            <a:lvl5pPr indent="-304800" lvl="4" marL="2286000">
+            <a:lvl5pPr marL="2286000" lvl="4" indent="-304800">
               <a:spcBef>
                 <a:spcPts val="0"/>
               </a:spcBef>
@@ -3947,7 +4069,7 @@
               <a:buChar char="○"/>
               <a:defRPr sz="1200"/>
             </a:lvl5pPr>
-            <a:lvl6pPr indent="-304800" lvl="5" marL="2743200">
+            <a:lvl6pPr marL="2743200" lvl="5" indent="-304800">
               <a:spcBef>
                 <a:spcPts val="0"/>
               </a:spcBef>
@@ -3958,7 +4080,7 @@
               <a:buChar char="■"/>
               <a:defRPr sz="1200"/>
             </a:lvl6pPr>
-            <a:lvl7pPr indent="-304800" lvl="6" marL="3200400">
+            <a:lvl7pPr marL="3200400" lvl="6" indent="-304800">
               <a:spcBef>
                 <a:spcPts val="0"/>
               </a:spcBef>
@@ -3969,7 +4091,7 @@
               <a:buChar char="●"/>
               <a:defRPr sz="1200"/>
             </a:lvl7pPr>
-            <a:lvl8pPr indent="-304800" lvl="7" marL="3657600">
+            <a:lvl8pPr marL="3657600" lvl="7" indent="-304800">
               <a:spcBef>
                 <a:spcPts val="0"/>
               </a:spcBef>
@@ -3980,7 +4102,7 @@
               <a:buChar char="○"/>
               <a:defRPr sz="1200"/>
             </a:lvl8pPr>
-            <a:lvl9pPr indent="-304800" lvl="8" marL="4114800">
+            <a:lvl9pPr marL="4114800" lvl="8" indent="-304800">
               <a:spcBef>
                 <a:spcPts val="0"/>
               </a:spcBef>
@@ -3992,15 +4114,19 @@
               <a:defRPr sz="1200"/>
             </a:lvl9pPr>
           </a:lstStyle>
-          <a:p/>
+          <a:p>
+            <a:endParaRPr/>
+          </a:p>
         </p:txBody>
       </p:sp>
       <p:sp>
         <p:nvSpPr>
           <p:cNvPr id="26" name="Google Shape;26;p5"/>
-          <p:cNvSpPr txBox="1"/>
+          <p:cNvSpPr txBox="1">
+            <a:spLocks noGrp="1"/>
+          </p:cNvSpPr>
           <p:nvPr>
-            <p:ph idx="2" type="body"/>
+            <p:ph type="body" idx="2"/>
           </p:nvPr>
         </p:nvSpPr>
         <p:spPr>
@@ -4013,11 +4139,11 @@
           </a:prstGeom>
         </p:spPr>
         <p:txBody>
-          <a:bodyPr anchorCtr="0" anchor="t" bIns="91425" lIns="91425" spcFirstLastPara="1" rIns="91425" wrap="square" tIns="91425">
+          <a:bodyPr spcFirstLastPara="1" wrap="square" lIns="91425" tIns="91425" rIns="91425" bIns="91425" anchor="t" anchorCtr="0">
             <a:normAutofit/>
           </a:bodyPr>
           <a:lstStyle>
-            <a:lvl1pPr indent="-317500" lvl="0" marL="457200">
+            <a:lvl1pPr marL="457200" lvl="0" indent="-317500">
               <a:spcBef>
                 <a:spcPts val="0"/>
               </a:spcBef>
@@ -4028,7 +4154,7 @@
               <a:buChar char="●"/>
               <a:defRPr sz="1400"/>
             </a:lvl1pPr>
-            <a:lvl2pPr indent="-304800" lvl="1" marL="914400">
+            <a:lvl2pPr marL="914400" lvl="1" indent="-304800">
               <a:spcBef>
                 <a:spcPts val="0"/>
               </a:spcBef>
@@ -4039,7 +4165,7 @@
               <a:buChar char="○"/>
               <a:defRPr sz="1200"/>
             </a:lvl2pPr>
-            <a:lvl3pPr indent="-304800" lvl="2" marL="1371600">
+            <a:lvl3pPr marL="1371600" lvl="2" indent="-304800">
               <a:spcBef>
                 <a:spcPts val="0"/>
               </a:spcBef>
@@ -4050,7 +4176,7 @@
               <a:buChar char="■"/>
               <a:defRPr sz="1200"/>
             </a:lvl3pPr>
-            <a:lvl4pPr indent="-304800" lvl="3" marL="1828800">
+            <a:lvl4pPr marL="1828800" lvl="3" indent="-304800">
               <a:spcBef>
                 <a:spcPts val="0"/>
               </a:spcBef>
@@ -4061,7 +4187,7 @@
               <a:buChar char="●"/>
               <a:defRPr sz="1200"/>
             </a:lvl4pPr>
-            <a:lvl5pPr indent="-304800" lvl="4" marL="2286000">
+            <a:lvl5pPr marL="2286000" lvl="4" indent="-304800">
               <a:spcBef>
                 <a:spcPts val="0"/>
               </a:spcBef>
@@ -4072,7 +4198,7 @@
               <a:buChar char="○"/>
               <a:defRPr sz="1200"/>
             </a:lvl5pPr>
-            <a:lvl6pPr indent="-304800" lvl="5" marL="2743200">
+            <a:lvl6pPr marL="2743200" lvl="5" indent="-304800">
               <a:spcBef>
                 <a:spcPts val="0"/>
               </a:spcBef>
@@ -4083,7 +4209,7 @@
               <a:buChar char="■"/>
               <a:defRPr sz="1200"/>
             </a:lvl6pPr>
-            <a:lvl7pPr indent="-304800" lvl="6" marL="3200400">
+            <a:lvl7pPr marL="3200400" lvl="6" indent="-304800">
               <a:spcBef>
                 <a:spcPts val="0"/>
               </a:spcBef>
@@ -4094,7 +4220,7 @@
               <a:buChar char="●"/>
               <a:defRPr sz="1200"/>
             </a:lvl7pPr>
-            <a:lvl8pPr indent="-304800" lvl="7" marL="3657600">
+            <a:lvl8pPr marL="3657600" lvl="7" indent="-304800">
               <a:spcBef>
                 <a:spcPts val="0"/>
               </a:spcBef>
@@ -4105,7 +4231,7 @@
               <a:buChar char="○"/>
               <a:defRPr sz="1200"/>
             </a:lvl8pPr>
-            <a:lvl9pPr indent="-304800" lvl="8" marL="4114800">
+            <a:lvl9pPr marL="4114800" lvl="8" indent="-304800">
               <a:spcBef>
                 <a:spcPts val="0"/>
               </a:spcBef>
@@ -4117,15 +4243,19 @@
               <a:defRPr sz="1200"/>
             </a:lvl9pPr>
           </a:lstStyle>
-          <a:p/>
+          <a:p>
+            <a:endParaRPr/>
+          </a:p>
         </p:txBody>
       </p:sp>
       <p:sp>
         <p:nvSpPr>
           <p:cNvPr id="27" name="Google Shape;27;p5"/>
-          <p:cNvSpPr txBox="1"/>
+          <p:cNvSpPr txBox="1">
+            <a:spLocks noGrp="1"/>
+          </p:cNvSpPr>
           <p:nvPr>
-            <p:ph idx="12" type="sldNum"/>
+            <p:ph type="sldNum" idx="12"/>
           </p:nvPr>
         </p:nvSpPr>
         <p:spPr>
@@ -4138,7 +4268,7 @@
           </a:prstGeom>
         </p:spPr>
         <p:txBody>
-          <a:bodyPr anchorCtr="0" anchor="ctr" bIns="91425" lIns="91425" spcFirstLastPara="1" rIns="91425" wrap="square" tIns="91425">
+          <a:bodyPr spcFirstLastPara="1" wrap="square" lIns="91425" tIns="91425" rIns="91425" bIns="91425" anchor="ctr" anchorCtr="0">
             <a:normAutofit/>
           </a:bodyPr>
           <a:lstStyle>
@@ -4180,7 +4310,7 @@
             </a:lvl9pPr>
           </a:lstStyle>
           <a:p>
-            <a:pPr indent="0" lvl="0" marL="0" rtl="0" algn="r">
+            <a:pPr marL="0" lvl="0" indent="0" algn="r" rtl="0">
               <a:spcBef>
                 <a:spcPts val="0"/>
               </a:spcBef>
@@ -4206,11 +4336,11 @@
 </file>
 
 <file path=ppt/slideLayouts/slideLayout5.xml><?xml version="1.0" encoding="utf-8"?>
-<p:sldLayout xmlns:a="http://schemas.openxmlformats.org/drawingml/2006/main" xmlns:r="http://schemas.openxmlformats.org/officeDocument/2006/relationships" xmlns:mc="http://schemas.openxmlformats.org/markup-compatibility/2006" xmlns:mv="urn:schemas-microsoft-com:mac:vml" xmlns:p="http://schemas.openxmlformats.org/presentationml/2006/main" xmlns:c="http://schemas.openxmlformats.org/drawingml/2006/chart" xmlns:dgm="http://schemas.openxmlformats.org/drawingml/2006/diagram" xmlns:o="urn:schemas-microsoft-com:office:office" xmlns:v="urn:schemas-microsoft-com:vml" xmlns:pvml="urn:schemas-microsoft-com:office:powerpoint" xmlns:com="http://schemas.openxmlformats.org/drawingml/2006/compatibility" xmlns:p14="http://schemas.microsoft.com/office/powerpoint/2010/main" xmlns:p15="http://schemas.microsoft.com/office/powerpoint/2012/main" xmlns:ahyp="http://schemas.microsoft.com/office/drawing/2018/hyperlinkcolor" matchingName="Title only" type="titleOnly">
+<p:sldLayout xmlns:a="http://schemas.openxmlformats.org/drawingml/2006/main" xmlns:r="http://schemas.openxmlformats.org/officeDocument/2006/relationships" xmlns:p="http://schemas.openxmlformats.org/presentationml/2006/main" matchingName="Title only" type="titleOnly">
   <p:cSld name="TITLE_ONLY">
     <p:spTree>
       <p:nvGrpSpPr>
-        <p:cNvPr id="28" name="Shape 28"/>
+        <p:cNvPr id="1" name="Shape 28"/>
         <p:cNvGrpSpPr/>
         <p:nvPr/>
       </p:nvGrpSpPr>
@@ -4225,7 +4355,9 @@
       <p:sp>
         <p:nvSpPr>
           <p:cNvPr id="29" name="Google Shape;29;p6"/>
-          <p:cNvSpPr txBox="1"/>
+          <p:cNvSpPr txBox="1">
+            <a:spLocks noGrp="1"/>
+          </p:cNvSpPr>
           <p:nvPr>
             <p:ph type="title"/>
           </p:nvPr>
@@ -4240,7 +4372,7 @@
           </a:prstGeom>
         </p:spPr>
         <p:txBody>
-          <a:bodyPr anchorCtr="0" anchor="t" bIns="91425" lIns="91425" spcFirstLastPara="1" rIns="91425" wrap="square" tIns="91425">
+          <a:bodyPr spcFirstLastPara="1" wrap="square" lIns="91425" tIns="91425" rIns="91425" bIns="91425" anchor="t" anchorCtr="0">
             <a:normAutofit/>
           </a:bodyPr>
           <a:lstStyle>
@@ -4344,15 +4476,19 @@
               <a:defRPr/>
             </a:lvl9pPr>
           </a:lstStyle>
-          <a:p/>
+          <a:p>
+            <a:endParaRPr/>
+          </a:p>
         </p:txBody>
       </p:sp>
       <p:sp>
         <p:nvSpPr>
           <p:cNvPr id="30" name="Google Shape;30;p6"/>
-          <p:cNvSpPr txBox="1"/>
+          <p:cNvSpPr txBox="1">
+            <a:spLocks noGrp="1"/>
+          </p:cNvSpPr>
           <p:nvPr>
-            <p:ph idx="12" type="sldNum"/>
+            <p:ph type="sldNum" idx="12"/>
           </p:nvPr>
         </p:nvSpPr>
         <p:spPr>
@@ -4365,7 +4501,7 @@
           </a:prstGeom>
         </p:spPr>
         <p:txBody>
-          <a:bodyPr anchorCtr="0" anchor="ctr" bIns="91425" lIns="91425" spcFirstLastPara="1" rIns="91425" wrap="square" tIns="91425">
+          <a:bodyPr spcFirstLastPara="1" wrap="square" lIns="91425" tIns="91425" rIns="91425" bIns="91425" anchor="ctr" anchorCtr="0">
             <a:normAutofit/>
           </a:bodyPr>
           <a:lstStyle>
@@ -4407,7 +4543,7 @@
             </a:lvl9pPr>
           </a:lstStyle>
           <a:p>
-            <a:pPr indent="0" lvl="0" marL="0" rtl="0" algn="r">
+            <a:pPr marL="0" lvl="0" indent="0" algn="r" rtl="0">
               <a:spcBef>
                 <a:spcPts val="0"/>
               </a:spcBef>
@@ -4433,11 +4569,11 @@
 </file>
 
 <file path=ppt/slideLayouts/slideLayout6.xml><?xml version="1.0" encoding="utf-8"?>
-<p:sldLayout xmlns:a="http://schemas.openxmlformats.org/drawingml/2006/main" xmlns:r="http://schemas.openxmlformats.org/officeDocument/2006/relationships" xmlns:mc="http://schemas.openxmlformats.org/markup-compatibility/2006" xmlns:mv="urn:schemas-microsoft-com:mac:vml" xmlns:p="http://schemas.openxmlformats.org/presentationml/2006/main" xmlns:c="http://schemas.openxmlformats.org/drawingml/2006/chart" xmlns:dgm="http://schemas.openxmlformats.org/drawingml/2006/diagram" xmlns:o="urn:schemas-microsoft-com:office:office" xmlns:v="urn:schemas-microsoft-com:vml" xmlns:pvml="urn:schemas-microsoft-com:office:powerpoint" xmlns:com="http://schemas.openxmlformats.org/drawingml/2006/compatibility" xmlns:p14="http://schemas.microsoft.com/office/powerpoint/2010/main" xmlns:p15="http://schemas.microsoft.com/office/powerpoint/2012/main" xmlns:ahyp="http://schemas.microsoft.com/office/drawing/2018/hyperlinkcolor" matchingName="One column text">
+<p:sldLayout xmlns:a="http://schemas.openxmlformats.org/drawingml/2006/main" xmlns:r="http://schemas.openxmlformats.org/officeDocument/2006/relationships" xmlns:p="http://schemas.openxmlformats.org/presentationml/2006/main" matchingName="One column text">
   <p:cSld name="ONE_COLUMN_TEXT">
     <p:spTree>
       <p:nvGrpSpPr>
-        <p:cNvPr id="31" name="Shape 31"/>
+        <p:cNvPr id="1" name="Shape 31"/>
         <p:cNvGrpSpPr/>
         <p:nvPr/>
       </p:nvGrpSpPr>
@@ -4452,7 +4588,9 @@
       <p:sp>
         <p:nvSpPr>
           <p:cNvPr id="32" name="Google Shape;32;p7"/>
-          <p:cNvSpPr txBox="1"/>
+          <p:cNvSpPr txBox="1">
+            <a:spLocks noGrp="1"/>
+          </p:cNvSpPr>
           <p:nvPr>
             <p:ph type="title"/>
           </p:nvPr>
@@ -4467,7 +4605,7 @@
           </a:prstGeom>
         </p:spPr>
         <p:txBody>
-          <a:bodyPr anchorCtr="0" anchor="b" bIns="91425" lIns="91425" spcFirstLastPara="1" rIns="91425" wrap="square" tIns="91425">
+          <a:bodyPr spcFirstLastPara="1" wrap="square" lIns="91425" tIns="91425" rIns="91425" bIns="91425" anchor="b" anchorCtr="0">
             <a:normAutofit/>
           </a:bodyPr>
           <a:lstStyle>
@@ -4571,15 +4709,19 @@
               <a:defRPr sz="2400"/>
             </a:lvl9pPr>
           </a:lstStyle>
-          <a:p/>
+          <a:p>
+            <a:endParaRPr/>
+          </a:p>
         </p:txBody>
       </p:sp>
       <p:sp>
         <p:nvSpPr>
           <p:cNvPr id="33" name="Google Shape;33;p7"/>
-          <p:cNvSpPr txBox="1"/>
+          <p:cNvSpPr txBox="1">
+            <a:spLocks noGrp="1"/>
+          </p:cNvSpPr>
           <p:nvPr>
-            <p:ph idx="1" type="body"/>
+            <p:ph type="body" idx="1"/>
           </p:nvPr>
         </p:nvSpPr>
         <p:spPr>
@@ -4592,11 +4734,11 @@
           </a:prstGeom>
         </p:spPr>
         <p:txBody>
-          <a:bodyPr anchorCtr="0" anchor="t" bIns="91425" lIns="91425" spcFirstLastPara="1" rIns="91425" wrap="square" tIns="91425">
+          <a:bodyPr spcFirstLastPara="1" wrap="square" lIns="91425" tIns="91425" rIns="91425" bIns="91425" anchor="t" anchorCtr="0">
             <a:normAutofit/>
           </a:bodyPr>
           <a:lstStyle>
-            <a:lvl1pPr indent="-304800" lvl="0" marL="457200">
+            <a:lvl1pPr marL="457200" lvl="0" indent="-304800">
               <a:spcBef>
                 <a:spcPts val="0"/>
               </a:spcBef>
@@ -4607,7 +4749,7 @@
               <a:buChar char="●"/>
               <a:defRPr sz="1200"/>
             </a:lvl1pPr>
-            <a:lvl2pPr indent="-304800" lvl="1" marL="914400">
+            <a:lvl2pPr marL="914400" lvl="1" indent="-304800">
               <a:spcBef>
                 <a:spcPts val="0"/>
               </a:spcBef>
@@ -4618,7 +4760,7 @@
               <a:buChar char="○"/>
               <a:defRPr sz="1200"/>
             </a:lvl2pPr>
-            <a:lvl3pPr indent="-304800" lvl="2" marL="1371600">
+            <a:lvl3pPr marL="1371600" lvl="2" indent="-304800">
               <a:spcBef>
                 <a:spcPts val="0"/>
               </a:spcBef>
@@ -4629,7 +4771,7 @@
               <a:buChar char="■"/>
               <a:defRPr sz="1200"/>
             </a:lvl3pPr>
-            <a:lvl4pPr indent="-304800" lvl="3" marL="1828800">
+            <a:lvl4pPr marL="1828800" lvl="3" indent="-304800">
               <a:spcBef>
                 <a:spcPts val="0"/>
               </a:spcBef>
@@ -4640,7 +4782,7 @@
               <a:buChar char="●"/>
               <a:defRPr sz="1200"/>
             </a:lvl4pPr>
-            <a:lvl5pPr indent="-304800" lvl="4" marL="2286000">
+            <a:lvl5pPr marL="2286000" lvl="4" indent="-304800">
               <a:spcBef>
                 <a:spcPts val="0"/>
               </a:spcBef>
@@ -4651,7 +4793,7 @@
               <a:buChar char="○"/>
               <a:defRPr sz="1200"/>
             </a:lvl5pPr>
-            <a:lvl6pPr indent="-304800" lvl="5" marL="2743200">
+            <a:lvl6pPr marL="2743200" lvl="5" indent="-304800">
               <a:spcBef>
                 <a:spcPts val="0"/>
               </a:spcBef>
@@ -4662,7 +4804,7 @@
               <a:buChar char="■"/>
               <a:defRPr sz="1200"/>
             </a:lvl6pPr>
-            <a:lvl7pPr indent="-304800" lvl="6" marL="3200400">
+            <a:lvl7pPr marL="3200400" lvl="6" indent="-304800">
               <a:spcBef>
                 <a:spcPts val="0"/>
               </a:spcBef>
@@ -4673,7 +4815,7 @@
               <a:buChar char="●"/>
               <a:defRPr sz="1200"/>
             </a:lvl7pPr>
-            <a:lvl8pPr indent="-304800" lvl="7" marL="3657600">
+            <a:lvl8pPr marL="3657600" lvl="7" indent="-304800">
               <a:spcBef>
                 <a:spcPts val="0"/>
               </a:spcBef>
@@ -4684,7 +4826,7 @@
               <a:buChar char="○"/>
               <a:defRPr sz="1200"/>
             </a:lvl8pPr>
-            <a:lvl9pPr indent="-304800" lvl="8" marL="4114800">
+            <a:lvl9pPr marL="4114800" lvl="8" indent="-304800">
               <a:spcBef>
                 <a:spcPts val="0"/>
               </a:spcBef>
@@ -4696,15 +4838,19 @@
               <a:defRPr sz="1200"/>
             </a:lvl9pPr>
           </a:lstStyle>
-          <a:p/>
+          <a:p>
+            <a:endParaRPr/>
+          </a:p>
         </p:txBody>
       </p:sp>
       <p:sp>
         <p:nvSpPr>
           <p:cNvPr id="34" name="Google Shape;34;p7"/>
-          <p:cNvSpPr txBox="1"/>
+          <p:cNvSpPr txBox="1">
+            <a:spLocks noGrp="1"/>
+          </p:cNvSpPr>
           <p:nvPr>
-            <p:ph idx="12" type="sldNum"/>
+            <p:ph type="sldNum" idx="12"/>
           </p:nvPr>
         </p:nvSpPr>
         <p:spPr>
@@ -4717,7 +4863,7 @@
           </a:prstGeom>
         </p:spPr>
         <p:txBody>
-          <a:bodyPr anchorCtr="0" anchor="ctr" bIns="91425" lIns="91425" spcFirstLastPara="1" rIns="91425" wrap="square" tIns="91425">
+          <a:bodyPr spcFirstLastPara="1" wrap="square" lIns="91425" tIns="91425" rIns="91425" bIns="91425" anchor="ctr" anchorCtr="0">
             <a:normAutofit/>
           </a:bodyPr>
           <a:lstStyle>
@@ -4759,7 +4905,7 @@
             </a:lvl9pPr>
           </a:lstStyle>
           <a:p>
-            <a:pPr indent="0" lvl="0" marL="0" rtl="0" algn="r">
+            <a:pPr marL="0" lvl="0" indent="0" algn="r" rtl="0">
               <a:spcBef>
                 <a:spcPts val="0"/>
               </a:spcBef>
@@ -4785,18 +4931,19 @@
 </file>
 
 <file path=ppt/slideLayouts/slideLayout7.xml><?xml version="1.0" encoding="utf-8"?>
-<p:sldLayout xmlns:a="http://schemas.openxmlformats.org/drawingml/2006/main" xmlns:r="http://schemas.openxmlformats.org/officeDocument/2006/relationships" xmlns:mc="http://schemas.openxmlformats.org/markup-compatibility/2006" xmlns:mv="urn:schemas-microsoft-com:mac:vml" xmlns:p="http://schemas.openxmlformats.org/presentationml/2006/main" xmlns:c="http://schemas.openxmlformats.org/drawingml/2006/chart" xmlns:dgm="http://schemas.openxmlformats.org/drawingml/2006/diagram" xmlns:o="urn:schemas-microsoft-com:office:office" xmlns:v="urn:schemas-microsoft-com:vml" xmlns:pvml="urn:schemas-microsoft-com:office:powerpoint" xmlns:com="http://schemas.openxmlformats.org/drawingml/2006/compatibility" xmlns:p14="http://schemas.microsoft.com/office/powerpoint/2010/main" xmlns:p15="http://schemas.microsoft.com/office/powerpoint/2012/main" xmlns:ahyp="http://schemas.microsoft.com/office/drawing/2018/hyperlinkcolor" matchingName="Main point">
+<p:sldLayout xmlns:a="http://schemas.openxmlformats.org/drawingml/2006/main" xmlns:r="http://schemas.openxmlformats.org/officeDocument/2006/relationships" xmlns:p="http://schemas.openxmlformats.org/presentationml/2006/main" matchingName="Main point">
   <p:cSld name="MAIN_POINT">
     <p:bg>
       <p:bgPr>
         <a:solidFill>
           <a:schemeClr val="lt2"/>
         </a:solidFill>
+        <a:effectLst/>
       </p:bgPr>
     </p:bg>
     <p:spTree>
       <p:nvGrpSpPr>
-        <p:cNvPr id="35" name="Shape 35"/>
+        <p:cNvPr id="1" name="Shape 35"/>
         <p:cNvGrpSpPr/>
         <p:nvPr/>
       </p:nvGrpSpPr>
@@ -4811,7 +4958,9 @@
       <p:sp>
         <p:nvSpPr>
           <p:cNvPr id="36" name="Google Shape;36;p8"/>
-          <p:cNvSpPr txBox="1"/>
+          <p:cNvSpPr txBox="1">
+            <a:spLocks noGrp="1"/>
+          </p:cNvSpPr>
           <p:nvPr>
             <p:ph type="title"/>
           </p:nvPr>
@@ -4826,7 +4975,7 @@
           </a:prstGeom>
         </p:spPr>
         <p:txBody>
-          <a:bodyPr anchorCtr="0" anchor="ctr" bIns="91425" lIns="91425" spcFirstLastPara="1" rIns="91425" wrap="square" tIns="91425">
+          <a:bodyPr spcFirstLastPara="1" wrap="square" lIns="91425" tIns="91425" rIns="91425" bIns="91425" anchor="ctr" anchorCtr="0">
             <a:normAutofit/>
           </a:bodyPr>
           <a:lstStyle>
@@ -4930,15 +5079,19 @@
               <a:defRPr sz="4800"/>
             </a:lvl9pPr>
           </a:lstStyle>
-          <a:p/>
+          <a:p>
+            <a:endParaRPr/>
+          </a:p>
         </p:txBody>
       </p:sp>
       <p:sp>
         <p:nvSpPr>
           <p:cNvPr id="37" name="Google Shape;37;p8"/>
-          <p:cNvSpPr txBox="1"/>
+          <p:cNvSpPr txBox="1">
+            <a:spLocks noGrp="1"/>
+          </p:cNvSpPr>
           <p:nvPr>
-            <p:ph idx="12" type="sldNum"/>
+            <p:ph type="sldNum" idx="12"/>
           </p:nvPr>
         </p:nvSpPr>
         <p:spPr>
@@ -4951,7 +5104,7 @@
           </a:prstGeom>
         </p:spPr>
         <p:txBody>
-          <a:bodyPr anchorCtr="0" anchor="ctr" bIns="91425" lIns="91425" spcFirstLastPara="1" rIns="91425" wrap="square" tIns="91425">
+          <a:bodyPr spcFirstLastPara="1" wrap="square" lIns="91425" tIns="91425" rIns="91425" bIns="91425" anchor="ctr" anchorCtr="0">
             <a:normAutofit/>
           </a:bodyPr>
           <a:lstStyle>
@@ -4993,7 +5146,7 @@
             </a:lvl9pPr>
           </a:lstStyle>
           <a:p>
-            <a:pPr indent="0" lvl="0" marL="0" rtl="0" algn="r">
+            <a:pPr marL="0" lvl="0" indent="0" algn="r" rtl="0">
               <a:spcBef>
                 <a:spcPts val="0"/>
               </a:spcBef>
@@ -5019,11 +5172,11 @@
 </file>
 
 <file path=ppt/slideLayouts/slideLayout8.xml><?xml version="1.0" encoding="utf-8"?>
-<p:sldLayout xmlns:a="http://schemas.openxmlformats.org/drawingml/2006/main" xmlns:r="http://schemas.openxmlformats.org/officeDocument/2006/relationships" xmlns:mc="http://schemas.openxmlformats.org/markup-compatibility/2006" xmlns:mv="urn:schemas-microsoft-com:mac:vml" xmlns:p="http://schemas.openxmlformats.org/presentationml/2006/main" xmlns:c="http://schemas.openxmlformats.org/drawingml/2006/chart" xmlns:dgm="http://schemas.openxmlformats.org/drawingml/2006/diagram" xmlns:o="urn:schemas-microsoft-com:office:office" xmlns:v="urn:schemas-microsoft-com:vml" xmlns:pvml="urn:schemas-microsoft-com:office:powerpoint" xmlns:com="http://schemas.openxmlformats.org/drawingml/2006/compatibility" xmlns:p14="http://schemas.microsoft.com/office/powerpoint/2010/main" xmlns:p15="http://schemas.microsoft.com/office/powerpoint/2012/main" xmlns:ahyp="http://schemas.microsoft.com/office/drawing/2018/hyperlinkcolor" matchingName="Section title and description">
+<p:sldLayout xmlns:a="http://schemas.openxmlformats.org/drawingml/2006/main" xmlns:r="http://schemas.openxmlformats.org/officeDocument/2006/relationships" xmlns:p="http://schemas.openxmlformats.org/presentationml/2006/main" matchingName="Section title and description">
   <p:cSld name="SECTION_TITLE_AND_DESCRIPTION">
     <p:spTree>
       <p:nvGrpSpPr>
-        <p:cNvPr id="38" name="Shape 38"/>
+        <p:cNvPr id="1" name="Shape 38"/>
         <p:cNvGrpSpPr/>
         <p:nvPr/>
       </p:nvGrpSpPr>
@@ -5057,12 +5210,12 @@
           </a:ln>
         </p:spPr>
         <p:txBody>
-          <a:bodyPr anchorCtr="0" anchor="ctr" bIns="91425" lIns="91425" spcFirstLastPara="1" rIns="91425" wrap="square" tIns="91425">
+          <a:bodyPr spcFirstLastPara="1" wrap="square" lIns="91425" tIns="91425" rIns="91425" bIns="91425" anchor="ctr" anchorCtr="0">
             <a:noAutofit/>
           </a:bodyPr>
           <a:lstStyle/>
           <a:p>
-            <a:pPr indent="0" lvl="0" marL="0" rtl="0" algn="l">
+            <a:pPr marL="0" lvl="0" indent="0" algn="l" rtl="0">
               <a:spcBef>
                 <a:spcPts val="0"/>
               </a:spcBef>
@@ -5071,9 +5224,6 @@
               </a:spcAft>
               <a:buNone/>
             </a:pPr>
-            <a:r>
-              <a:t/>
-            </a:r>
             <a:endParaRPr/>
           </a:p>
         </p:txBody>
@@ -5093,21 +5243,23 @@
             <a:avLst/>
           </a:prstGeom>
           <a:noFill/>
-          <a:ln cap="flat" cmpd="sng" w="19050">
+          <a:ln w="19050" cap="flat" cmpd="sng">
             <a:solidFill>
               <a:schemeClr val="lt2"/>
             </a:solidFill>
             <a:prstDash val="solid"/>
             <a:round/>
-            <a:headEnd len="sm" w="sm" type="none"/>
-            <a:tailEnd len="sm" w="sm" type="none"/>
+            <a:headEnd type="none" w="sm" len="sm"/>
+            <a:tailEnd type="none" w="sm" len="sm"/>
           </a:ln>
         </p:spPr>
       </p:cxnSp>
       <p:sp>
         <p:nvSpPr>
           <p:cNvPr id="41" name="Google Shape;41;p9"/>
-          <p:cNvSpPr txBox="1"/>
+          <p:cNvSpPr txBox="1">
+            <a:spLocks noGrp="1"/>
+          </p:cNvSpPr>
           <p:nvPr>
             <p:ph type="title"/>
           </p:nvPr>
@@ -5122,7 +5274,7 @@
           </a:prstGeom>
         </p:spPr>
         <p:txBody>
-          <a:bodyPr anchorCtr="0" anchor="b" bIns="91425" lIns="91425" spcFirstLastPara="1" rIns="91425" wrap="square" tIns="91425">
+          <a:bodyPr spcFirstLastPara="1" wrap="square" lIns="91425" tIns="91425" rIns="91425" bIns="91425" anchor="b" anchorCtr="0">
             <a:normAutofit/>
           </a:bodyPr>
           <a:lstStyle>
@@ -5226,15 +5378,19 @@
               <a:defRPr sz="4200"/>
             </a:lvl9pPr>
           </a:lstStyle>
-          <a:p/>
+          <a:p>
+            <a:endParaRPr/>
+          </a:p>
         </p:txBody>
       </p:sp>
       <p:sp>
         <p:nvSpPr>
           <p:cNvPr id="42" name="Google Shape;42;p9"/>
-          <p:cNvSpPr txBox="1"/>
+          <p:cNvSpPr txBox="1">
+            <a:spLocks noGrp="1"/>
+          </p:cNvSpPr>
           <p:nvPr>
-            <p:ph idx="1" type="subTitle"/>
+            <p:ph type="subTitle" idx="1"/>
           </p:nvPr>
         </p:nvSpPr>
         <p:spPr>
@@ -5247,7 +5403,7 @@
           </a:prstGeom>
         </p:spPr>
         <p:txBody>
-          <a:bodyPr anchorCtr="0" anchor="t" bIns="91425" lIns="91425" spcFirstLastPara="1" rIns="91425" wrap="square" tIns="91425">
+          <a:bodyPr spcFirstLastPara="1" wrap="square" lIns="91425" tIns="91425" rIns="91425" bIns="91425" anchor="t" anchorCtr="0">
             <a:normAutofit/>
           </a:bodyPr>
           <a:lstStyle>
@@ -5378,15 +5534,19 @@
               <a:defRPr sz="2100"/>
             </a:lvl9pPr>
           </a:lstStyle>
-          <a:p/>
+          <a:p>
+            <a:endParaRPr/>
+          </a:p>
         </p:txBody>
       </p:sp>
       <p:sp>
         <p:nvSpPr>
           <p:cNvPr id="43" name="Google Shape;43;p9"/>
-          <p:cNvSpPr txBox="1"/>
+          <p:cNvSpPr txBox="1">
+            <a:spLocks noGrp="1"/>
+          </p:cNvSpPr>
           <p:nvPr>
-            <p:ph idx="2" type="body"/>
+            <p:ph type="body" idx="2"/>
           </p:nvPr>
         </p:nvSpPr>
         <p:spPr>
@@ -5399,11 +5559,11 @@
           </a:prstGeom>
         </p:spPr>
         <p:txBody>
-          <a:bodyPr anchorCtr="0" anchor="ctr" bIns="91425" lIns="91425" spcFirstLastPara="1" rIns="91425" wrap="square" tIns="91425">
+          <a:bodyPr spcFirstLastPara="1" wrap="square" lIns="91425" tIns="91425" rIns="91425" bIns="91425" anchor="ctr" anchorCtr="0">
             <a:normAutofit/>
           </a:bodyPr>
           <a:lstStyle>
-            <a:lvl1pPr indent="-342900" lvl="0" marL="457200">
+            <a:lvl1pPr marL="457200" lvl="0" indent="-342900">
               <a:spcBef>
                 <a:spcPts val="0"/>
               </a:spcBef>
@@ -5421,7 +5581,7 @@
                 </a:solidFill>
               </a:defRPr>
             </a:lvl1pPr>
-            <a:lvl2pPr indent="-317500" lvl="1" marL="914400">
+            <a:lvl2pPr marL="914400" lvl="1" indent="-317500">
               <a:spcBef>
                 <a:spcPts val="0"/>
               </a:spcBef>
@@ -5439,7 +5599,7 @@
                 </a:solidFill>
               </a:defRPr>
             </a:lvl2pPr>
-            <a:lvl3pPr indent="-317500" lvl="2" marL="1371600">
+            <a:lvl3pPr marL="1371600" lvl="2" indent="-317500">
               <a:spcBef>
                 <a:spcPts val="0"/>
               </a:spcBef>
@@ -5457,7 +5617,7 @@
                 </a:solidFill>
               </a:defRPr>
             </a:lvl3pPr>
-            <a:lvl4pPr indent="-317500" lvl="3" marL="1828800">
+            <a:lvl4pPr marL="1828800" lvl="3" indent="-317500">
               <a:spcBef>
                 <a:spcPts val="0"/>
               </a:spcBef>
@@ -5475,7 +5635,7 @@
                 </a:solidFill>
               </a:defRPr>
             </a:lvl4pPr>
-            <a:lvl5pPr indent="-317500" lvl="4" marL="2286000">
+            <a:lvl5pPr marL="2286000" lvl="4" indent="-317500">
               <a:spcBef>
                 <a:spcPts val="0"/>
               </a:spcBef>
@@ -5493,7 +5653,7 @@
                 </a:solidFill>
               </a:defRPr>
             </a:lvl5pPr>
-            <a:lvl6pPr indent="-317500" lvl="5" marL="2743200">
+            <a:lvl6pPr marL="2743200" lvl="5" indent="-317500">
               <a:spcBef>
                 <a:spcPts val="0"/>
               </a:spcBef>
@@ -5511,7 +5671,7 @@
                 </a:solidFill>
               </a:defRPr>
             </a:lvl6pPr>
-            <a:lvl7pPr indent="-317500" lvl="6" marL="3200400">
+            <a:lvl7pPr marL="3200400" lvl="6" indent="-317500">
               <a:spcBef>
                 <a:spcPts val="0"/>
               </a:spcBef>
@@ -5529,7 +5689,7 @@
                 </a:solidFill>
               </a:defRPr>
             </a:lvl7pPr>
-            <a:lvl8pPr indent="-317500" lvl="7" marL="3657600">
+            <a:lvl8pPr marL="3657600" lvl="7" indent="-317500">
               <a:spcBef>
                 <a:spcPts val="0"/>
               </a:spcBef>
@@ -5547,7 +5707,7 @@
                 </a:solidFill>
               </a:defRPr>
             </a:lvl8pPr>
-            <a:lvl9pPr indent="-317500" lvl="8" marL="4114800">
+            <a:lvl9pPr marL="4114800" lvl="8" indent="-317500">
               <a:spcBef>
                 <a:spcPts val="0"/>
               </a:spcBef>
@@ -5566,15 +5726,19 @@
               </a:defRPr>
             </a:lvl9pPr>
           </a:lstStyle>
-          <a:p/>
+          <a:p>
+            <a:endParaRPr/>
+          </a:p>
         </p:txBody>
       </p:sp>
       <p:sp>
         <p:nvSpPr>
           <p:cNvPr id="44" name="Google Shape;44;p9"/>
-          <p:cNvSpPr txBox="1"/>
+          <p:cNvSpPr txBox="1">
+            <a:spLocks noGrp="1"/>
+          </p:cNvSpPr>
           <p:nvPr>
-            <p:ph idx="12" type="sldNum"/>
+            <p:ph type="sldNum" idx="12"/>
           </p:nvPr>
         </p:nvSpPr>
         <p:spPr>
@@ -5587,7 +5751,7 @@
           </a:prstGeom>
         </p:spPr>
         <p:txBody>
-          <a:bodyPr anchorCtr="0" anchor="ctr" bIns="91425" lIns="91425" spcFirstLastPara="1" rIns="91425" wrap="square" tIns="91425">
+          <a:bodyPr spcFirstLastPara="1" wrap="square" lIns="91425" tIns="91425" rIns="91425" bIns="91425" anchor="ctr" anchorCtr="0">
             <a:normAutofit/>
           </a:bodyPr>
           <a:lstStyle>
@@ -5665,7 +5829,7 @@
             </a:lvl9pPr>
           </a:lstStyle>
           <a:p>
-            <a:pPr indent="0" lvl="0" marL="0" rtl="0" algn="r">
+            <a:pPr marL="0" lvl="0" indent="0" algn="r" rtl="0">
               <a:spcBef>
                 <a:spcPts val="0"/>
               </a:spcBef>
@@ -5691,11 +5855,11 @@
 </file>
 
 <file path=ppt/slideLayouts/slideLayout9.xml><?xml version="1.0" encoding="utf-8"?>
-<p:sldLayout xmlns:a="http://schemas.openxmlformats.org/drawingml/2006/main" xmlns:r="http://schemas.openxmlformats.org/officeDocument/2006/relationships" xmlns:mc="http://schemas.openxmlformats.org/markup-compatibility/2006" xmlns:mv="urn:schemas-microsoft-com:mac:vml" xmlns:p="http://schemas.openxmlformats.org/presentationml/2006/main" xmlns:c="http://schemas.openxmlformats.org/drawingml/2006/chart" xmlns:dgm="http://schemas.openxmlformats.org/drawingml/2006/diagram" xmlns:o="urn:schemas-microsoft-com:office:office" xmlns:v="urn:schemas-microsoft-com:vml" xmlns:pvml="urn:schemas-microsoft-com:office:powerpoint" xmlns:com="http://schemas.openxmlformats.org/drawingml/2006/compatibility" xmlns:p14="http://schemas.microsoft.com/office/powerpoint/2010/main" xmlns:p15="http://schemas.microsoft.com/office/powerpoint/2012/main" xmlns:ahyp="http://schemas.microsoft.com/office/drawing/2018/hyperlinkcolor" matchingName="Caption">
+<p:sldLayout xmlns:a="http://schemas.openxmlformats.org/drawingml/2006/main" xmlns:r="http://schemas.openxmlformats.org/officeDocument/2006/relationships" xmlns:p="http://schemas.openxmlformats.org/presentationml/2006/main" matchingName="Caption">
   <p:cSld name="CAPTION_ONLY">
     <p:spTree>
       <p:nvGrpSpPr>
-        <p:cNvPr id="45" name="Shape 45"/>
+        <p:cNvPr id="1" name="Shape 45"/>
         <p:cNvGrpSpPr/>
         <p:nvPr/>
       </p:nvGrpSpPr>
@@ -5710,9 +5874,11 @@
       <p:sp>
         <p:nvSpPr>
           <p:cNvPr id="46" name="Google Shape;46;p10"/>
-          <p:cNvSpPr txBox="1"/>
+          <p:cNvSpPr txBox="1">
+            <a:spLocks noGrp="1"/>
+          </p:cNvSpPr>
           <p:nvPr>
-            <p:ph idx="1" type="body"/>
+            <p:ph type="body" idx="1"/>
           </p:nvPr>
         </p:nvSpPr>
         <p:spPr>
@@ -5725,11 +5891,11 @@
           </a:prstGeom>
         </p:spPr>
         <p:txBody>
-          <a:bodyPr anchorCtr="0" anchor="ctr" bIns="91425" lIns="91425" spcFirstLastPara="1" rIns="91425" wrap="square" tIns="91425">
+          <a:bodyPr spcFirstLastPara="1" wrap="square" lIns="91425" tIns="91425" rIns="91425" bIns="91425" anchor="ctr" anchorCtr="0">
             <a:normAutofit/>
           </a:bodyPr>
           <a:lstStyle>
-            <a:lvl1pPr indent="-228600" lvl="0" marL="457200">
+            <a:lvl1pPr marL="457200" lvl="0" indent="-228600">
               <a:lnSpc>
                 <a:spcPct val="100000"/>
               </a:lnSpc>
@@ -5744,15 +5910,19 @@
               <a:defRPr sz="2100"/>
             </a:lvl1pPr>
           </a:lstStyle>
-          <a:p/>
+          <a:p>
+            <a:endParaRPr/>
+          </a:p>
         </p:txBody>
       </p:sp>
       <p:sp>
         <p:nvSpPr>
           <p:cNvPr id="47" name="Google Shape;47;p10"/>
-          <p:cNvSpPr txBox="1"/>
+          <p:cNvSpPr txBox="1">
+            <a:spLocks noGrp="1"/>
+          </p:cNvSpPr>
           <p:nvPr>
-            <p:ph idx="12" type="sldNum"/>
+            <p:ph type="sldNum" idx="12"/>
           </p:nvPr>
         </p:nvSpPr>
         <p:spPr>
@@ -5765,7 +5935,7 @@
           </a:prstGeom>
         </p:spPr>
         <p:txBody>
-          <a:bodyPr anchorCtr="0" anchor="ctr" bIns="91425" lIns="91425" spcFirstLastPara="1" rIns="91425" wrap="square" tIns="91425">
+          <a:bodyPr spcFirstLastPara="1" wrap="square" lIns="91425" tIns="91425" rIns="91425" bIns="91425" anchor="ctr" anchorCtr="0">
             <a:normAutofit/>
           </a:bodyPr>
           <a:lstStyle>
@@ -5807,7 +5977,7 @@
             </a:lvl9pPr>
           </a:lstStyle>
           <a:p>
-            <a:pPr indent="0" lvl="0" marL="0" rtl="0" algn="r">
+            <a:pPr marL="0" lvl="0" indent="0" algn="r" rtl="0">
               <a:spcBef>
                 <a:spcPts val="0"/>
               </a:spcBef>
@@ -5833,18 +6003,19 @@
 </file>
 
 <file path=ppt/slideMasters/slideMaster1.xml><?xml version="1.0" encoding="utf-8"?>
-<p:sldMaster xmlns:a="http://schemas.openxmlformats.org/drawingml/2006/main" xmlns:r="http://schemas.openxmlformats.org/officeDocument/2006/relationships" xmlns:mc="http://schemas.openxmlformats.org/markup-compatibility/2006" xmlns:mv="urn:schemas-microsoft-com:mac:vml" xmlns:p="http://schemas.openxmlformats.org/presentationml/2006/main" xmlns:c="http://schemas.openxmlformats.org/drawingml/2006/chart" xmlns:dgm="http://schemas.openxmlformats.org/drawingml/2006/diagram" xmlns:o="urn:schemas-microsoft-com:office:office" xmlns:v="urn:schemas-microsoft-com:vml" xmlns:pvml="urn:schemas-microsoft-com:office:powerpoint" xmlns:com="http://schemas.openxmlformats.org/drawingml/2006/compatibility" xmlns:p14="http://schemas.microsoft.com/office/powerpoint/2010/main" xmlns:p15="http://schemas.microsoft.com/office/powerpoint/2012/main" xmlns:ahyp="http://schemas.microsoft.com/office/drawing/2018/hyperlinkcolor">
+<p:sldMaster xmlns:a="http://schemas.openxmlformats.org/drawingml/2006/main" xmlns:r="http://schemas.openxmlformats.org/officeDocument/2006/relationships" xmlns:p="http://schemas.openxmlformats.org/presentationml/2006/main">
   <p:cSld name="spearmint">
     <p:bg>
       <p:bgPr>
         <a:solidFill>
           <a:schemeClr val="lt1"/>
         </a:solidFill>
+        <a:effectLst/>
       </p:bgPr>
     </p:bg>
     <p:spTree>
       <p:nvGrpSpPr>
-        <p:cNvPr id="5" name="Shape 5"/>
+        <p:cNvPr id="1" name="Shape 5"/>
         <p:cNvGrpSpPr/>
         <p:nvPr/>
       </p:nvGrpSpPr>
@@ -5859,7 +6030,9 @@
       <p:sp>
         <p:nvSpPr>
           <p:cNvPr id="6" name="Google Shape;6;p1"/>
-          <p:cNvSpPr txBox="1"/>
+          <p:cNvSpPr txBox="1">
+            <a:spLocks noGrp="1"/>
+          </p:cNvSpPr>
           <p:nvPr>
             <p:ph type="title"/>
           </p:nvPr>
@@ -5878,7 +6051,7 @@
           </a:ln>
         </p:spPr>
         <p:txBody>
-          <a:bodyPr anchorCtr="0" anchor="t" bIns="91425" lIns="91425" spcFirstLastPara="1" rIns="91425" wrap="square" tIns="91425">
+          <a:bodyPr spcFirstLastPara="1" wrap="square" lIns="91425" tIns="91425" rIns="91425" bIns="91425" anchor="t" anchorCtr="0">
             <a:normAutofit/>
           </a:bodyPr>
           <a:lstStyle>
@@ -6090,15 +6263,19 @@
               </a:defRPr>
             </a:lvl9pPr>
           </a:lstStyle>
-          <a:p/>
+          <a:p>
+            <a:endParaRPr/>
+          </a:p>
         </p:txBody>
       </p:sp>
       <p:sp>
         <p:nvSpPr>
           <p:cNvPr id="7" name="Google Shape;7;p1"/>
-          <p:cNvSpPr txBox="1"/>
+          <p:cNvSpPr txBox="1">
+            <a:spLocks noGrp="1"/>
+          </p:cNvSpPr>
           <p:nvPr>
-            <p:ph idx="1" type="body"/>
+            <p:ph type="body" idx="1"/>
           </p:nvPr>
         </p:nvSpPr>
         <p:spPr>
@@ -6115,11 +6292,11 @@
           </a:ln>
         </p:spPr>
         <p:txBody>
-          <a:bodyPr anchorCtr="0" anchor="t" bIns="91425" lIns="91425" spcFirstLastPara="1" rIns="91425" wrap="square" tIns="91425">
+          <a:bodyPr spcFirstLastPara="1" wrap="square" lIns="91425" tIns="91425" rIns="91425" bIns="91425" anchor="t" anchorCtr="0">
             <a:normAutofit/>
           </a:bodyPr>
           <a:lstStyle>
-            <a:lvl1pPr indent="-342900" lvl="0" marL="457200">
+            <a:lvl1pPr marL="457200" lvl="0" indent="-342900">
               <a:lnSpc>
                 <a:spcPct val="115000"/>
               </a:lnSpc>
@@ -6145,7 +6322,7 @@
                 <a:sym typeface="Proxima Nova"/>
               </a:defRPr>
             </a:lvl1pPr>
-            <a:lvl2pPr indent="-317500" lvl="1" marL="914400">
+            <a:lvl2pPr marL="914400" lvl="1" indent="-317500">
               <a:lnSpc>
                 <a:spcPct val="115000"/>
               </a:lnSpc>
@@ -6171,7 +6348,7 @@
                 <a:sym typeface="Proxima Nova"/>
               </a:defRPr>
             </a:lvl2pPr>
-            <a:lvl3pPr indent="-317500" lvl="2" marL="1371600">
+            <a:lvl3pPr marL="1371600" lvl="2" indent="-317500">
               <a:lnSpc>
                 <a:spcPct val="115000"/>
               </a:lnSpc>
@@ -6197,7 +6374,7 @@
                 <a:sym typeface="Proxima Nova"/>
               </a:defRPr>
             </a:lvl3pPr>
-            <a:lvl4pPr indent="-317500" lvl="3" marL="1828800">
+            <a:lvl4pPr marL="1828800" lvl="3" indent="-317500">
               <a:lnSpc>
                 <a:spcPct val="115000"/>
               </a:lnSpc>
@@ -6223,7 +6400,7 @@
                 <a:sym typeface="Proxima Nova"/>
               </a:defRPr>
             </a:lvl4pPr>
-            <a:lvl5pPr indent="-317500" lvl="4" marL="2286000">
+            <a:lvl5pPr marL="2286000" lvl="4" indent="-317500">
               <a:lnSpc>
                 <a:spcPct val="115000"/>
               </a:lnSpc>
@@ -6249,7 +6426,7 @@
                 <a:sym typeface="Proxima Nova"/>
               </a:defRPr>
             </a:lvl5pPr>
-            <a:lvl6pPr indent="-317500" lvl="5" marL="2743200">
+            <a:lvl6pPr marL="2743200" lvl="5" indent="-317500">
               <a:lnSpc>
                 <a:spcPct val="115000"/>
               </a:lnSpc>
@@ -6275,7 +6452,7 @@
                 <a:sym typeface="Proxima Nova"/>
               </a:defRPr>
             </a:lvl6pPr>
-            <a:lvl7pPr indent="-317500" lvl="6" marL="3200400">
+            <a:lvl7pPr marL="3200400" lvl="6" indent="-317500">
               <a:lnSpc>
                 <a:spcPct val="115000"/>
               </a:lnSpc>
@@ -6301,7 +6478,7 @@
                 <a:sym typeface="Proxima Nova"/>
               </a:defRPr>
             </a:lvl7pPr>
-            <a:lvl8pPr indent="-317500" lvl="7" marL="3657600">
+            <a:lvl8pPr marL="3657600" lvl="7" indent="-317500">
               <a:lnSpc>
                 <a:spcPct val="115000"/>
               </a:lnSpc>
@@ -6327,7 +6504,7 @@
                 <a:sym typeface="Proxima Nova"/>
               </a:defRPr>
             </a:lvl8pPr>
-            <a:lvl9pPr indent="-317500" lvl="8" marL="4114800">
+            <a:lvl9pPr marL="4114800" lvl="8" indent="-317500">
               <a:lnSpc>
                 <a:spcPct val="115000"/>
               </a:lnSpc>
@@ -6354,15 +6531,19 @@
               </a:defRPr>
             </a:lvl9pPr>
           </a:lstStyle>
-          <a:p/>
+          <a:p>
+            <a:endParaRPr/>
+          </a:p>
         </p:txBody>
       </p:sp>
       <p:sp>
         <p:nvSpPr>
           <p:cNvPr id="8" name="Google Shape;8;p1"/>
-          <p:cNvSpPr txBox="1"/>
+          <p:cNvSpPr txBox="1">
+            <a:spLocks noGrp="1"/>
+          </p:cNvSpPr>
           <p:nvPr>
-            <p:ph idx="12" type="sldNum"/>
+            <p:ph type="sldNum" idx="12"/>
           </p:nvPr>
         </p:nvSpPr>
         <p:spPr>
@@ -6379,7 +6560,7 @@
           </a:ln>
         </p:spPr>
         <p:txBody>
-          <a:bodyPr anchorCtr="0" anchor="ctr" bIns="91425" lIns="91425" spcFirstLastPara="1" rIns="91425" wrap="square" tIns="91425">
+          <a:bodyPr spcFirstLastPara="1" wrap="square" lIns="91425" tIns="91425" rIns="91425" bIns="91425" anchor="ctr" anchorCtr="0">
             <a:normAutofit/>
           </a:bodyPr>
           <a:lstStyle>
@@ -6493,7 +6674,7 @@
             </a:lvl9pPr>
           </a:lstStyle>
           <a:p>
-            <a:pPr indent="0" lvl="0" marL="0" rtl="0" algn="r">
+            <a:pPr marL="0" lvl="0" indent="0" algn="r" rtl="0">
               <a:spcBef>
                 <a:spcPts val="0"/>
               </a:spcBef>
@@ -6512,7 +6693,7 @@
       </p:sp>
     </p:spTree>
   </p:cSld>
-  <p:clrMap accent1="accent1" accent2="accent2" accent3="accent3" accent4="accent4" accent5="accent5" accent6="accent6" bg1="lt1" bg2="dk2" tx1="dk1" tx2="lt2" folHlink="folHlink" hlink="hlink"/>
+  <p:clrMap bg1="lt1" tx1="dk1" bg2="dk2" tx2="lt2" accent1="accent1" accent2="accent2" accent3="accent3" accent4="accent4" accent5="accent5" accent6="accent6" hlink="hlink" folHlink="folHlink"/>
   <p:sldLayoutIdLst>
     <p:sldLayoutId id="2147483648" r:id="rId1"/>
     <p:sldLayoutId id="2147483649" r:id="rId2"/>
@@ -6526,10 +6707,10 @@
     <p:sldLayoutId id="2147483657" r:id="rId10"/>
     <p:sldLayoutId id="2147483658" r:id="rId11"/>
   </p:sldLayoutIdLst>
-  <p:hf dt="0" ftr="0" hdr="0" sldNum="0"/>
+  <p:hf sldNum="0" hdr="0" ftr="0" dt="0"/>
   <p:txStyles>
     <p:titleStyle>
-      <a:defPPr lvl="0" marR="0" rtl="0" algn="l">
+      <a:defPPr marR="0" lvl="0" algn="l" rtl="0">
         <a:lnSpc>
           <a:spcPct val="100000"/>
         </a:lnSpc>
@@ -6540,7 +6721,7 @@
           <a:spcPts val="0"/>
         </a:spcAft>
       </a:defPPr>
-      <a:lvl1pPr lvl="0" marR="0" rtl="0" algn="l">
+      <a:lvl1pPr marR="0" lvl="0" algn="l" rtl="0">
         <a:lnSpc>
           <a:spcPct val="100000"/>
         </a:lnSpc>
@@ -6554,7 +6735,7 @@
           <a:srgbClr val="000000"/>
         </a:buClr>
         <a:buFont typeface="Arial"/>
-        <a:defRPr b="0" i="0" sz="1400" u="none" cap="none" strike="noStrike">
+        <a:defRPr sz="1400" b="0" i="0" u="none" strike="noStrike" cap="none">
           <a:solidFill>
             <a:srgbClr val="000000"/>
           </a:solidFill>
@@ -6564,7 +6745,7 @@
           <a:sym typeface="Arial"/>
         </a:defRPr>
       </a:lvl1pPr>
-      <a:lvl2pPr lvl="1" marR="0" rtl="0" algn="l">
+      <a:lvl2pPr marR="0" lvl="1" algn="l" rtl="0">
         <a:lnSpc>
           <a:spcPct val="100000"/>
         </a:lnSpc>
@@ -6578,7 +6759,7 @@
           <a:srgbClr val="000000"/>
         </a:buClr>
         <a:buFont typeface="Arial"/>
-        <a:defRPr b="0" i="0" sz="1400" u="none" cap="none" strike="noStrike">
+        <a:defRPr sz="1400" b="0" i="0" u="none" strike="noStrike" cap="none">
           <a:solidFill>
             <a:srgbClr val="000000"/>
           </a:solidFill>
@@ -6588,7 +6769,7 @@
           <a:sym typeface="Arial"/>
         </a:defRPr>
       </a:lvl2pPr>
-      <a:lvl3pPr lvl="2" marR="0" rtl="0" algn="l">
+      <a:lvl3pPr marR="0" lvl="2" algn="l" rtl="0">
         <a:lnSpc>
           <a:spcPct val="100000"/>
         </a:lnSpc>
@@ -6602,7 +6783,7 @@
           <a:srgbClr val="000000"/>
         </a:buClr>
         <a:buFont typeface="Arial"/>
-        <a:defRPr b="0" i="0" sz="1400" u="none" cap="none" strike="noStrike">
+        <a:defRPr sz="1400" b="0" i="0" u="none" strike="noStrike" cap="none">
           <a:solidFill>
             <a:srgbClr val="000000"/>
           </a:solidFill>
@@ -6612,7 +6793,7 @@
           <a:sym typeface="Arial"/>
         </a:defRPr>
       </a:lvl3pPr>
-      <a:lvl4pPr lvl="3" marR="0" rtl="0" algn="l">
+      <a:lvl4pPr marR="0" lvl="3" algn="l" rtl="0">
         <a:lnSpc>
           <a:spcPct val="100000"/>
         </a:lnSpc>
@@ -6626,7 +6807,7 @@
           <a:srgbClr val="000000"/>
         </a:buClr>
         <a:buFont typeface="Arial"/>
-        <a:defRPr b="0" i="0" sz="1400" u="none" cap="none" strike="noStrike">
+        <a:defRPr sz="1400" b="0" i="0" u="none" strike="noStrike" cap="none">
           <a:solidFill>
             <a:srgbClr val="000000"/>
           </a:solidFill>
@@ -6636,7 +6817,7 @@
           <a:sym typeface="Arial"/>
         </a:defRPr>
       </a:lvl4pPr>
-      <a:lvl5pPr lvl="4" marR="0" rtl="0" algn="l">
+      <a:lvl5pPr marR="0" lvl="4" algn="l" rtl="0">
         <a:lnSpc>
           <a:spcPct val="100000"/>
         </a:lnSpc>
@@ -6650,7 +6831,7 @@
           <a:srgbClr val="000000"/>
         </a:buClr>
         <a:buFont typeface="Arial"/>
-        <a:defRPr b="0" i="0" sz="1400" u="none" cap="none" strike="noStrike">
+        <a:defRPr sz="1400" b="0" i="0" u="none" strike="noStrike" cap="none">
           <a:solidFill>
             <a:srgbClr val="000000"/>
           </a:solidFill>
@@ -6660,7 +6841,7 @@
           <a:sym typeface="Arial"/>
         </a:defRPr>
       </a:lvl5pPr>
-      <a:lvl6pPr lvl="5" marR="0" rtl="0" algn="l">
+      <a:lvl6pPr marR="0" lvl="5" algn="l" rtl="0">
         <a:lnSpc>
           <a:spcPct val="100000"/>
         </a:lnSpc>
@@ -6674,7 +6855,7 @@
           <a:srgbClr val="000000"/>
         </a:buClr>
         <a:buFont typeface="Arial"/>
-        <a:defRPr b="0" i="0" sz="1400" u="none" cap="none" strike="noStrike">
+        <a:defRPr sz="1400" b="0" i="0" u="none" strike="noStrike" cap="none">
           <a:solidFill>
             <a:srgbClr val="000000"/>
           </a:solidFill>
@@ -6684,7 +6865,7 @@
           <a:sym typeface="Arial"/>
         </a:defRPr>
       </a:lvl6pPr>
-      <a:lvl7pPr lvl="6" marR="0" rtl="0" algn="l">
+      <a:lvl7pPr marR="0" lvl="6" algn="l" rtl="0">
         <a:lnSpc>
           <a:spcPct val="100000"/>
         </a:lnSpc>
@@ -6698,7 +6879,7 @@
           <a:srgbClr val="000000"/>
         </a:buClr>
         <a:buFont typeface="Arial"/>
-        <a:defRPr b="0" i="0" sz="1400" u="none" cap="none" strike="noStrike">
+        <a:defRPr sz="1400" b="0" i="0" u="none" strike="noStrike" cap="none">
           <a:solidFill>
             <a:srgbClr val="000000"/>
           </a:solidFill>
@@ -6708,7 +6889,7 @@
           <a:sym typeface="Arial"/>
         </a:defRPr>
       </a:lvl7pPr>
-      <a:lvl8pPr lvl="7" marR="0" rtl="0" algn="l">
+      <a:lvl8pPr marR="0" lvl="7" algn="l" rtl="0">
         <a:lnSpc>
           <a:spcPct val="100000"/>
         </a:lnSpc>
@@ -6722,7 +6903,7 @@
           <a:srgbClr val="000000"/>
         </a:buClr>
         <a:buFont typeface="Arial"/>
-        <a:defRPr b="0" i="0" sz="1400" u="none" cap="none" strike="noStrike">
+        <a:defRPr sz="1400" b="0" i="0" u="none" strike="noStrike" cap="none">
           <a:solidFill>
             <a:srgbClr val="000000"/>
           </a:solidFill>
@@ -6732,7 +6913,7 @@
           <a:sym typeface="Arial"/>
         </a:defRPr>
       </a:lvl8pPr>
-      <a:lvl9pPr lvl="8" marR="0" rtl="0" algn="l">
+      <a:lvl9pPr marR="0" lvl="8" algn="l" rtl="0">
         <a:lnSpc>
           <a:spcPct val="100000"/>
         </a:lnSpc>
@@ -6746,7 +6927,7 @@
           <a:srgbClr val="000000"/>
         </a:buClr>
         <a:buFont typeface="Arial"/>
-        <a:defRPr b="0" i="0" sz="1400" u="none" cap="none" strike="noStrike">
+        <a:defRPr sz="1400" b="0" i="0" u="none" strike="noStrike" cap="none">
           <a:solidFill>
             <a:srgbClr val="000000"/>
           </a:solidFill>
@@ -6758,7 +6939,7 @@
       </a:lvl9pPr>
     </p:titleStyle>
     <p:bodyStyle>
-      <a:defPPr lvl="0" marR="0" rtl="0" algn="l">
+      <a:defPPr marR="0" lvl="0" algn="l" rtl="0">
         <a:lnSpc>
           <a:spcPct val="100000"/>
         </a:lnSpc>
@@ -6769,7 +6950,7 @@
           <a:spcPts val="0"/>
         </a:spcAft>
       </a:defPPr>
-      <a:lvl1pPr lvl="0" marR="0" rtl="0" algn="l">
+      <a:lvl1pPr marR="0" lvl="0" algn="l" rtl="0">
         <a:lnSpc>
           <a:spcPct val="100000"/>
         </a:lnSpc>
@@ -6783,7 +6964,7 @@
           <a:srgbClr val="000000"/>
         </a:buClr>
         <a:buFont typeface="Arial"/>
-        <a:defRPr b="0" i="0" sz="1400" u="none" cap="none" strike="noStrike">
+        <a:defRPr sz="1400" b="0" i="0" u="none" strike="noStrike" cap="none">
           <a:solidFill>
             <a:srgbClr val="000000"/>
           </a:solidFill>
@@ -6793,7 +6974,7 @@
           <a:sym typeface="Arial"/>
         </a:defRPr>
       </a:lvl1pPr>
-      <a:lvl2pPr lvl="1" marR="0" rtl="0" algn="l">
+      <a:lvl2pPr marR="0" lvl="1" algn="l" rtl="0">
         <a:lnSpc>
           <a:spcPct val="100000"/>
         </a:lnSpc>
@@ -6807,7 +6988,7 @@
           <a:srgbClr val="000000"/>
         </a:buClr>
         <a:buFont typeface="Arial"/>
-        <a:defRPr b="0" i="0" sz="1400" u="none" cap="none" strike="noStrike">
+        <a:defRPr sz="1400" b="0" i="0" u="none" strike="noStrike" cap="none">
           <a:solidFill>
             <a:srgbClr val="000000"/>
           </a:solidFill>
@@ -6817,7 +6998,7 @@
           <a:sym typeface="Arial"/>
         </a:defRPr>
       </a:lvl2pPr>
-      <a:lvl3pPr lvl="2" marR="0" rtl="0" algn="l">
+      <a:lvl3pPr marR="0" lvl="2" algn="l" rtl="0">
         <a:lnSpc>
           <a:spcPct val="100000"/>
         </a:lnSpc>
@@ -6831,7 +7012,7 @@
           <a:srgbClr val="000000"/>
         </a:buClr>
         <a:buFont typeface="Arial"/>
-        <a:defRPr b="0" i="0" sz="1400" u="none" cap="none" strike="noStrike">
+        <a:defRPr sz="1400" b="0" i="0" u="none" strike="noStrike" cap="none">
           <a:solidFill>
             <a:srgbClr val="000000"/>
           </a:solidFill>
@@ -6841,7 +7022,7 @@
           <a:sym typeface="Arial"/>
         </a:defRPr>
       </a:lvl3pPr>
-      <a:lvl4pPr lvl="3" marR="0" rtl="0" algn="l">
+      <a:lvl4pPr marR="0" lvl="3" algn="l" rtl="0">
         <a:lnSpc>
           <a:spcPct val="100000"/>
         </a:lnSpc>
@@ -6855,7 +7036,7 @@
           <a:srgbClr val="000000"/>
         </a:buClr>
         <a:buFont typeface="Arial"/>
-        <a:defRPr b="0" i="0" sz="1400" u="none" cap="none" strike="noStrike">
+        <a:defRPr sz="1400" b="0" i="0" u="none" strike="noStrike" cap="none">
           <a:solidFill>
             <a:srgbClr val="000000"/>
           </a:solidFill>
@@ -6865,7 +7046,7 @@
           <a:sym typeface="Arial"/>
         </a:defRPr>
       </a:lvl4pPr>
-      <a:lvl5pPr lvl="4" marR="0" rtl="0" algn="l">
+      <a:lvl5pPr marR="0" lvl="4" algn="l" rtl="0">
         <a:lnSpc>
           <a:spcPct val="100000"/>
         </a:lnSpc>
@@ -6879,7 +7060,7 @@
           <a:srgbClr val="000000"/>
         </a:buClr>
         <a:buFont typeface="Arial"/>
-        <a:defRPr b="0" i="0" sz="1400" u="none" cap="none" strike="noStrike">
+        <a:defRPr sz="1400" b="0" i="0" u="none" strike="noStrike" cap="none">
           <a:solidFill>
             <a:srgbClr val="000000"/>
           </a:solidFill>
@@ -6889,7 +7070,7 @@
           <a:sym typeface="Arial"/>
         </a:defRPr>
       </a:lvl5pPr>
-      <a:lvl6pPr lvl="5" marR="0" rtl="0" algn="l">
+      <a:lvl6pPr marR="0" lvl="5" algn="l" rtl="0">
         <a:lnSpc>
           <a:spcPct val="100000"/>
         </a:lnSpc>
@@ -6903,7 +7084,7 @@
           <a:srgbClr val="000000"/>
         </a:buClr>
         <a:buFont typeface="Arial"/>
-        <a:defRPr b="0" i="0" sz="1400" u="none" cap="none" strike="noStrike">
+        <a:defRPr sz="1400" b="0" i="0" u="none" strike="noStrike" cap="none">
           <a:solidFill>
             <a:srgbClr val="000000"/>
           </a:solidFill>
@@ -6913,7 +7094,7 @@
           <a:sym typeface="Arial"/>
         </a:defRPr>
       </a:lvl6pPr>
-      <a:lvl7pPr lvl="6" marR="0" rtl="0" algn="l">
+      <a:lvl7pPr marR="0" lvl="6" algn="l" rtl="0">
         <a:lnSpc>
           <a:spcPct val="100000"/>
         </a:lnSpc>
@@ -6927,7 +7108,7 @@
           <a:srgbClr val="000000"/>
         </a:buClr>
         <a:buFont typeface="Arial"/>
-        <a:defRPr b="0" i="0" sz="1400" u="none" cap="none" strike="noStrike">
+        <a:defRPr sz="1400" b="0" i="0" u="none" strike="noStrike" cap="none">
           <a:solidFill>
             <a:srgbClr val="000000"/>
           </a:solidFill>
@@ -6937,7 +7118,7 @@
           <a:sym typeface="Arial"/>
         </a:defRPr>
       </a:lvl7pPr>
-      <a:lvl8pPr lvl="7" marR="0" rtl="0" algn="l">
+      <a:lvl8pPr marR="0" lvl="7" algn="l" rtl="0">
         <a:lnSpc>
           <a:spcPct val="100000"/>
         </a:lnSpc>
@@ -6951,7 +7132,7 @@
           <a:srgbClr val="000000"/>
         </a:buClr>
         <a:buFont typeface="Arial"/>
-        <a:defRPr b="0" i="0" sz="1400" u="none" cap="none" strike="noStrike">
+        <a:defRPr sz="1400" b="0" i="0" u="none" strike="noStrike" cap="none">
           <a:solidFill>
             <a:srgbClr val="000000"/>
           </a:solidFill>
@@ -6961,7 +7142,7 @@
           <a:sym typeface="Arial"/>
         </a:defRPr>
       </a:lvl8pPr>
-      <a:lvl9pPr lvl="8" marR="0" rtl="0" algn="l">
+      <a:lvl9pPr marR="0" lvl="8" algn="l" rtl="0">
         <a:lnSpc>
           <a:spcPct val="100000"/>
         </a:lnSpc>
@@ -6975,7 +7156,7 @@
           <a:srgbClr val="000000"/>
         </a:buClr>
         <a:buFont typeface="Arial"/>
-        <a:defRPr b="0" i="0" sz="1400" u="none" cap="none" strike="noStrike">
+        <a:defRPr sz="1400" b="0" i="0" u="none" strike="noStrike" cap="none">
           <a:solidFill>
             <a:srgbClr val="000000"/>
           </a:solidFill>
@@ -6987,7 +7168,7 @@
       </a:lvl9pPr>
     </p:bodyStyle>
     <p:otherStyle>
-      <a:defPPr lvl="0" marR="0" rtl="0" algn="l">
+      <a:defPPr marR="0" lvl="0" algn="l" rtl="0">
         <a:lnSpc>
           <a:spcPct val="100000"/>
         </a:lnSpc>
@@ -6998,7 +7179,7 @@
           <a:spcPts val="0"/>
         </a:spcAft>
       </a:defPPr>
-      <a:lvl1pPr lvl="0" marR="0" rtl="0" algn="l">
+      <a:lvl1pPr marR="0" lvl="0" algn="l" rtl="0">
         <a:lnSpc>
           <a:spcPct val="100000"/>
         </a:lnSpc>
@@ -7012,7 +7193,7 @@
           <a:srgbClr val="000000"/>
         </a:buClr>
         <a:buFont typeface="Arial"/>
-        <a:defRPr b="0" i="0" sz="1400" u="none" cap="none" strike="noStrike">
+        <a:defRPr sz="1400" b="0" i="0" u="none" strike="noStrike" cap="none">
           <a:solidFill>
             <a:srgbClr val="000000"/>
           </a:solidFill>
@@ -7022,7 +7203,7 @@
           <a:sym typeface="Arial"/>
         </a:defRPr>
       </a:lvl1pPr>
-      <a:lvl2pPr lvl="1" marR="0" rtl="0" algn="l">
+      <a:lvl2pPr marR="0" lvl="1" algn="l" rtl="0">
         <a:lnSpc>
           <a:spcPct val="100000"/>
         </a:lnSpc>
@@ -7036,7 +7217,7 @@
           <a:srgbClr val="000000"/>
         </a:buClr>
         <a:buFont typeface="Arial"/>
-        <a:defRPr b="0" i="0" sz="1400" u="none" cap="none" strike="noStrike">
+        <a:defRPr sz="1400" b="0" i="0" u="none" strike="noStrike" cap="none">
           <a:solidFill>
             <a:srgbClr val="000000"/>
           </a:solidFill>
@@ -7046,7 +7227,7 @@
           <a:sym typeface="Arial"/>
         </a:defRPr>
       </a:lvl2pPr>
-      <a:lvl3pPr lvl="2" marR="0" rtl="0" algn="l">
+      <a:lvl3pPr marR="0" lvl="2" algn="l" rtl="0">
         <a:lnSpc>
           <a:spcPct val="100000"/>
         </a:lnSpc>
@@ -7060,7 +7241,7 @@
           <a:srgbClr val="000000"/>
         </a:buClr>
         <a:buFont typeface="Arial"/>
-        <a:defRPr b="0" i="0" sz="1400" u="none" cap="none" strike="noStrike">
+        <a:defRPr sz="1400" b="0" i="0" u="none" strike="noStrike" cap="none">
           <a:solidFill>
             <a:srgbClr val="000000"/>
           </a:solidFill>
@@ -7070,7 +7251,7 @@
           <a:sym typeface="Arial"/>
         </a:defRPr>
       </a:lvl3pPr>
-      <a:lvl4pPr lvl="3" marR="0" rtl="0" algn="l">
+      <a:lvl4pPr marR="0" lvl="3" algn="l" rtl="0">
         <a:lnSpc>
           <a:spcPct val="100000"/>
         </a:lnSpc>
@@ -7084,7 +7265,7 @@
           <a:srgbClr val="000000"/>
         </a:buClr>
         <a:buFont typeface="Arial"/>
-        <a:defRPr b="0" i="0" sz="1400" u="none" cap="none" strike="noStrike">
+        <a:defRPr sz="1400" b="0" i="0" u="none" strike="noStrike" cap="none">
           <a:solidFill>
             <a:srgbClr val="000000"/>
           </a:solidFill>
@@ -7094,7 +7275,7 @@
           <a:sym typeface="Arial"/>
         </a:defRPr>
       </a:lvl4pPr>
-      <a:lvl5pPr lvl="4" marR="0" rtl="0" algn="l">
+      <a:lvl5pPr marR="0" lvl="4" algn="l" rtl="0">
         <a:lnSpc>
           <a:spcPct val="100000"/>
         </a:lnSpc>
@@ -7108,7 +7289,7 @@
           <a:srgbClr val="000000"/>
         </a:buClr>
         <a:buFont typeface="Arial"/>
-        <a:defRPr b="0" i="0" sz="1400" u="none" cap="none" strike="noStrike">
+        <a:defRPr sz="1400" b="0" i="0" u="none" strike="noStrike" cap="none">
           <a:solidFill>
             <a:srgbClr val="000000"/>
           </a:solidFill>
@@ -7118,7 +7299,7 @@
           <a:sym typeface="Arial"/>
         </a:defRPr>
       </a:lvl5pPr>
-      <a:lvl6pPr lvl="5" marR="0" rtl="0" algn="l">
+      <a:lvl6pPr marR="0" lvl="5" algn="l" rtl="0">
         <a:lnSpc>
           <a:spcPct val="100000"/>
         </a:lnSpc>
@@ -7132,7 +7313,7 @@
           <a:srgbClr val="000000"/>
         </a:buClr>
         <a:buFont typeface="Arial"/>
-        <a:defRPr b="0" i="0" sz="1400" u="none" cap="none" strike="noStrike">
+        <a:defRPr sz="1400" b="0" i="0" u="none" strike="noStrike" cap="none">
           <a:solidFill>
             <a:srgbClr val="000000"/>
           </a:solidFill>
@@ -7142,7 +7323,7 @@
           <a:sym typeface="Arial"/>
         </a:defRPr>
       </a:lvl6pPr>
-      <a:lvl7pPr lvl="6" marR="0" rtl="0" algn="l">
+      <a:lvl7pPr marR="0" lvl="6" algn="l" rtl="0">
         <a:lnSpc>
           <a:spcPct val="100000"/>
         </a:lnSpc>
@@ -7156,7 +7337,7 @@
           <a:srgbClr val="000000"/>
         </a:buClr>
         <a:buFont typeface="Arial"/>
-        <a:defRPr b="0" i="0" sz="1400" u="none" cap="none" strike="noStrike">
+        <a:defRPr sz="1400" b="0" i="0" u="none" strike="noStrike" cap="none">
           <a:solidFill>
             <a:srgbClr val="000000"/>
           </a:solidFill>
@@ -7166,7 +7347,7 @@
           <a:sym typeface="Arial"/>
         </a:defRPr>
       </a:lvl7pPr>
-      <a:lvl8pPr lvl="7" marR="0" rtl="0" algn="l">
+      <a:lvl8pPr marR="0" lvl="7" algn="l" rtl="0">
         <a:lnSpc>
           <a:spcPct val="100000"/>
         </a:lnSpc>
@@ -7180,7 +7361,7 @@
           <a:srgbClr val="000000"/>
         </a:buClr>
         <a:buFont typeface="Arial"/>
-        <a:defRPr b="0" i="0" sz="1400" u="none" cap="none" strike="noStrike">
+        <a:defRPr sz="1400" b="0" i="0" u="none" strike="noStrike" cap="none">
           <a:solidFill>
             <a:srgbClr val="000000"/>
           </a:solidFill>
@@ -7190,7 +7371,7 @@
           <a:sym typeface="Arial"/>
         </a:defRPr>
       </a:lvl8pPr>
-      <a:lvl9pPr lvl="8" marR="0" rtl="0" algn="l">
+      <a:lvl9pPr marR="0" lvl="8" algn="l" rtl="0">
         <a:lnSpc>
           <a:spcPct val="100000"/>
         </a:lnSpc>
@@ -7204,7 +7385,7 @@
           <a:srgbClr val="000000"/>
         </a:buClr>
         <a:buFont typeface="Arial"/>
-        <a:defRPr b="0" i="0" sz="1400" u="none" cap="none" strike="noStrike">
+        <a:defRPr sz="1400" b="0" i="0" u="none" strike="noStrike" cap="none">
           <a:solidFill>
             <a:srgbClr val="000000"/>
           </a:solidFill>
@@ -7220,11 +7401,11 @@
 </file>
 
 <file path=ppt/slides/slide1.xml><?xml version="1.0" encoding="utf-8"?>
-<p:sld xmlns:a="http://schemas.openxmlformats.org/drawingml/2006/main" xmlns:r="http://schemas.openxmlformats.org/officeDocument/2006/relationships" xmlns:mc="http://schemas.openxmlformats.org/markup-compatibility/2006" xmlns:mv="urn:schemas-microsoft-com:mac:vml" xmlns:p="http://schemas.openxmlformats.org/presentationml/2006/main" xmlns:c="http://schemas.openxmlformats.org/drawingml/2006/chart" xmlns:dgm="http://schemas.openxmlformats.org/drawingml/2006/diagram" xmlns:o="urn:schemas-microsoft-com:office:office" xmlns:v="urn:schemas-microsoft-com:vml" xmlns:pvml="urn:schemas-microsoft-com:office:powerpoint" xmlns:com="http://schemas.openxmlformats.org/drawingml/2006/compatibility" xmlns:p14="http://schemas.microsoft.com/office/powerpoint/2010/main" xmlns:p15="http://schemas.microsoft.com/office/powerpoint/2012/main" xmlns:ahyp="http://schemas.microsoft.com/office/drawing/2018/hyperlinkcolor">
+<p:sld xmlns:a="http://schemas.openxmlformats.org/drawingml/2006/main" xmlns:r="http://schemas.openxmlformats.org/officeDocument/2006/relationships" xmlns:p="http://schemas.openxmlformats.org/presentationml/2006/main">
   <p:cSld>
     <p:spTree>
       <p:nvGrpSpPr>
-        <p:cNvPr id="58" name="Shape 58"/>
+        <p:cNvPr id="1" name="Shape 58"/>
         <p:cNvGrpSpPr/>
         <p:nvPr/>
       </p:nvGrpSpPr>
@@ -7239,7 +7420,9 @@
       <p:sp>
         <p:nvSpPr>
           <p:cNvPr id="59" name="Google Shape;59;p13"/>
-          <p:cNvSpPr txBox="1"/>
+          <p:cNvSpPr txBox="1">
+            <a:spLocks noGrp="1"/>
+          </p:cNvSpPr>
           <p:nvPr>
             <p:ph type="ctrTitle"/>
           </p:nvPr>
@@ -7254,12 +7437,12 @@
           </a:prstGeom>
         </p:spPr>
         <p:txBody>
-          <a:bodyPr anchorCtr="0" anchor="b" bIns="91425" lIns="91425" spcFirstLastPara="1" rIns="91425" wrap="square" tIns="91425">
+          <a:bodyPr spcFirstLastPara="1" wrap="square" lIns="91425" tIns="91425" rIns="91425" bIns="91425" anchor="b" anchorCtr="0">
             <a:normAutofit/>
           </a:bodyPr>
           <a:lstStyle/>
           <a:p>
-            <a:pPr indent="0" lvl="0" marL="0" rtl="0" algn="l">
+            <a:pPr marL="0" lvl="0" indent="0" algn="l" rtl="0">
               <a:spcBef>
                 <a:spcPts val="0"/>
               </a:spcBef>
@@ -7275,7 +7458,7 @@
             <a:endParaRPr/>
           </a:p>
           <a:p>
-            <a:pPr indent="0" lvl="0" marL="0" rtl="0" algn="l">
+            <a:pPr marL="0" lvl="0" indent="0" algn="l" rtl="0">
               <a:spcBef>
                 <a:spcPts val="0"/>
               </a:spcBef>
@@ -7295,9 +7478,11 @@
       <p:sp>
         <p:nvSpPr>
           <p:cNvPr id="60" name="Google Shape;60;p13"/>
-          <p:cNvSpPr txBox="1"/>
+          <p:cNvSpPr txBox="1">
+            <a:spLocks noGrp="1"/>
+          </p:cNvSpPr>
           <p:nvPr>
-            <p:ph idx="1" type="subTitle"/>
+            <p:ph type="subTitle" idx="1"/>
           </p:nvPr>
         </p:nvSpPr>
         <p:spPr>
@@ -7310,12 +7495,12 @@
           </a:prstGeom>
         </p:spPr>
         <p:txBody>
-          <a:bodyPr anchorCtr="0" anchor="t" bIns="91425" lIns="91425" spcFirstLastPara="1" rIns="91425" wrap="square" tIns="91425">
+          <a:bodyPr spcFirstLastPara="1" wrap="square" lIns="91425" tIns="91425" rIns="91425" bIns="91425" anchor="t" anchorCtr="0">
             <a:normAutofit/>
           </a:bodyPr>
           <a:lstStyle/>
           <a:p>
-            <a:pPr indent="0" lvl="0" marL="0" rtl="0" algn="l">
+            <a:pPr marL="0" lvl="0" indent="0" algn="l" rtl="0">
               <a:spcBef>
                 <a:spcPts val="0"/>
               </a:spcBef>
@@ -7341,11 +7526,11 @@
 </file>
 
 <file path=ppt/slides/slide10.xml><?xml version="1.0" encoding="utf-8"?>
-<p:sld xmlns:a="http://schemas.openxmlformats.org/drawingml/2006/main" xmlns:r="http://schemas.openxmlformats.org/officeDocument/2006/relationships" xmlns:mc="http://schemas.openxmlformats.org/markup-compatibility/2006" xmlns:mv="urn:schemas-microsoft-com:mac:vml" xmlns:p="http://schemas.openxmlformats.org/presentationml/2006/main" xmlns:c="http://schemas.openxmlformats.org/drawingml/2006/chart" xmlns:dgm="http://schemas.openxmlformats.org/drawingml/2006/diagram" xmlns:o="urn:schemas-microsoft-com:office:office" xmlns:v="urn:schemas-microsoft-com:vml" xmlns:pvml="urn:schemas-microsoft-com:office:powerpoint" xmlns:com="http://schemas.openxmlformats.org/drawingml/2006/compatibility" xmlns:p14="http://schemas.microsoft.com/office/powerpoint/2010/main" xmlns:p15="http://schemas.microsoft.com/office/powerpoint/2012/main" xmlns:ahyp="http://schemas.microsoft.com/office/drawing/2018/hyperlinkcolor">
+<p:sld xmlns:a="http://schemas.openxmlformats.org/drawingml/2006/main" xmlns:r="http://schemas.openxmlformats.org/officeDocument/2006/relationships" xmlns:p="http://schemas.openxmlformats.org/presentationml/2006/main">
   <p:cSld>
     <p:spTree>
       <p:nvGrpSpPr>
-        <p:cNvPr id="118" name="Shape 118"/>
+        <p:cNvPr id="1" name="Shape 118"/>
         <p:cNvGrpSpPr/>
         <p:nvPr/>
       </p:nvGrpSpPr>
@@ -7360,7 +7545,9 @@
       <p:sp>
         <p:nvSpPr>
           <p:cNvPr id="119" name="Google Shape;119;p22"/>
-          <p:cNvSpPr txBox="1"/>
+          <p:cNvSpPr txBox="1">
+            <a:spLocks noGrp="1"/>
+          </p:cNvSpPr>
           <p:nvPr>
             <p:ph type="title"/>
           </p:nvPr>
@@ -7375,12 +7562,12 @@
           </a:prstGeom>
         </p:spPr>
         <p:txBody>
-          <a:bodyPr anchorCtr="0" anchor="t" bIns="91425" lIns="91425" spcFirstLastPara="1" rIns="91425" wrap="square" tIns="91425">
+          <a:bodyPr spcFirstLastPara="1" wrap="square" lIns="91425" tIns="91425" rIns="91425" bIns="91425" anchor="t" anchorCtr="0">
             <a:noAutofit/>
           </a:bodyPr>
           <a:lstStyle/>
           <a:p>
-            <a:pPr indent="0" lvl="0" marL="0" rtl="0" algn="l">
+            <a:pPr marL="0" lvl="0" indent="0" algn="l" rtl="0">
               <a:spcBef>
                 <a:spcPts val="0"/>
               </a:spcBef>
@@ -7400,9 +7587,11 @@
       <p:sp>
         <p:nvSpPr>
           <p:cNvPr id="120" name="Google Shape;120;p22"/>
-          <p:cNvSpPr txBox="1"/>
+          <p:cNvSpPr txBox="1">
+            <a:spLocks noGrp="1"/>
+          </p:cNvSpPr>
           <p:nvPr>
-            <p:ph idx="1" type="body"/>
+            <p:ph type="body" idx="1"/>
           </p:nvPr>
         </p:nvSpPr>
         <p:spPr>
@@ -7415,12 +7604,12 @@
           </a:prstGeom>
         </p:spPr>
         <p:txBody>
-          <a:bodyPr anchorCtr="0" anchor="t" bIns="91425" lIns="91425" spcFirstLastPara="1" rIns="91425" wrap="square" tIns="91425">
-            <a:normAutofit fontScale="92500" lnSpcReduction="20000"/>
+          <a:bodyPr spcFirstLastPara="1" wrap="square" lIns="91425" tIns="91425" rIns="91425" bIns="91425" anchor="t" anchorCtr="0">
+            <a:normAutofit fontScale="92500" lnSpcReduction="10000"/>
           </a:bodyPr>
           <a:lstStyle/>
           <a:p>
-            <a:pPr indent="0" lvl="0" marL="0" rtl="0" algn="l">
+            <a:pPr marL="0" lvl="0" indent="0" algn="l" rtl="0">
               <a:spcBef>
                 <a:spcPts val="0"/>
               </a:spcBef>
@@ -7430,17 +7619,21 @@
               <a:buNone/>
             </a:pPr>
             <a:r>
-              <a:rPr lang="en-GB" sz="1600"/>
-              <a:t>Binary classification using a neural network. The</a:t>
+              <a:rPr lang="en-GB" sz="1600" dirty="0">
+                <a:solidFill>
+                  <a:schemeClr val="tx1"/>
+                </a:solidFill>
+              </a:rPr>
+              <a:t>Binary classification using a neural network. The neural network is:</a:t>
             </a:r>
-            <a:r>
-              <a:rPr lang="en-GB" sz="1600"/>
-              <a:t> neural network is:</a:t>
-            </a:r>
-            <a:endParaRPr sz="1600"/>
-          </a:p>
-          <a:p>
-            <a:pPr indent="-322580" lvl="0" marL="457200" rtl="0" algn="l">
+            <a:endParaRPr sz="1600" dirty="0">
+              <a:solidFill>
+                <a:schemeClr val="tx1"/>
+              </a:solidFill>
+            </a:endParaRPr>
+          </a:p>
+          <a:p>
+            <a:pPr marL="457200" lvl="0" indent="-322580" algn="l" rtl="0">
               <a:spcBef>
                 <a:spcPts val="1200"/>
               </a:spcBef>
@@ -7451,13 +7644,37 @@
               <a:buChar char="●"/>
             </a:pPr>
             <a:r>
-              <a:rPr lang="en-GB" sz="1600"/>
-              <a:t>Two-layer deep that uses “relu” activation function on both layers</a:t>
+              <a:rPr lang="en-GB" sz="1600" dirty="0">
+                <a:solidFill>
+                  <a:schemeClr val="tx1"/>
+                </a:solidFill>
+              </a:rPr>
+              <a:t>Two-layer deep that uses “</a:t>
             </a:r>
-            <a:endParaRPr sz="1600"/>
-          </a:p>
-          <a:p>
-            <a:pPr indent="-322580" lvl="0" marL="457200" rtl="0" algn="l">
+            <a:r>
+              <a:rPr lang="en-GB" sz="1600" dirty="0" err="1">
+                <a:solidFill>
+                  <a:schemeClr val="tx1"/>
+                </a:solidFill>
+              </a:rPr>
+              <a:t>relu</a:t>
+            </a:r>
+            <a:r>
+              <a:rPr lang="en-GB" sz="1600" dirty="0">
+                <a:solidFill>
+                  <a:schemeClr val="tx1"/>
+                </a:solidFill>
+              </a:rPr>
+              <a:t>” activation function on both layers</a:t>
+            </a:r>
+            <a:endParaRPr sz="1600" dirty="0">
+              <a:solidFill>
+                <a:schemeClr val="tx1"/>
+              </a:solidFill>
+            </a:endParaRPr>
+          </a:p>
+          <a:p>
+            <a:pPr marL="457200" lvl="0" indent="-322580" algn="l" rtl="0">
               <a:spcBef>
                 <a:spcPts val="0"/>
               </a:spcBef>
@@ -7468,13 +7685,53 @@
               <a:buChar char="●"/>
             </a:pPr>
             <a:r>
-              <a:rPr lang="en-GB" sz="1600"/>
-              <a:t>Compiled using the “binary_crossentropy” loss function, the “adam” optimiser and the “accuracy” evaluation metrics.</a:t>
+              <a:rPr lang="en-GB" sz="1600" dirty="0">
+                <a:solidFill>
+                  <a:schemeClr val="tx1"/>
+                </a:solidFill>
+              </a:rPr>
+              <a:t>Compiled using the “</a:t>
             </a:r>
-            <a:endParaRPr sz="1600"/>
-          </a:p>
-          <a:p>
-            <a:pPr indent="-322580" lvl="0" marL="457200" rtl="0" algn="l">
+            <a:r>
+              <a:rPr lang="en-GB" sz="1600" dirty="0" err="1">
+                <a:solidFill>
+                  <a:schemeClr val="tx1"/>
+                </a:solidFill>
+              </a:rPr>
+              <a:t>binary_crossentropy</a:t>
+            </a:r>
+            <a:r>
+              <a:rPr lang="en-GB" sz="1600" dirty="0">
+                <a:solidFill>
+                  <a:schemeClr val="tx1"/>
+                </a:solidFill>
+              </a:rPr>
+              <a:t>” loss function, the “</a:t>
+            </a:r>
+            <a:r>
+              <a:rPr lang="en-GB" sz="1600" dirty="0" err="1">
+                <a:solidFill>
+                  <a:schemeClr val="tx1"/>
+                </a:solidFill>
+              </a:rPr>
+              <a:t>adam</a:t>
+            </a:r>
+            <a:r>
+              <a:rPr lang="en-GB" sz="1600" dirty="0">
+                <a:solidFill>
+                  <a:schemeClr val="tx1"/>
+                </a:solidFill>
+              </a:rPr>
+              <a:t>” optimiser and the “accuracy” evaluation metrics.</a:t>
+            </a:r>
+            <a:endParaRPr sz="1600" dirty="0">
+              <a:solidFill>
+                <a:schemeClr val="tx1"/>
+              </a:solidFill>
+            </a:endParaRPr>
+          </a:p>
+          <a:p>
+            <a:pPr marL="457200" lvl="0" indent="-322580" algn="l" rtl="0">
               <a:spcBef>
                 <a:spcPts val="0"/>
               </a:spcBef>
@@ -7485,13 +7742,21 @@
               <a:buChar char="●"/>
             </a:pPr>
             <a:r>
-              <a:rPr lang="en-GB" sz="1600"/>
+              <a:rPr lang="en-GB" sz="1600" dirty="0">
+                <a:solidFill>
+                  <a:schemeClr val="tx1"/>
+                </a:solidFill>
+              </a:rPr>
               <a:t>Fitted using 50 epochs and 1000 batch size.</a:t>
             </a:r>
-            <a:endParaRPr sz="1600"/>
-          </a:p>
-          <a:p>
-            <a:pPr indent="0" lvl="0" marL="0" rtl="0" algn="l">
+            <a:endParaRPr sz="1600" dirty="0">
+              <a:solidFill>
+                <a:schemeClr val="tx1"/>
+              </a:solidFill>
+            </a:endParaRPr>
+          </a:p>
+          <a:p>
+            <a:pPr marL="0" lvl="0" indent="0" algn="l" rtl="0">
               <a:spcBef>
                 <a:spcPts val="1200"/>
               </a:spcBef>
@@ -7501,13 +7766,21 @@
               <a:buNone/>
             </a:pPr>
             <a:r>
-              <a:rPr lang="en-GB" sz="1600"/>
+              <a:rPr lang="en-GB" sz="1600" dirty="0">
+                <a:solidFill>
+                  <a:schemeClr val="tx1"/>
+                </a:solidFill>
+              </a:rPr>
               <a:t>This model has an accuracy score of 76.25%, slightly higher than baseline.</a:t>
             </a:r>
-            <a:endParaRPr sz="1600"/>
-          </a:p>
-          <a:p>
-            <a:pPr indent="0" lvl="0" marL="0" rtl="0" algn="l">
+            <a:endParaRPr sz="1600" dirty="0">
+              <a:solidFill>
+                <a:schemeClr val="tx1"/>
+              </a:solidFill>
+            </a:endParaRPr>
+          </a:p>
+          <a:p>
+            <a:pPr marL="0" lvl="0" indent="0" algn="l" rtl="0">
               <a:spcBef>
                 <a:spcPts val="1200"/>
               </a:spcBef>
@@ -7516,10 +7789,7 @@
               </a:spcAft>
               <a:buNone/>
             </a:pPr>
-            <a:r>
-              <a:t/>
-            </a:r>
-            <a:endParaRPr/>
+            <a:endParaRPr dirty="0"/>
           </a:p>
         </p:txBody>
       </p:sp>
@@ -7616,11 +7886,11 @@
 </file>
 
 <file path=ppt/slides/slide11.xml><?xml version="1.0" encoding="utf-8"?>
-<p:sld xmlns:a="http://schemas.openxmlformats.org/drawingml/2006/main" xmlns:r="http://schemas.openxmlformats.org/officeDocument/2006/relationships" xmlns:mc="http://schemas.openxmlformats.org/markup-compatibility/2006" xmlns:mv="urn:schemas-microsoft-com:mac:vml" xmlns:p="http://schemas.openxmlformats.org/presentationml/2006/main" xmlns:c="http://schemas.openxmlformats.org/drawingml/2006/chart" xmlns:dgm="http://schemas.openxmlformats.org/drawingml/2006/diagram" xmlns:o="urn:schemas-microsoft-com:office:office" xmlns:v="urn:schemas-microsoft-com:vml" xmlns:pvml="urn:schemas-microsoft-com:office:powerpoint" xmlns:com="http://schemas.openxmlformats.org/drawingml/2006/compatibility" xmlns:p14="http://schemas.microsoft.com/office/powerpoint/2010/main" xmlns:p15="http://schemas.microsoft.com/office/powerpoint/2012/main" xmlns:ahyp="http://schemas.microsoft.com/office/drawing/2018/hyperlinkcolor">
+<p:sld xmlns:a="http://schemas.openxmlformats.org/drawingml/2006/main" xmlns:r="http://schemas.openxmlformats.org/officeDocument/2006/relationships" xmlns:p="http://schemas.openxmlformats.org/presentationml/2006/main">
   <p:cSld>
     <p:spTree>
       <p:nvGrpSpPr>
-        <p:cNvPr id="127" name="Shape 127"/>
+        <p:cNvPr id="1" name="Shape 127"/>
         <p:cNvGrpSpPr/>
         <p:nvPr/>
       </p:nvGrpSpPr>
@@ -7635,7 +7905,9 @@
       <p:sp>
         <p:nvSpPr>
           <p:cNvPr id="128" name="Google Shape;128;p23"/>
-          <p:cNvSpPr txBox="1"/>
+          <p:cNvSpPr txBox="1">
+            <a:spLocks noGrp="1"/>
+          </p:cNvSpPr>
           <p:nvPr>
             <p:ph type="title"/>
           </p:nvPr>
@@ -7650,12 +7922,12 @@
           </a:prstGeom>
         </p:spPr>
         <p:txBody>
-          <a:bodyPr anchorCtr="0" anchor="t" bIns="91425" lIns="91425" spcFirstLastPara="1" rIns="91425" wrap="square" tIns="91425">
+          <a:bodyPr spcFirstLastPara="1" wrap="square" lIns="91425" tIns="91425" rIns="91425" bIns="91425" anchor="t" anchorCtr="0">
             <a:normAutofit fontScale="90000"/>
           </a:bodyPr>
           <a:lstStyle/>
           <a:p>
-            <a:pPr indent="0" lvl="0" marL="0" rtl="0" algn="l">
+            <a:pPr marL="0" lvl="0" indent="0" algn="l" rtl="0">
               <a:spcBef>
                 <a:spcPts val="0"/>
               </a:spcBef>
@@ -7665,19 +7937,21 @@
               <a:buNone/>
             </a:pPr>
             <a:r>
-              <a:rPr lang="en-GB" sz="4400"/>
+              <a:rPr lang="en-GB" sz="4400" dirty="0"/>
               <a:t>Evaluation</a:t>
             </a:r>
-            <a:endParaRPr/>
+            <a:endParaRPr dirty="0"/>
           </a:p>
         </p:txBody>
       </p:sp>
       <p:sp>
         <p:nvSpPr>
           <p:cNvPr id="129" name="Google Shape;129;p23"/>
-          <p:cNvSpPr txBox="1"/>
+          <p:cNvSpPr txBox="1">
+            <a:spLocks noGrp="1"/>
+          </p:cNvSpPr>
           <p:nvPr>
-            <p:ph idx="1" type="body"/>
+            <p:ph type="body" idx="1"/>
           </p:nvPr>
         </p:nvSpPr>
         <p:spPr>
@@ -7690,12 +7964,12 @@
           </a:prstGeom>
         </p:spPr>
         <p:txBody>
-          <a:bodyPr anchorCtr="0" anchor="t" bIns="91425" lIns="91425" spcFirstLastPara="1" rIns="91425" wrap="square" tIns="91425">
-            <a:normAutofit fontScale="62500" lnSpcReduction="10000"/>
+          <a:bodyPr spcFirstLastPara="1" wrap="square" lIns="91425" tIns="91425" rIns="91425" bIns="91425" anchor="t" anchorCtr="0">
+            <a:normAutofit fontScale="25000" lnSpcReduction="20000"/>
           </a:bodyPr>
           <a:lstStyle/>
           <a:p>
-            <a:pPr indent="-329803" lvl="0" marL="457200" rtl="0" algn="l">
+            <a:pPr marL="457200" lvl="0" indent="-329803" algn="l" rtl="0">
               <a:lnSpc>
                 <a:spcPct val="90000"/>
               </a:lnSpc>
@@ -7712,21 +7986,37 @@
               <a:buChar char="●"/>
             </a:pPr>
             <a:r>
-              <a:rPr lang="en-GB" sz="2550">
+              <a:rPr lang="en-GB" sz="5600" dirty="0">
                 <a:solidFill>
                   <a:schemeClr val="dk1"/>
                 </a:solidFill>
               </a:rPr>
-              <a:t>Hyperparameter tuning using RandomizedSearchCV resulted in highest accuracy score (77.18%)</a:t>
+              <a:t>Hyperparameter tuning using </a:t>
             </a:r>
-            <a:endParaRPr sz="2550">
+            <a:r>
+              <a:rPr lang="en-GB" sz="5600" dirty="0" err="1">
+                <a:solidFill>
+                  <a:schemeClr val="dk1"/>
+                </a:solidFill>
+              </a:rPr>
+              <a:t>GridSearchCV</a:t>
+            </a:r>
+            <a:r>
+              <a:rPr lang="en-GB" sz="5600" dirty="0">
+                <a:solidFill>
+                  <a:schemeClr val="dk1"/>
+                </a:solidFill>
+              </a:rPr>
+              <a:t> resulted in higher accuracy score (77.28%) but was more resource intensive</a:t>
+            </a:r>
+            <a:endParaRPr sz="5600" dirty="0">
               <a:solidFill>
                 <a:schemeClr val="dk1"/>
               </a:solidFill>
             </a:endParaRPr>
           </a:p>
           <a:p>
-            <a:pPr indent="-329803" lvl="0" marL="457200" rtl="0" algn="l">
+            <a:pPr marL="457200" lvl="0" indent="-329803" algn="l" rtl="0">
               <a:lnSpc>
                 <a:spcPct val="90000"/>
               </a:lnSpc>
@@ -7743,21 +8033,45 @@
               <a:buChar char="●"/>
             </a:pPr>
             <a:r>
-              <a:rPr lang="en-GB" sz="2550">
+              <a:rPr lang="en-GB" sz="5600" dirty="0" err="1">
                 <a:solidFill>
                   <a:schemeClr val="dk1"/>
                 </a:solidFill>
               </a:rPr>
-              <a:t>GridSearchCV also improved accuracy, but was more resource intensive</a:t>
+              <a:t>RandomizedSearchCV</a:t>
             </a:r>
-            <a:endParaRPr sz="2550">
+            <a:r>
+              <a:rPr lang="en-GB" sz="5600" dirty="0">
+                <a:solidFill>
+                  <a:schemeClr val="dk1"/>
+                </a:solidFill>
+              </a:rPr>
+              <a:t> also improved accuracy and </a:t>
+            </a:r>
+            <a:r>
+              <a:rPr lang="en-AU" sz="5600" dirty="0">
+                <a:solidFill>
+                  <a:schemeClr val="dk1"/>
+                </a:solidFill>
+              </a:rPr>
+              <a:t>less resource intensive. It is recommended when there is a large </a:t>
+            </a:r>
+            <a:r>
+              <a:rPr lang="en-AU" sz="5600">
+                <a:solidFill>
+                  <a:schemeClr val="dk1"/>
+                </a:solidFill>
+              </a:rPr>
+              <a:t>parameter space.</a:t>
+            </a:r>
+            <a:endParaRPr sz="5600" dirty="0">
               <a:solidFill>
                 <a:schemeClr val="dk1"/>
               </a:solidFill>
             </a:endParaRPr>
           </a:p>
           <a:p>
-            <a:pPr indent="-329803" lvl="0" marL="457200" rtl="0" algn="l">
+            <a:pPr marL="457200" lvl="0" indent="-329803" algn="l" rtl="0">
               <a:lnSpc>
                 <a:spcPct val="90000"/>
               </a:lnSpc>
@@ -7774,21 +8088,21 @@
               <a:buChar char="●"/>
             </a:pPr>
             <a:r>
-              <a:rPr lang="en-GB" sz="2550">
+              <a:rPr lang="en-GB" sz="5600" dirty="0">
                 <a:solidFill>
                   <a:schemeClr val="dk1"/>
                 </a:solidFill>
               </a:rPr>
               <a:t>Limiting number of features resulted in slightly lower accuracy, but simpler and faster model</a:t>
             </a:r>
-            <a:endParaRPr sz="2550">
+            <a:endParaRPr sz="5600" dirty="0">
               <a:solidFill>
                 <a:schemeClr val="dk1"/>
               </a:solidFill>
             </a:endParaRPr>
           </a:p>
           <a:p>
-            <a:pPr indent="-329803" lvl="0" marL="457200" rtl="0" algn="l">
+            <a:pPr marL="457200" lvl="0" indent="-329803" algn="l" rtl="0">
               <a:lnSpc>
                 <a:spcPct val="90000"/>
               </a:lnSpc>
@@ -7805,21 +8119,63 @@
               <a:buChar char="●"/>
             </a:pPr>
             <a:r>
-              <a:rPr lang="en-GB" sz="2550">
+              <a:rPr lang="en-GB" sz="5600" dirty="0">
                 <a:solidFill>
                   <a:schemeClr val="dk1"/>
                 </a:solidFill>
               </a:rPr>
-              <a:t>Hyperparameter tuning is a useful method for improving performance of random forest model, with RandomizedSearchCV most effective and efficient in our case</a:t>
+              <a:t>Hyperparameter tuning is a useful method for improving performance of random forest model, with </a:t>
             </a:r>
-            <a:endParaRPr sz="2550">
+            <a:r>
+              <a:rPr lang="en-GB" sz="5600" dirty="0" err="1">
+                <a:solidFill>
+                  <a:schemeClr val="dk1"/>
+                </a:solidFill>
+              </a:rPr>
+              <a:t>RandomizedSearchCV</a:t>
+            </a:r>
+            <a:r>
+              <a:rPr lang="en-GB" sz="5600" dirty="0">
+                <a:solidFill>
+                  <a:schemeClr val="dk1"/>
+                </a:solidFill>
+              </a:rPr>
+              <a:t> most effective and efficient in our case.</a:t>
+            </a:r>
+          </a:p>
+          <a:p>
+            <a:pPr marL="457200" lvl="0" indent="-329803" algn="l" rtl="0">
+              <a:lnSpc>
+                <a:spcPct val="90000"/>
+              </a:lnSpc>
+              <a:spcBef>
+                <a:spcPts val="1000"/>
+              </a:spcBef>
+              <a:spcAft>
+                <a:spcPts val="0"/>
+              </a:spcAft>
+              <a:buClr>
+                <a:schemeClr val="dk1"/>
+              </a:buClr>
+              <a:buSzPct val="100000"/>
+              <a:buChar char="●"/>
+            </a:pPr>
+            <a:r>
+              <a:rPr lang="en-GB" sz="5600" dirty="0">
+                <a:solidFill>
+                  <a:schemeClr val="dk1"/>
+                </a:solidFill>
+              </a:rPr>
+              <a:t>The chosen simple neural network model has similar predictive power as the baseline. Further tuning may increase the accuracy and outperform the baseline.</a:t>
+            </a:r>
+            <a:endParaRPr sz="5600" dirty="0">
               <a:solidFill>
                 <a:schemeClr val="dk1"/>
               </a:solidFill>
             </a:endParaRPr>
           </a:p>
           <a:p>
-            <a:pPr indent="0" lvl="0" marL="0" rtl="0" algn="l">
+            <a:pPr marL="0" lvl="0" indent="0" algn="l" rtl="0">
               <a:spcBef>
                 <a:spcPts val="1000"/>
               </a:spcBef>
@@ -7828,10 +8184,7 @@
               </a:spcAft>
               <a:buNone/>
             </a:pPr>
-            <a:r>
-              <a:t/>
-            </a:r>
-            <a:endParaRPr/>
+            <a:endParaRPr dirty="0"/>
           </a:p>
         </p:txBody>
       </p:sp>
@@ -7843,7 +8196,7 @@
         </p:nvGraphicFramePr>
         <p:xfrm>
           <a:off x="4705900" y="1152475"/>
-          <a:ext cx="3000000" cy="3000000"/>
+          <a:ext cx="4126400" cy="2377260"/>
         </p:xfrm>
         <a:graphic>
           <a:graphicData uri="http://schemas.openxmlformats.org/drawingml/2006/table">
@@ -7853,8 +8206,20 @@
                 <a:tableStyleId>{EDBB251A-9346-4FBB-86BC-C5C9F99716E3}</a:tableStyleId>
               </a:tblPr>
               <a:tblGrid>
-                <a:gridCol w="2325250"/>
-                <a:gridCol w="1801150"/>
+                <a:gridCol w="2325250">
+                  <a:extLst>
+                    <a:ext uri="{9D8B030D-6E8A-4147-A177-3AD203B41FA5}">
+                      <a16:colId xmlns:a16="http://schemas.microsoft.com/office/drawing/2014/main" val="20000"/>
+                    </a:ext>
+                  </a:extLst>
+                </a:gridCol>
+                <a:gridCol w="1801150">
+                  <a:extLst>
+                    <a:ext uri="{9D8B030D-6E8A-4147-A177-3AD203B41FA5}">
+                      <a16:colId xmlns:a16="http://schemas.microsoft.com/office/drawing/2014/main" val="20001"/>
+                    </a:ext>
+                  </a:extLst>
+                </a:gridCol>
               </a:tblGrid>
               <a:tr h="381000">
                 <a:tc>
@@ -7862,7 +8227,7 @@
                     <a:bodyPr/>
                     <a:lstStyle/>
                     <a:p>
-                      <a:pPr indent="0" lvl="0" marL="0" rtl="0" algn="ctr">
+                      <a:pPr marL="0" lvl="0" indent="0" algn="ctr" rtl="0">
                         <a:spcBef>
                           <a:spcPts val="0"/>
                         </a:spcBef>
@@ -7872,20 +8237,20 @@
                         <a:buNone/>
                       </a:pPr>
                       <a:r>
-                        <a:rPr b="1" lang="en-GB"/>
+                        <a:rPr lang="en-GB" b="1"/>
                         <a:t>Model</a:t>
                       </a:r>
                       <a:endParaRPr b="1"/>
                     </a:p>
                   </a:txBody>
-                  <a:tcPr marT="91425" marB="91425" marR="91425" marL="91425"/>
+                  <a:tcPr marL="91425" marR="91425" marT="91425" marB="91425"/>
                 </a:tc>
                 <a:tc>
                   <a:txBody>
                     <a:bodyPr/>
                     <a:lstStyle/>
                     <a:p>
-                      <a:pPr indent="0" lvl="0" marL="0" rtl="0" algn="ctr">
+                      <a:pPr marL="0" lvl="0" indent="0" algn="ctr" rtl="0">
                         <a:spcBef>
                           <a:spcPts val="0"/>
                         </a:spcBef>
@@ -7895,14 +8260,19 @@
                         <a:buNone/>
                       </a:pPr>
                       <a:r>
-                        <a:rPr b="1" lang="en-GB"/>
+                        <a:rPr lang="en-GB" b="1"/>
                         <a:t>Accuracy</a:t>
                       </a:r>
                       <a:endParaRPr b="1"/>
                     </a:p>
                   </a:txBody>
-                  <a:tcPr marT="91425" marB="91425" marR="91425" marL="91425"/>
+                  <a:tcPr marL="91425" marR="91425" marT="91425" marB="91425"/>
                 </a:tc>
+                <a:extLst>
+                  <a:ext uri="{0D108BD9-81ED-4DB2-BD59-A6C34878D82A}">
+                    <a16:rowId xmlns:a16="http://schemas.microsoft.com/office/drawing/2014/main" val="10000"/>
+                  </a:ext>
+                </a:extLst>
               </a:tr>
               <a:tr h="381000">
                 <a:tc>
@@ -7910,7 +8280,7 @@
                     <a:bodyPr/>
                     <a:lstStyle/>
                     <a:p>
-                      <a:pPr indent="0" lvl="0" marL="0" rtl="0" algn="l">
+                      <a:pPr marL="0" lvl="0" indent="0" algn="l" rtl="0">
                         <a:spcBef>
                           <a:spcPts val="0"/>
                         </a:spcBef>
@@ -7926,14 +8296,14 @@
                       <a:endParaRPr/>
                     </a:p>
                   </a:txBody>
-                  <a:tcPr marT="91425" marB="91425" marR="91425" marL="91425"/>
+                  <a:tcPr marL="91425" marR="91425" marT="91425" marB="91425"/>
                 </a:tc>
                 <a:tc>
                   <a:txBody>
                     <a:bodyPr/>
                     <a:lstStyle/>
                     <a:p>
-                      <a:pPr indent="0" lvl="0" marL="0" rtl="0" algn="ctr">
+                      <a:pPr marL="0" lvl="0" indent="0" algn="ctr" rtl="0">
                         <a:spcBef>
                           <a:spcPts val="0"/>
                         </a:spcBef>
@@ -7949,8 +8319,13 @@
                       <a:endParaRPr/>
                     </a:p>
                   </a:txBody>
-                  <a:tcPr marT="91425" marB="91425" marR="91425" marL="91425"/>
+                  <a:tcPr marL="91425" marR="91425" marT="91425" marB="91425"/>
                 </a:tc>
+                <a:extLst>
+                  <a:ext uri="{0D108BD9-81ED-4DB2-BD59-A6C34878D82A}">
+                    <a16:rowId xmlns:a16="http://schemas.microsoft.com/office/drawing/2014/main" val="10001"/>
+                  </a:ext>
+                </a:extLst>
               </a:tr>
               <a:tr h="381000">
                 <a:tc>
@@ -7958,7 +8333,7 @@
                     <a:bodyPr/>
                     <a:lstStyle/>
                     <a:p>
-                      <a:pPr indent="0" lvl="0" marL="0" rtl="0" algn="l">
+                      <a:pPr marL="0" lvl="0" indent="0" algn="l" rtl="0">
                         <a:spcBef>
                           <a:spcPts val="0"/>
                         </a:spcBef>
@@ -7974,14 +8349,14 @@
                       <a:endParaRPr/>
                     </a:p>
                   </a:txBody>
-                  <a:tcPr marT="91425" marB="91425" marR="91425" marL="91425"/>
+                  <a:tcPr marL="91425" marR="91425" marT="91425" marB="91425"/>
                 </a:tc>
                 <a:tc>
                   <a:txBody>
                     <a:bodyPr/>
                     <a:lstStyle/>
                     <a:p>
-                      <a:pPr indent="0" lvl="0" marL="0" rtl="0" algn="ctr">
+                      <a:pPr marL="0" lvl="0" indent="0" algn="ctr" rtl="0">
                         <a:spcBef>
                           <a:spcPts val="0"/>
                         </a:spcBef>
@@ -7997,8 +8372,13 @@
                       <a:endParaRPr/>
                     </a:p>
                   </a:txBody>
-                  <a:tcPr marT="91425" marB="91425" marR="91425" marL="91425"/>
+                  <a:tcPr marL="91425" marR="91425" marT="91425" marB="91425"/>
                 </a:tc>
+                <a:extLst>
+                  <a:ext uri="{0D108BD9-81ED-4DB2-BD59-A6C34878D82A}">
+                    <a16:rowId xmlns:a16="http://schemas.microsoft.com/office/drawing/2014/main" val="10002"/>
+                  </a:ext>
+                </a:extLst>
               </a:tr>
               <a:tr h="381000">
                 <a:tc>
@@ -8006,7 +8386,7 @@
                     <a:bodyPr/>
                     <a:lstStyle/>
                     <a:p>
-                      <a:pPr indent="0" lvl="0" marL="0" rtl="0" algn="l">
+                      <a:pPr marL="0" lvl="0" indent="0" algn="l" rtl="0">
                         <a:spcBef>
                           <a:spcPts val="0"/>
                         </a:spcBef>
@@ -8022,14 +8402,14 @@
                       <a:endParaRPr/>
                     </a:p>
                   </a:txBody>
-                  <a:tcPr marT="91425" marB="91425" marR="91425" marL="91425"/>
+                  <a:tcPr marL="91425" marR="91425" marT="91425" marB="91425"/>
                 </a:tc>
                 <a:tc>
                   <a:txBody>
                     <a:bodyPr/>
                     <a:lstStyle/>
                     <a:p>
-                      <a:pPr indent="0" lvl="0" marL="0" rtl="0" algn="ctr">
+                      <a:pPr marL="0" lvl="0" indent="0" algn="ctr" rtl="0">
                         <a:spcBef>
                           <a:spcPts val="0"/>
                         </a:spcBef>
@@ -8045,8 +8425,13 @@
                       <a:endParaRPr/>
                     </a:p>
                   </a:txBody>
-                  <a:tcPr marT="91425" marB="91425" marR="91425" marL="91425"/>
+                  <a:tcPr marL="91425" marR="91425" marT="91425" marB="91425"/>
                 </a:tc>
+                <a:extLst>
+                  <a:ext uri="{0D108BD9-81ED-4DB2-BD59-A6C34878D82A}">
+                    <a16:rowId xmlns:a16="http://schemas.microsoft.com/office/drawing/2014/main" val="10003"/>
+                  </a:ext>
+                </a:extLst>
               </a:tr>
               <a:tr h="381000">
                 <a:tc>
@@ -8054,7 +8439,7 @@
                     <a:bodyPr/>
                     <a:lstStyle/>
                     <a:p>
-                      <a:pPr indent="0" lvl="0" marL="0" rtl="0" algn="l">
+                      <a:pPr marL="0" lvl="0" indent="0" algn="l" rtl="0">
                         <a:spcBef>
                           <a:spcPts val="0"/>
                         </a:spcBef>
@@ -8070,14 +8455,14 @@
                       <a:endParaRPr/>
                     </a:p>
                   </a:txBody>
-                  <a:tcPr marT="91425" marB="91425" marR="91425" marL="91425"/>
+                  <a:tcPr marL="91425" marR="91425" marT="91425" marB="91425"/>
                 </a:tc>
                 <a:tc>
                   <a:txBody>
                     <a:bodyPr/>
                     <a:lstStyle/>
                     <a:p>
-                      <a:pPr indent="0" lvl="0" marL="0" rtl="0" algn="ctr">
+                      <a:pPr marL="0" lvl="0" indent="0" algn="ctr" rtl="0">
                         <a:spcBef>
                           <a:spcPts val="0"/>
                         </a:spcBef>
@@ -8093,8 +8478,13 @@
                       <a:endParaRPr/>
                     </a:p>
                   </a:txBody>
-                  <a:tcPr marT="91425" marB="91425" marR="91425" marL="91425"/>
+                  <a:tcPr marL="91425" marR="91425" marT="91425" marB="91425"/>
                 </a:tc>
+                <a:extLst>
+                  <a:ext uri="{0D108BD9-81ED-4DB2-BD59-A6C34878D82A}">
+                    <a16:rowId xmlns:a16="http://schemas.microsoft.com/office/drawing/2014/main" val="10004"/>
+                  </a:ext>
+                </a:extLst>
               </a:tr>
               <a:tr h="381000">
                 <a:tc>
@@ -8102,7 +8492,7 @@
                     <a:bodyPr/>
                     <a:lstStyle/>
                     <a:p>
-                      <a:pPr indent="0" lvl="0" marL="0" rtl="0" algn="l">
+                      <a:pPr marL="0" lvl="0" indent="0" algn="l" rtl="0">
                         <a:spcBef>
                           <a:spcPts val="0"/>
                         </a:spcBef>
@@ -8118,14 +8508,14 @@
                       <a:endParaRPr/>
                     </a:p>
                   </a:txBody>
-                  <a:tcPr marT="91425" marB="91425" marR="91425" marL="91425"/>
+                  <a:tcPr marL="91425" marR="91425" marT="91425" marB="91425"/>
                 </a:tc>
                 <a:tc>
                   <a:txBody>
                     <a:bodyPr/>
                     <a:lstStyle/>
                     <a:p>
-                      <a:pPr indent="0" lvl="0" marL="0" rtl="0" algn="ctr">
+                      <a:pPr marL="0" lvl="0" indent="0" algn="ctr" rtl="0">
                         <a:spcBef>
                           <a:spcPts val="0"/>
                         </a:spcBef>
@@ -8141,8 +8531,13 @@
                       <a:endParaRPr/>
                     </a:p>
                   </a:txBody>
-                  <a:tcPr marT="91425" marB="91425" marR="91425" marL="91425"/>
+                  <a:tcPr marL="91425" marR="91425" marT="91425" marB="91425"/>
                 </a:tc>
+                <a:extLst>
+                  <a:ext uri="{0D108BD9-81ED-4DB2-BD59-A6C34878D82A}">
+                    <a16:rowId xmlns:a16="http://schemas.microsoft.com/office/drawing/2014/main" val="10005"/>
+                  </a:ext>
+                </a:extLst>
               </a:tr>
             </a:tbl>
           </a:graphicData>
@@ -8157,11 +8552,11 @@
 </file>
 
 <file path=ppt/slides/slide12.xml><?xml version="1.0" encoding="utf-8"?>
-<p:sld xmlns:a="http://schemas.openxmlformats.org/drawingml/2006/main" xmlns:r="http://schemas.openxmlformats.org/officeDocument/2006/relationships" xmlns:mc="http://schemas.openxmlformats.org/markup-compatibility/2006" xmlns:mv="urn:schemas-microsoft-com:mac:vml" xmlns:p="http://schemas.openxmlformats.org/presentationml/2006/main" xmlns:c="http://schemas.openxmlformats.org/drawingml/2006/chart" xmlns:dgm="http://schemas.openxmlformats.org/drawingml/2006/diagram" xmlns:o="urn:schemas-microsoft-com:office:office" xmlns:v="urn:schemas-microsoft-com:vml" xmlns:pvml="urn:schemas-microsoft-com:office:powerpoint" xmlns:com="http://schemas.openxmlformats.org/drawingml/2006/compatibility" xmlns:p14="http://schemas.microsoft.com/office/powerpoint/2010/main" xmlns:p15="http://schemas.microsoft.com/office/powerpoint/2012/main" xmlns:ahyp="http://schemas.microsoft.com/office/drawing/2018/hyperlinkcolor">
+<p:sld xmlns:a="http://schemas.openxmlformats.org/drawingml/2006/main" xmlns:r="http://schemas.openxmlformats.org/officeDocument/2006/relationships" xmlns:p="http://schemas.openxmlformats.org/presentationml/2006/main">
   <p:cSld>
     <p:spTree>
       <p:nvGrpSpPr>
-        <p:cNvPr id="134" name="Shape 134"/>
+        <p:cNvPr id="1" name="Shape 134"/>
         <p:cNvGrpSpPr/>
         <p:nvPr/>
       </p:nvGrpSpPr>
@@ -8176,7 +8571,9 @@
       <p:sp>
         <p:nvSpPr>
           <p:cNvPr id="135" name="Google Shape;135;p24"/>
-          <p:cNvSpPr txBox="1"/>
+          <p:cNvSpPr txBox="1">
+            <a:spLocks noGrp="1"/>
+          </p:cNvSpPr>
           <p:nvPr>
             <p:ph type="title"/>
           </p:nvPr>
@@ -8191,12 +8588,12 @@
           </a:prstGeom>
         </p:spPr>
         <p:txBody>
-          <a:bodyPr anchorCtr="0" anchor="t" bIns="91425" lIns="91425" spcFirstLastPara="1" rIns="91425" wrap="square" tIns="91425">
+          <a:bodyPr spcFirstLastPara="1" wrap="square" lIns="91425" tIns="91425" rIns="91425" bIns="91425" anchor="t" anchorCtr="0">
             <a:noAutofit/>
           </a:bodyPr>
           <a:lstStyle/>
           <a:p>
-            <a:pPr indent="0" lvl="0" marL="0" rtl="0" algn="l">
+            <a:pPr marL="0" lvl="0" indent="0" algn="l" rtl="0">
               <a:spcBef>
                 <a:spcPts val="0"/>
               </a:spcBef>
@@ -8217,9 +8614,11 @@
       <p:sp>
         <p:nvSpPr>
           <p:cNvPr id="136" name="Google Shape;136;p24"/>
-          <p:cNvSpPr txBox="1"/>
+          <p:cNvSpPr txBox="1">
+            <a:spLocks noGrp="1"/>
+          </p:cNvSpPr>
           <p:nvPr>
-            <p:ph idx="1" type="body"/>
+            <p:ph type="body" idx="1"/>
           </p:nvPr>
         </p:nvSpPr>
         <p:spPr>
@@ -8232,12 +8631,12 @@
           </a:prstGeom>
         </p:spPr>
         <p:txBody>
-          <a:bodyPr anchorCtr="0" anchor="t" bIns="91425" lIns="91425" spcFirstLastPara="1" rIns="91425" wrap="square" tIns="91425">
+          <a:bodyPr spcFirstLastPara="1" wrap="square" lIns="91425" tIns="91425" rIns="91425" bIns="91425" anchor="t" anchorCtr="0">
             <a:normAutofit/>
           </a:bodyPr>
           <a:lstStyle/>
           <a:p>
-            <a:pPr indent="-342900" lvl="0" marL="457200" rtl="0" algn="l">
+            <a:pPr marL="457200" lvl="0" indent="-342900" algn="l" rtl="0">
               <a:spcBef>
                 <a:spcPts val="0"/>
               </a:spcBef>
@@ -8265,7 +8664,7 @@
             </a:endParaRPr>
           </a:p>
           <a:p>
-            <a:pPr indent="-342900" lvl="0" marL="457200" rtl="0" algn="l">
+            <a:pPr marL="457200" lvl="0" indent="-342900" algn="l" rtl="0">
               <a:spcBef>
                 <a:spcPts val="1000"/>
               </a:spcBef>
@@ -8293,7 +8692,7 @@
             </a:endParaRPr>
           </a:p>
           <a:p>
-            <a:pPr indent="-342900" lvl="0" marL="457200" rtl="0" algn="l">
+            <a:pPr marL="457200" lvl="0" indent="-342900" algn="l" rtl="0">
               <a:spcBef>
                 <a:spcPts val="1000"/>
               </a:spcBef>
@@ -8321,7 +8720,7 @@
             </a:endParaRPr>
           </a:p>
           <a:p>
-            <a:pPr indent="-342900" lvl="0" marL="457200" rtl="0" algn="l">
+            <a:pPr marL="457200" lvl="0" indent="-342900" algn="l" rtl="0">
               <a:spcBef>
                 <a:spcPts val="1000"/>
               </a:spcBef>
@@ -8359,11 +8758,11 @@
 </file>
 
 <file path=ppt/slides/slide2.xml><?xml version="1.0" encoding="utf-8"?>
-<p:sld xmlns:a="http://schemas.openxmlformats.org/drawingml/2006/main" xmlns:r="http://schemas.openxmlformats.org/officeDocument/2006/relationships" xmlns:mc="http://schemas.openxmlformats.org/markup-compatibility/2006" xmlns:mv="urn:schemas-microsoft-com:mac:vml" xmlns:p="http://schemas.openxmlformats.org/presentationml/2006/main" xmlns:c="http://schemas.openxmlformats.org/drawingml/2006/chart" xmlns:dgm="http://schemas.openxmlformats.org/drawingml/2006/diagram" xmlns:o="urn:schemas-microsoft-com:office:office" xmlns:v="urn:schemas-microsoft-com:vml" xmlns:pvml="urn:schemas-microsoft-com:office:powerpoint" xmlns:com="http://schemas.openxmlformats.org/drawingml/2006/compatibility" xmlns:p14="http://schemas.microsoft.com/office/powerpoint/2010/main" xmlns:p15="http://schemas.microsoft.com/office/powerpoint/2012/main" xmlns:ahyp="http://schemas.microsoft.com/office/drawing/2018/hyperlinkcolor">
+<p:sld xmlns:a="http://schemas.openxmlformats.org/drawingml/2006/main" xmlns:r="http://schemas.openxmlformats.org/officeDocument/2006/relationships" xmlns:p="http://schemas.openxmlformats.org/presentationml/2006/main">
   <p:cSld>
     <p:spTree>
       <p:nvGrpSpPr>
-        <p:cNvPr id="64" name="Shape 64"/>
+        <p:cNvPr id="1" name="Shape 64"/>
         <p:cNvGrpSpPr/>
         <p:nvPr/>
       </p:nvGrpSpPr>
@@ -8378,7 +8777,9 @@
       <p:sp>
         <p:nvSpPr>
           <p:cNvPr id="65" name="Google Shape;65;p14"/>
-          <p:cNvSpPr txBox="1"/>
+          <p:cNvSpPr txBox="1">
+            <a:spLocks noGrp="1"/>
+          </p:cNvSpPr>
           <p:nvPr>
             <p:ph type="title"/>
           </p:nvPr>
@@ -8393,12 +8794,12 @@
           </a:prstGeom>
         </p:spPr>
         <p:txBody>
-          <a:bodyPr anchorCtr="0" anchor="t" bIns="91425" lIns="91425" spcFirstLastPara="1" rIns="91425" wrap="square" tIns="91425">
+          <a:bodyPr spcFirstLastPara="1" wrap="square" lIns="91425" tIns="91425" rIns="91425" bIns="91425" anchor="t" anchorCtr="0">
             <a:normAutofit fontScale="90000"/>
           </a:bodyPr>
           <a:lstStyle/>
           <a:p>
-            <a:pPr indent="0" lvl="0" marL="0" rtl="0" algn="l">
+            <a:pPr marL="0" lvl="0" indent="0" algn="l" rtl="0">
               <a:spcBef>
                 <a:spcPts val="0"/>
               </a:spcBef>
@@ -8418,9 +8819,11 @@
       <p:sp>
         <p:nvSpPr>
           <p:cNvPr id="66" name="Google Shape;66;p14"/>
-          <p:cNvSpPr txBox="1"/>
+          <p:cNvSpPr txBox="1">
+            <a:spLocks noGrp="1"/>
+          </p:cNvSpPr>
           <p:nvPr>
-            <p:ph idx="1" type="body"/>
+            <p:ph type="body" idx="1"/>
           </p:nvPr>
         </p:nvSpPr>
         <p:spPr>
@@ -8433,12 +8836,12 @@
           </a:prstGeom>
         </p:spPr>
         <p:txBody>
-          <a:bodyPr anchorCtr="0" anchor="t" bIns="91425" lIns="91425" spcFirstLastPara="1" rIns="91425" wrap="square" tIns="91425">
+          <a:bodyPr spcFirstLastPara="1" wrap="square" lIns="91425" tIns="91425" rIns="91425" bIns="91425" anchor="t" anchorCtr="0">
             <a:normAutofit fontScale="77500" lnSpcReduction="20000"/>
           </a:bodyPr>
           <a:lstStyle/>
           <a:p>
-            <a:pPr indent="-327025" lvl="0" marL="457200" rtl="0" algn="l">
+            <a:pPr marL="457200" lvl="0" indent="-327025" algn="l" rtl="0">
               <a:lnSpc>
                 <a:spcPct val="90000"/>
               </a:lnSpc>
@@ -8469,7 +8872,7 @@
             </a:endParaRPr>
           </a:p>
           <a:p>
-            <a:pPr indent="-327025" lvl="0" marL="457200" rtl="0" algn="l">
+            <a:pPr marL="457200" lvl="0" indent="-327025" algn="l" rtl="0">
               <a:lnSpc>
                 <a:spcPct val="90000"/>
               </a:lnSpc>
@@ -8500,7 +8903,7 @@
             </a:endParaRPr>
           </a:p>
           <a:p>
-            <a:pPr indent="-327025" lvl="0" marL="457200" rtl="0" algn="l">
+            <a:pPr marL="457200" lvl="0" indent="-327025" algn="l" rtl="0">
               <a:lnSpc>
                 <a:spcPct val="90000"/>
               </a:lnSpc>
@@ -8531,7 +8934,7 @@
             </a:endParaRPr>
           </a:p>
           <a:p>
-            <a:pPr indent="-327025" lvl="0" marL="457200" rtl="0" algn="l">
+            <a:pPr marL="457200" lvl="0" indent="-327025" algn="l" rtl="0">
               <a:lnSpc>
                 <a:spcPct val="90000"/>
               </a:lnSpc>
@@ -8562,7 +8965,7 @@
             </a:endParaRPr>
           </a:p>
           <a:p>
-            <a:pPr indent="-327025" lvl="1" marL="914400" rtl="0" algn="l">
+            <a:pPr marL="914400" lvl="1" indent="-327025" algn="l" rtl="0">
               <a:lnSpc>
                 <a:spcPct val="90000"/>
               </a:lnSpc>
@@ -8593,7 +8996,7 @@
             </a:endParaRPr>
           </a:p>
           <a:p>
-            <a:pPr indent="-327025" lvl="1" marL="914400" rtl="0" algn="l">
+            <a:pPr marL="914400" lvl="1" indent="-327025" algn="l" rtl="0">
               <a:lnSpc>
                 <a:spcPct val="90000"/>
               </a:lnSpc>
@@ -8618,7 +9021,7 @@
               <a:t>Hyperparameter tuning with </a:t>
             </a:r>
             <a:r>
-              <a:rPr i="1" lang="en-GB" sz="2000">
+              <a:rPr lang="en-GB" sz="2000" i="1">
                 <a:solidFill>
                   <a:schemeClr val="dk1"/>
                 </a:solidFill>
@@ -8640,7 +9043,7 @@
             </a:endParaRPr>
           </a:p>
           <a:p>
-            <a:pPr indent="-327025" lvl="1" marL="914400" rtl="0" algn="l">
+            <a:pPr marL="914400" lvl="1" indent="-327025" algn="l" rtl="0">
               <a:lnSpc>
                 <a:spcPct val="90000"/>
               </a:lnSpc>
@@ -8665,7 +9068,7 @@
               <a:t>Hyperparameter tuning with </a:t>
             </a:r>
             <a:r>
-              <a:rPr i="1" lang="en-GB" sz="2000">
+              <a:rPr lang="en-GB" sz="2000" i="1">
                 <a:solidFill>
                   <a:schemeClr val="dk1"/>
                 </a:solidFill>
@@ -8687,7 +9090,7 @@
             </a:endParaRPr>
           </a:p>
           <a:p>
-            <a:pPr indent="-327025" lvl="0" marL="457200" rtl="0" algn="l">
+            <a:pPr marL="457200" lvl="0" indent="-327025" algn="l" rtl="0">
               <a:lnSpc>
                 <a:spcPct val="90000"/>
               </a:lnSpc>
@@ -8718,7 +9121,7 @@
             </a:endParaRPr>
           </a:p>
           <a:p>
-            <a:pPr indent="-327025" lvl="0" marL="457200" rtl="0" algn="l">
+            <a:pPr marL="457200" lvl="0" indent="-327025" algn="l" rtl="0">
               <a:lnSpc>
                 <a:spcPct val="90000"/>
               </a:lnSpc>
@@ -8749,7 +9152,7 @@
             </a:endParaRPr>
           </a:p>
           <a:p>
-            <a:pPr indent="0" lvl="0" marL="0" rtl="0" algn="l">
+            <a:pPr marL="0" lvl="0" indent="0" algn="l" rtl="0">
               <a:spcBef>
                 <a:spcPts val="1000"/>
               </a:spcBef>
@@ -8758,9 +9161,6 @@
               </a:spcAft>
               <a:buNone/>
             </a:pPr>
-            <a:r>
-              <a:t/>
-            </a:r>
             <a:endParaRPr/>
           </a:p>
         </p:txBody>
@@ -8774,11 +9174,11 @@
 </file>
 
 <file path=ppt/slides/slide3.xml><?xml version="1.0" encoding="utf-8"?>
-<p:sld xmlns:a="http://schemas.openxmlformats.org/drawingml/2006/main" xmlns:r="http://schemas.openxmlformats.org/officeDocument/2006/relationships" xmlns:mc="http://schemas.openxmlformats.org/markup-compatibility/2006" xmlns:mv="urn:schemas-microsoft-com:mac:vml" xmlns:p="http://schemas.openxmlformats.org/presentationml/2006/main" xmlns:c="http://schemas.openxmlformats.org/drawingml/2006/chart" xmlns:dgm="http://schemas.openxmlformats.org/drawingml/2006/diagram" xmlns:o="urn:schemas-microsoft-com:office:office" xmlns:v="urn:schemas-microsoft-com:vml" xmlns:pvml="urn:schemas-microsoft-com:office:powerpoint" xmlns:com="http://schemas.openxmlformats.org/drawingml/2006/compatibility" xmlns:p14="http://schemas.microsoft.com/office/powerpoint/2010/main" xmlns:p15="http://schemas.microsoft.com/office/powerpoint/2012/main" xmlns:ahyp="http://schemas.microsoft.com/office/drawing/2018/hyperlinkcolor">
+<p:sld xmlns:a="http://schemas.openxmlformats.org/drawingml/2006/main" xmlns:r="http://schemas.openxmlformats.org/officeDocument/2006/relationships" xmlns:p="http://schemas.openxmlformats.org/presentationml/2006/main">
   <p:cSld>
     <p:spTree>
       <p:nvGrpSpPr>
-        <p:cNvPr id="70" name="Shape 70"/>
+        <p:cNvPr id="1" name="Shape 70"/>
         <p:cNvGrpSpPr/>
         <p:nvPr/>
       </p:nvGrpSpPr>
@@ -8793,7 +9193,9 @@
       <p:sp>
         <p:nvSpPr>
           <p:cNvPr id="71" name="Google Shape;71;p15"/>
-          <p:cNvSpPr txBox="1"/>
+          <p:cNvSpPr txBox="1">
+            <a:spLocks noGrp="1"/>
+          </p:cNvSpPr>
           <p:nvPr>
             <p:ph type="title"/>
           </p:nvPr>
@@ -8808,12 +9210,12 @@
           </a:prstGeom>
         </p:spPr>
         <p:txBody>
-          <a:bodyPr anchorCtr="0" anchor="t" bIns="91425" lIns="91425" spcFirstLastPara="1" rIns="91425" wrap="square" tIns="91425">
+          <a:bodyPr spcFirstLastPara="1" wrap="square" lIns="91425" tIns="91425" rIns="91425" bIns="91425" anchor="t" anchorCtr="0">
             <a:normAutofit fontScale="90000"/>
           </a:bodyPr>
           <a:lstStyle/>
           <a:p>
-            <a:pPr indent="0" lvl="0" marL="0" rtl="0" algn="l">
+            <a:pPr marL="0" lvl="0" indent="0" algn="l" rtl="0">
               <a:spcBef>
                 <a:spcPts val="0"/>
               </a:spcBef>
@@ -8833,9 +9235,11 @@
       <p:sp>
         <p:nvSpPr>
           <p:cNvPr id="72" name="Google Shape;72;p15"/>
-          <p:cNvSpPr txBox="1"/>
+          <p:cNvSpPr txBox="1">
+            <a:spLocks noGrp="1"/>
+          </p:cNvSpPr>
           <p:nvPr>
-            <p:ph idx="1" type="body"/>
+            <p:ph type="body" idx="1"/>
           </p:nvPr>
         </p:nvSpPr>
         <p:spPr>
@@ -8848,12 +9252,12 @@
           </a:prstGeom>
         </p:spPr>
         <p:txBody>
-          <a:bodyPr anchorCtr="0" anchor="t" bIns="91425" lIns="91425" spcFirstLastPara="1" rIns="91425" wrap="square" tIns="91425">
+          <a:bodyPr spcFirstLastPara="1" wrap="square" lIns="91425" tIns="91425" rIns="91425" bIns="91425" anchor="t" anchorCtr="0">
             <a:normAutofit/>
           </a:bodyPr>
           <a:lstStyle/>
           <a:p>
-            <a:pPr indent="-330200" lvl="0" marL="457200" rtl="0" algn="l">
+            <a:pPr marL="457200" lvl="0" indent="-330200" algn="l" rtl="0">
               <a:lnSpc>
                 <a:spcPct val="115000"/>
               </a:lnSpc>
@@ -8878,7 +9282,7 @@
               <a:t>We use the </a:t>
             </a:r>
             <a:r>
-              <a:rPr b="1" lang="en-GB" sz="1600">
+              <a:rPr lang="en-GB" sz="1600" b="1">
                 <a:solidFill>
                   <a:schemeClr val="dk1"/>
                 </a:solidFill>
@@ -8900,7 +9304,7 @@
             </a:endParaRPr>
           </a:p>
           <a:p>
-            <a:pPr indent="-330200" lvl="0" marL="457200" rtl="0" algn="l">
+            <a:pPr marL="457200" lvl="0" indent="-330200" algn="l" rtl="0">
               <a:lnSpc>
                 <a:spcPct val="115000"/>
               </a:lnSpc>
@@ -8931,7 +9335,7 @@
             </a:endParaRPr>
           </a:p>
           <a:p>
-            <a:pPr indent="0" lvl="0" marL="0" rtl="0" algn="l">
+            <a:pPr marL="0" lvl="0" indent="0" algn="l" rtl="0">
               <a:spcBef>
                 <a:spcPts val="1000"/>
               </a:spcBef>
@@ -8940,9 +9344,6 @@
               </a:spcAft>
               <a:buNone/>
             </a:pPr>
-            <a:r>
-              <a:t/>
-            </a:r>
             <a:endParaRPr/>
           </a:p>
         </p:txBody>
@@ -8956,11 +9357,11 @@
 </file>
 
 <file path=ppt/slides/slide4.xml><?xml version="1.0" encoding="utf-8"?>
-<p:sld xmlns:a="http://schemas.openxmlformats.org/drawingml/2006/main" xmlns:r="http://schemas.openxmlformats.org/officeDocument/2006/relationships" xmlns:mc="http://schemas.openxmlformats.org/markup-compatibility/2006" xmlns:mv="urn:schemas-microsoft-com:mac:vml" xmlns:p="http://schemas.openxmlformats.org/presentationml/2006/main" xmlns:c="http://schemas.openxmlformats.org/drawingml/2006/chart" xmlns:dgm="http://schemas.openxmlformats.org/drawingml/2006/diagram" xmlns:o="urn:schemas-microsoft-com:office:office" xmlns:v="urn:schemas-microsoft-com:vml" xmlns:pvml="urn:schemas-microsoft-com:office:powerpoint" xmlns:com="http://schemas.openxmlformats.org/drawingml/2006/compatibility" xmlns:p14="http://schemas.microsoft.com/office/powerpoint/2010/main" xmlns:p15="http://schemas.microsoft.com/office/powerpoint/2012/main" xmlns:ahyp="http://schemas.microsoft.com/office/drawing/2018/hyperlinkcolor">
+<p:sld xmlns:a="http://schemas.openxmlformats.org/drawingml/2006/main" xmlns:r="http://schemas.openxmlformats.org/officeDocument/2006/relationships" xmlns:p="http://schemas.openxmlformats.org/presentationml/2006/main">
   <p:cSld>
     <p:spTree>
       <p:nvGrpSpPr>
-        <p:cNvPr id="76" name="Shape 76"/>
+        <p:cNvPr id="1" name="Shape 76"/>
         <p:cNvGrpSpPr/>
         <p:nvPr/>
       </p:nvGrpSpPr>
@@ -8975,7 +9376,9 @@
       <p:sp>
         <p:nvSpPr>
           <p:cNvPr id="77" name="Google Shape;77;p16"/>
-          <p:cNvSpPr txBox="1"/>
+          <p:cNvSpPr txBox="1">
+            <a:spLocks noGrp="1"/>
+          </p:cNvSpPr>
           <p:nvPr>
             <p:ph type="title"/>
           </p:nvPr>
@@ -8990,12 +9393,12 @@
           </a:prstGeom>
         </p:spPr>
         <p:txBody>
-          <a:bodyPr anchorCtr="0" anchor="t" bIns="91425" lIns="91425" spcFirstLastPara="1" rIns="91425" wrap="square" tIns="91425">
+          <a:bodyPr spcFirstLastPara="1" wrap="square" lIns="91425" tIns="91425" rIns="91425" bIns="91425" anchor="t" anchorCtr="0">
             <a:normAutofit fontScale="90000"/>
           </a:bodyPr>
           <a:lstStyle/>
           <a:p>
-            <a:pPr indent="0" lvl="0" marL="0" rtl="0" algn="l">
+            <a:pPr marL="0" lvl="0" indent="0" algn="l" rtl="0">
               <a:spcBef>
                 <a:spcPts val="0"/>
               </a:spcBef>
@@ -9015,9 +9418,11 @@
       <p:sp>
         <p:nvSpPr>
           <p:cNvPr id="78" name="Google Shape;78;p16"/>
-          <p:cNvSpPr txBox="1"/>
+          <p:cNvSpPr txBox="1">
+            <a:spLocks noGrp="1"/>
+          </p:cNvSpPr>
           <p:nvPr>
-            <p:ph idx="1" type="body"/>
+            <p:ph type="body" idx="1"/>
           </p:nvPr>
         </p:nvSpPr>
         <p:spPr>
@@ -9030,12 +9435,12 @@
           </a:prstGeom>
         </p:spPr>
         <p:txBody>
-          <a:bodyPr anchorCtr="0" anchor="t" bIns="91425" lIns="91425" spcFirstLastPara="1" rIns="91425" wrap="square" tIns="91425">
+          <a:bodyPr spcFirstLastPara="1" wrap="square" lIns="91425" tIns="91425" rIns="91425" bIns="91425" anchor="t" anchorCtr="0">
             <a:normAutofit fontScale="62500" lnSpcReduction="10000"/>
           </a:bodyPr>
           <a:lstStyle/>
           <a:p>
-            <a:pPr indent="-323850" lvl="0" marL="457200" rtl="0" algn="l">
+            <a:pPr marL="457200" lvl="0" indent="-323850" algn="l" rtl="0">
               <a:lnSpc>
                 <a:spcPct val="90000"/>
               </a:lnSpc>
@@ -9052,7 +9457,7 @@
               <a:buChar char="●"/>
             </a:pPr>
             <a:r>
-              <a:rPr b="1" lang="en-GB" sz="2400">
+              <a:rPr lang="en-GB" sz="2400" b="1">
                 <a:solidFill>
                   <a:schemeClr val="dk1"/>
                 </a:solidFill>
@@ -9068,7 +9473,7 @@
               <a:t>– Our target variable has </a:t>
             </a:r>
             <a:r>
-              <a:rPr b="1" lang="en-GB" sz="2400">
+              <a:rPr lang="en-GB" sz="2400" b="1">
                 <a:solidFill>
                   <a:schemeClr val="dk1"/>
                 </a:solidFill>
@@ -9090,7 +9495,7 @@
             </a:endParaRPr>
           </a:p>
           <a:p>
-            <a:pPr indent="-323850" lvl="0" marL="457200" rtl="0" algn="l">
+            <a:pPr marL="457200" lvl="0" indent="-323850" algn="l" rtl="0">
               <a:lnSpc>
                 <a:spcPct val="90000"/>
               </a:lnSpc>
@@ -9107,7 +9512,7 @@
               <a:buChar char="●"/>
             </a:pPr>
             <a:r>
-              <a:rPr b="1" lang="en-GB" sz="2400">
+              <a:rPr lang="en-GB" sz="2400" b="1">
                 <a:solidFill>
                   <a:schemeClr val="dk1"/>
                 </a:solidFill>
@@ -9129,7 +9534,7 @@
             </a:endParaRPr>
           </a:p>
           <a:p>
-            <a:pPr indent="0" lvl="0" marL="457200" rtl="0" algn="l">
+            <a:pPr marL="457200" lvl="0" indent="0" algn="l" rtl="0">
               <a:lnSpc>
                 <a:spcPct val="90000"/>
               </a:lnSpc>
@@ -9147,21 +9552,21 @@
               <a:buNone/>
             </a:pPr>
             <a:r>
-              <a:rPr b="1" lang="en-GB" sz="2400">
+              <a:rPr lang="en-GB" sz="2400" b="1">
                 <a:solidFill>
                   <a:schemeClr val="dk1"/>
                 </a:solidFill>
               </a:rPr>
               <a:t>Observation:</a:t>
             </a:r>
-            <a:endParaRPr b="1" sz="2400">
+            <a:endParaRPr sz="2400" b="1">
               <a:solidFill>
                 <a:schemeClr val="dk1"/>
               </a:solidFill>
             </a:endParaRPr>
           </a:p>
           <a:p>
-            <a:pPr indent="0" lvl="0" marL="457200" rtl="0" algn="l">
+            <a:pPr marL="457200" lvl="0" indent="0" algn="l" rtl="0">
               <a:lnSpc>
                 <a:spcPct val="90000"/>
               </a:lnSpc>
@@ -9179,7 +9584,7 @@
               <a:buNone/>
             </a:pPr>
             <a:r>
-              <a:rPr b="1" lang="en-GB" sz="2400">
+              <a:rPr lang="en-GB" sz="2400" b="1">
                 <a:solidFill>
                   <a:schemeClr val="dk1"/>
                 </a:solidFill>
@@ -9201,7 +9606,7 @@
             </a:endParaRPr>
           </a:p>
           <a:p>
-            <a:pPr indent="0" lvl="0" marL="457200" rtl="0" algn="l">
+            <a:pPr marL="457200" lvl="0" indent="0" algn="l" rtl="0">
               <a:lnSpc>
                 <a:spcPct val="90000"/>
               </a:lnSpc>
@@ -9233,7 +9638,7 @@
             </a:endParaRPr>
           </a:p>
           <a:p>
-            <a:pPr indent="0" lvl="0" marL="457200" rtl="0" algn="l">
+            <a:pPr marL="457200" lvl="0" indent="0" algn="l" rtl="0">
               <a:lnSpc>
                 <a:spcPct val="90000"/>
               </a:lnSpc>
@@ -9251,21 +9656,21 @@
               <a:buNone/>
             </a:pPr>
             <a:r>
-              <a:rPr b="1" lang="en-GB" sz="2400">
+              <a:rPr lang="en-GB" sz="2400" b="1">
                 <a:solidFill>
                   <a:schemeClr val="dk1"/>
                 </a:solidFill>
               </a:rPr>
               <a:t>Strategy for replacing missing values:</a:t>
             </a:r>
-            <a:endParaRPr b="1" sz="2400">
+            <a:endParaRPr sz="2400" b="1">
               <a:solidFill>
                 <a:schemeClr val="dk1"/>
               </a:solidFill>
             </a:endParaRPr>
           </a:p>
           <a:p>
-            <a:pPr indent="0" lvl="0" marL="457200" rtl="0" algn="l">
+            <a:pPr marL="457200" lvl="0" indent="0" algn="l" rtl="0">
               <a:lnSpc>
                 <a:spcPct val="90000"/>
               </a:lnSpc>
@@ -9291,7 +9696,7 @@
               <a:t>We replace missing value with the most_frequent value observed using </a:t>
             </a:r>
             <a:r>
-              <a:rPr i="1" lang="en-GB" sz="2400">
+              <a:rPr lang="en-GB" sz="2400" i="1">
                 <a:solidFill>
                   <a:schemeClr val="dk1"/>
                 </a:solidFill>
@@ -9313,7 +9718,7 @@
             </a:endParaRPr>
           </a:p>
           <a:p>
-            <a:pPr indent="-323850" lvl="0" marL="457200" rtl="0" algn="l">
+            <a:pPr marL="457200" lvl="0" indent="-323850" algn="l" rtl="0">
               <a:lnSpc>
                 <a:spcPct val="90000"/>
               </a:lnSpc>
@@ -9330,7 +9735,7 @@
               <a:buChar char="●"/>
             </a:pPr>
             <a:r>
-              <a:rPr b="1" lang="en-GB" sz="2400">
+              <a:rPr lang="en-GB" sz="2400" b="1">
                 <a:solidFill>
                   <a:schemeClr val="dk1"/>
                 </a:solidFill>
@@ -9358,11 +9763,11 @@
 </file>
 
 <file path=ppt/slides/slide5.xml><?xml version="1.0" encoding="utf-8"?>
-<p:sld xmlns:a="http://schemas.openxmlformats.org/drawingml/2006/main" xmlns:r="http://schemas.openxmlformats.org/officeDocument/2006/relationships" xmlns:mc="http://schemas.openxmlformats.org/markup-compatibility/2006" xmlns:mv="urn:schemas-microsoft-com:mac:vml" xmlns:p="http://schemas.openxmlformats.org/presentationml/2006/main" xmlns:c="http://schemas.openxmlformats.org/drawingml/2006/chart" xmlns:dgm="http://schemas.openxmlformats.org/drawingml/2006/diagram" xmlns:o="urn:schemas-microsoft-com:office:office" xmlns:v="urn:schemas-microsoft-com:vml" xmlns:pvml="urn:schemas-microsoft-com:office:powerpoint" xmlns:com="http://schemas.openxmlformats.org/drawingml/2006/compatibility" xmlns:p14="http://schemas.microsoft.com/office/powerpoint/2010/main" xmlns:p15="http://schemas.microsoft.com/office/powerpoint/2012/main" xmlns:ahyp="http://schemas.microsoft.com/office/drawing/2018/hyperlinkcolor">
+<p:sld xmlns:a="http://schemas.openxmlformats.org/drawingml/2006/main" xmlns:r="http://schemas.openxmlformats.org/officeDocument/2006/relationships" xmlns:p="http://schemas.openxmlformats.org/presentationml/2006/main">
   <p:cSld>
     <p:spTree>
       <p:nvGrpSpPr>
-        <p:cNvPr id="82" name="Shape 82"/>
+        <p:cNvPr id="1" name="Shape 82"/>
         <p:cNvGrpSpPr/>
         <p:nvPr/>
       </p:nvGrpSpPr>
@@ -9377,7 +9782,9 @@
       <p:sp>
         <p:nvSpPr>
           <p:cNvPr id="83" name="Google Shape;83;p17"/>
-          <p:cNvSpPr txBox="1"/>
+          <p:cNvSpPr txBox="1">
+            <a:spLocks noGrp="1"/>
+          </p:cNvSpPr>
           <p:nvPr>
             <p:ph type="title"/>
           </p:nvPr>
@@ -9392,12 +9799,12 @@
           </a:prstGeom>
         </p:spPr>
         <p:txBody>
-          <a:bodyPr anchorCtr="0" anchor="t" bIns="91425" lIns="91425" spcFirstLastPara="1" rIns="91425" wrap="square" tIns="91425">
+          <a:bodyPr spcFirstLastPara="1" wrap="square" lIns="91425" tIns="91425" rIns="91425" bIns="91425" anchor="t" anchorCtr="0">
             <a:normAutofit fontScale="90000"/>
           </a:bodyPr>
           <a:lstStyle/>
           <a:p>
-            <a:pPr indent="0" lvl="0" marL="0" rtl="0" algn="l">
+            <a:pPr marL="0" lvl="0" indent="0" algn="l" rtl="0">
               <a:spcBef>
                 <a:spcPts val="0"/>
               </a:spcBef>
@@ -9417,9 +9824,11 @@
       <p:sp>
         <p:nvSpPr>
           <p:cNvPr id="84" name="Google Shape;84;p17"/>
-          <p:cNvSpPr txBox="1"/>
+          <p:cNvSpPr txBox="1">
+            <a:spLocks noGrp="1"/>
+          </p:cNvSpPr>
           <p:nvPr>
-            <p:ph idx="1" type="body"/>
+            <p:ph type="body" idx="1"/>
           </p:nvPr>
         </p:nvSpPr>
         <p:spPr>
@@ -9432,12 +9841,12 @@
           </a:prstGeom>
         </p:spPr>
         <p:txBody>
-          <a:bodyPr anchorCtr="0" anchor="t" bIns="91425" lIns="91425" spcFirstLastPara="1" rIns="91425" wrap="square" tIns="91425">
+          <a:bodyPr spcFirstLastPara="1" wrap="square" lIns="91425" tIns="91425" rIns="91425" bIns="91425" anchor="t" anchorCtr="0">
             <a:normAutofit/>
           </a:bodyPr>
           <a:lstStyle/>
           <a:p>
-            <a:pPr indent="0" lvl="0" marL="0" rtl="0" algn="l">
+            <a:pPr marL="0" lvl="0" indent="0" algn="l" rtl="0">
               <a:lnSpc>
                 <a:spcPct val="90000"/>
               </a:lnSpc>
@@ -9469,7 +9878,7 @@
             </a:endParaRPr>
           </a:p>
           <a:p>
-            <a:pPr indent="0" lvl="0" marL="0" rtl="0" algn="l">
+            <a:pPr marL="0" lvl="0" indent="0" algn="l" rtl="0">
               <a:spcBef>
                 <a:spcPts val="0"/>
               </a:spcBef>
@@ -9478,9 +9887,6 @@
               </a:spcAft>
               <a:buNone/>
             </a:pPr>
-            <a:r>
-              <a:t/>
-            </a:r>
             <a:endParaRPr/>
           </a:p>
         </p:txBody>
@@ -9522,11 +9928,11 @@
 </file>
 
 <file path=ppt/slides/slide6.xml><?xml version="1.0" encoding="utf-8"?>
-<p:sld xmlns:a="http://schemas.openxmlformats.org/drawingml/2006/main" xmlns:r="http://schemas.openxmlformats.org/officeDocument/2006/relationships" xmlns:mc="http://schemas.openxmlformats.org/markup-compatibility/2006" xmlns:mv="urn:schemas-microsoft-com:mac:vml" xmlns:p="http://schemas.openxmlformats.org/presentationml/2006/main" xmlns:c="http://schemas.openxmlformats.org/drawingml/2006/chart" xmlns:dgm="http://schemas.openxmlformats.org/drawingml/2006/diagram" xmlns:o="urn:schemas-microsoft-com:office:office" xmlns:v="urn:schemas-microsoft-com:vml" xmlns:pvml="urn:schemas-microsoft-com:office:powerpoint" xmlns:com="http://schemas.openxmlformats.org/drawingml/2006/compatibility" xmlns:p14="http://schemas.microsoft.com/office/powerpoint/2010/main" xmlns:p15="http://schemas.microsoft.com/office/powerpoint/2012/main" xmlns:ahyp="http://schemas.microsoft.com/office/drawing/2018/hyperlinkcolor">
+<p:sld xmlns:a="http://schemas.openxmlformats.org/drawingml/2006/main" xmlns:r="http://schemas.openxmlformats.org/officeDocument/2006/relationships" xmlns:p="http://schemas.openxmlformats.org/presentationml/2006/main">
   <p:cSld>
     <p:spTree>
       <p:nvGrpSpPr>
-        <p:cNvPr id="89" name="Shape 89"/>
+        <p:cNvPr id="1" name="Shape 89"/>
         <p:cNvGrpSpPr/>
         <p:nvPr/>
       </p:nvGrpSpPr>
@@ -9541,7 +9947,9 @@
       <p:sp>
         <p:nvSpPr>
           <p:cNvPr id="90" name="Google Shape;90;p18"/>
-          <p:cNvSpPr txBox="1"/>
+          <p:cNvSpPr txBox="1">
+            <a:spLocks noGrp="1"/>
+          </p:cNvSpPr>
           <p:nvPr>
             <p:ph type="title"/>
           </p:nvPr>
@@ -9556,12 +9964,12 @@
           </a:prstGeom>
         </p:spPr>
         <p:txBody>
-          <a:bodyPr anchorCtr="0" anchor="t" bIns="91425" lIns="91425" spcFirstLastPara="1" rIns="91425" wrap="square" tIns="91425">
+          <a:bodyPr spcFirstLastPara="1" wrap="square" lIns="91425" tIns="91425" rIns="91425" bIns="91425" anchor="t" anchorCtr="0">
             <a:normAutofit fontScale="90000"/>
           </a:bodyPr>
           <a:lstStyle/>
           <a:p>
-            <a:pPr indent="0" lvl="0" marL="0" rtl="0" algn="l">
+            <a:pPr marL="0" lvl="0" indent="0" algn="l" rtl="0">
               <a:spcBef>
                 <a:spcPts val="0"/>
               </a:spcBef>
@@ -9581,9 +9989,11 @@
       <p:sp>
         <p:nvSpPr>
           <p:cNvPr id="91" name="Google Shape;91;p18"/>
-          <p:cNvSpPr txBox="1"/>
+          <p:cNvSpPr txBox="1">
+            <a:spLocks noGrp="1"/>
+          </p:cNvSpPr>
           <p:nvPr>
-            <p:ph idx="1" type="body"/>
+            <p:ph type="body" idx="1"/>
           </p:nvPr>
         </p:nvSpPr>
         <p:spPr>
@@ -9596,12 +10006,12 @@
           </a:prstGeom>
         </p:spPr>
         <p:txBody>
-          <a:bodyPr anchorCtr="0" anchor="t" bIns="91425" lIns="91425" spcFirstLastPara="1" rIns="91425" wrap="square" tIns="91425">
+          <a:bodyPr spcFirstLastPara="1" wrap="square" lIns="91425" tIns="91425" rIns="91425" bIns="91425" anchor="t" anchorCtr="0">
             <a:normAutofit/>
           </a:bodyPr>
           <a:lstStyle/>
           <a:p>
-            <a:pPr indent="-335942" lvl="0" marL="457200" rtl="0" algn="l">
+            <a:pPr marL="457200" lvl="0" indent="-335942" algn="l" rtl="0">
               <a:lnSpc>
                 <a:spcPct val="90000"/>
               </a:lnSpc>
@@ -9632,7 +10042,7 @@
             </a:endParaRPr>
           </a:p>
           <a:p>
-            <a:pPr indent="-335942" lvl="0" marL="457200" rtl="0" algn="l">
+            <a:pPr marL="457200" lvl="0" indent="-335942" algn="l" rtl="0">
               <a:lnSpc>
                 <a:spcPct val="90000"/>
               </a:lnSpc>
@@ -9663,7 +10073,7 @@
             </a:endParaRPr>
           </a:p>
           <a:p>
-            <a:pPr indent="-335942" lvl="0" marL="457200" rtl="0" algn="l">
+            <a:pPr marL="457200" lvl="0" indent="-335942" algn="l" rtl="0">
               <a:lnSpc>
                 <a:spcPct val="90000"/>
               </a:lnSpc>
@@ -9694,7 +10104,7 @@
             </a:endParaRPr>
           </a:p>
           <a:p>
-            <a:pPr indent="0" lvl="0" marL="0" rtl="0" algn="l">
+            <a:pPr marL="0" lvl="0" indent="0" algn="l" rtl="0">
               <a:spcBef>
                 <a:spcPts val="1000"/>
               </a:spcBef>
@@ -9703,9 +10113,6 @@
               </a:spcAft>
               <a:buNone/>
             </a:pPr>
-            <a:r>
-              <a:t/>
-            </a:r>
             <a:endParaRPr/>
           </a:p>
         </p:txBody>
@@ -9747,11 +10154,11 @@
 </file>
 
 <file path=ppt/slides/slide7.xml><?xml version="1.0" encoding="utf-8"?>
-<p:sld xmlns:a="http://schemas.openxmlformats.org/drawingml/2006/main" xmlns:r="http://schemas.openxmlformats.org/officeDocument/2006/relationships" xmlns:mc="http://schemas.openxmlformats.org/markup-compatibility/2006" xmlns:mv="urn:schemas-microsoft-com:mac:vml" xmlns:p="http://schemas.openxmlformats.org/presentationml/2006/main" xmlns:c="http://schemas.openxmlformats.org/drawingml/2006/chart" xmlns:dgm="http://schemas.openxmlformats.org/drawingml/2006/diagram" xmlns:o="urn:schemas-microsoft-com:office:office" xmlns:v="urn:schemas-microsoft-com:vml" xmlns:pvml="urn:schemas-microsoft-com:office:powerpoint" xmlns:com="http://schemas.openxmlformats.org/drawingml/2006/compatibility" xmlns:p14="http://schemas.microsoft.com/office/powerpoint/2010/main" xmlns:p15="http://schemas.microsoft.com/office/powerpoint/2012/main" xmlns:ahyp="http://schemas.microsoft.com/office/drawing/2018/hyperlinkcolor">
+<p:sld xmlns:a="http://schemas.openxmlformats.org/drawingml/2006/main" xmlns:r="http://schemas.openxmlformats.org/officeDocument/2006/relationships" xmlns:p="http://schemas.openxmlformats.org/presentationml/2006/main">
   <p:cSld>
     <p:spTree>
       <p:nvGrpSpPr>
-        <p:cNvPr id="96" name="Shape 96"/>
+        <p:cNvPr id="1" name="Shape 96"/>
         <p:cNvGrpSpPr/>
         <p:nvPr/>
       </p:nvGrpSpPr>
@@ -9766,7 +10173,9 @@
       <p:sp>
         <p:nvSpPr>
           <p:cNvPr id="97" name="Google Shape;97;p19"/>
-          <p:cNvSpPr txBox="1"/>
+          <p:cNvSpPr txBox="1">
+            <a:spLocks noGrp="1"/>
+          </p:cNvSpPr>
           <p:nvPr>
             <p:ph type="title"/>
           </p:nvPr>
@@ -9781,12 +10190,12 @@
           </a:prstGeom>
         </p:spPr>
         <p:txBody>
-          <a:bodyPr anchorCtr="0" anchor="t" bIns="91425" lIns="91425" spcFirstLastPara="1" rIns="91425" wrap="square" tIns="91425">
+          <a:bodyPr spcFirstLastPara="1" wrap="square" lIns="91425" tIns="91425" rIns="91425" bIns="91425" anchor="t" anchorCtr="0">
             <a:normAutofit fontScale="90000"/>
           </a:bodyPr>
           <a:lstStyle/>
           <a:p>
-            <a:pPr indent="0" lvl="0" marL="0" rtl="0" algn="l">
+            <a:pPr marL="0" lvl="0" indent="0" algn="l" rtl="0">
               <a:spcBef>
                 <a:spcPts val="0"/>
               </a:spcBef>
@@ -9806,9 +10215,11 @@
       <p:sp>
         <p:nvSpPr>
           <p:cNvPr id="98" name="Google Shape;98;p19"/>
-          <p:cNvSpPr txBox="1"/>
+          <p:cNvSpPr txBox="1">
+            <a:spLocks noGrp="1"/>
+          </p:cNvSpPr>
           <p:nvPr>
-            <p:ph idx="1" type="body"/>
+            <p:ph type="body" idx="1"/>
           </p:nvPr>
         </p:nvSpPr>
         <p:spPr>
@@ -9821,12 +10232,12 @@
           </a:prstGeom>
         </p:spPr>
         <p:txBody>
-          <a:bodyPr anchorCtr="0" anchor="t" bIns="91425" lIns="91425" spcFirstLastPara="1" rIns="91425" wrap="square" tIns="91425">
+          <a:bodyPr spcFirstLastPara="1" wrap="square" lIns="91425" tIns="91425" rIns="91425" bIns="91425" anchor="t" anchorCtr="0">
             <a:normAutofit/>
           </a:bodyPr>
           <a:lstStyle/>
           <a:p>
-            <a:pPr indent="-330200" lvl="0" marL="457200" rtl="0" algn="l">
+            <a:pPr marL="457200" lvl="0" indent="-330200" algn="l" rtl="0">
               <a:lnSpc>
                 <a:spcPct val="90000"/>
               </a:lnSpc>
@@ -9843,21 +10254,21 @@
               <a:buChar char="●"/>
             </a:pPr>
             <a:r>
-              <a:rPr lang="en-GB" sz="1600">
+              <a:rPr lang="en-GB" sz="1600" dirty="0">
                 <a:solidFill>
                   <a:schemeClr val="dk1"/>
                 </a:solidFill>
               </a:rPr>
               <a:t>Correlation matrix used to select top 4 features with highest positive correlation to target variable.</a:t>
             </a:r>
-            <a:endParaRPr sz="1600">
+            <a:endParaRPr sz="1600" dirty="0">
               <a:solidFill>
                 <a:schemeClr val="dk1"/>
               </a:solidFill>
             </a:endParaRPr>
           </a:p>
           <a:p>
-            <a:pPr indent="-330200" lvl="0" marL="457200" rtl="0" algn="l">
+            <a:pPr marL="457200" lvl="0" indent="-330200" algn="l" rtl="0">
               <a:lnSpc>
                 <a:spcPct val="90000"/>
               </a:lnSpc>
@@ -9874,21 +10285,21 @@
               <a:buChar char="●"/>
             </a:pPr>
             <a:r>
-              <a:rPr lang="en-GB" sz="1600">
+              <a:rPr lang="en-GB" sz="1600" dirty="0">
                 <a:solidFill>
                   <a:schemeClr val="dk1"/>
                 </a:solidFill>
               </a:rPr>
               <a:t>New model with reduced features had slightly lower accuracy (75.15%), but was simpler and faster to train and predict.</a:t>
             </a:r>
-            <a:endParaRPr sz="1600">
+            <a:endParaRPr sz="1600" dirty="0">
               <a:solidFill>
                 <a:schemeClr val="dk1"/>
               </a:solidFill>
             </a:endParaRPr>
           </a:p>
           <a:p>
-            <a:pPr indent="-330200" lvl="0" marL="457200" rtl="0" algn="l">
+            <a:pPr marL="457200" lvl="0" indent="-330200" algn="l" rtl="0">
               <a:lnSpc>
                 <a:spcPct val="90000"/>
               </a:lnSpc>
@@ -9905,21 +10316,21 @@
               <a:buChar char="●"/>
             </a:pPr>
             <a:r>
-              <a:rPr lang="en-GB" sz="1600">
+              <a:rPr lang="en-GB" sz="1600" dirty="0">
                 <a:solidFill>
                   <a:schemeClr val="dk1"/>
                 </a:solidFill>
               </a:rPr>
               <a:t>Additional features may be correlated with other features or irrelevant to target variable.</a:t>
             </a:r>
-            <a:endParaRPr sz="1600">
+            <a:endParaRPr sz="1600" dirty="0">
               <a:solidFill>
                 <a:schemeClr val="dk1"/>
               </a:solidFill>
             </a:endParaRPr>
           </a:p>
           <a:p>
-            <a:pPr indent="0" lvl="0" marL="0" rtl="0" algn="l">
+            <a:pPr marL="0" lvl="0" indent="0" algn="l" rtl="0">
               <a:spcBef>
                 <a:spcPts val="1000"/>
               </a:spcBef>
@@ -9928,10 +10339,7 @@
               </a:spcAft>
               <a:buNone/>
             </a:pPr>
-            <a:r>
-              <a:t/>
-            </a:r>
-            <a:endParaRPr/>
+            <a:endParaRPr dirty="0"/>
           </a:p>
         </p:txBody>
       </p:sp>
@@ -10000,11 +10408,11 @@
 </file>
 
 <file path=ppt/slides/slide8.xml><?xml version="1.0" encoding="utf-8"?>
-<p:sld xmlns:a="http://schemas.openxmlformats.org/drawingml/2006/main" xmlns:r="http://schemas.openxmlformats.org/officeDocument/2006/relationships" xmlns:mc="http://schemas.openxmlformats.org/markup-compatibility/2006" xmlns:mv="urn:schemas-microsoft-com:mac:vml" xmlns:p="http://schemas.openxmlformats.org/presentationml/2006/main" xmlns:c="http://schemas.openxmlformats.org/drawingml/2006/chart" xmlns:dgm="http://schemas.openxmlformats.org/drawingml/2006/diagram" xmlns:o="urn:schemas-microsoft-com:office:office" xmlns:v="urn:schemas-microsoft-com:vml" xmlns:pvml="urn:schemas-microsoft-com:office:powerpoint" xmlns:com="http://schemas.openxmlformats.org/drawingml/2006/compatibility" xmlns:p14="http://schemas.microsoft.com/office/powerpoint/2010/main" xmlns:p15="http://schemas.microsoft.com/office/powerpoint/2012/main" xmlns:ahyp="http://schemas.microsoft.com/office/drawing/2018/hyperlinkcolor">
+<p:sld xmlns:a="http://schemas.openxmlformats.org/drawingml/2006/main" xmlns:r="http://schemas.openxmlformats.org/officeDocument/2006/relationships" xmlns:p="http://schemas.openxmlformats.org/presentationml/2006/main">
   <p:cSld>
     <p:spTree>
       <p:nvGrpSpPr>
-        <p:cNvPr id="104" name="Shape 104"/>
+        <p:cNvPr id="1" name="Shape 104"/>
         <p:cNvGrpSpPr/>
         <p:nvPr/>
       </p:nvGrpSpPr>
@@ -10019,7 +10427,9 @@
       <p:sp>
         <p:nvSpPr>
           <p:cNvPr id="105" name="Google Shape;105;p20"/>
-          <p:cNvSpPr txBox="1"/>
+          <p:cNvSpPr txBox="1">
+            <a:spLocks noGrp="1"/>
+          </p:cNvSpPr>
           <p:nvPr>
             <p:ph type="title"/>
           </p:nvPr>
@@ -10034,12 +10444,12 @@
           </a:prstGeom>
         </p:spPr>
         <p:txBody>
-          <a:bodyPr anchorCtr="0" anchor="t" bIns="91425" lIns="91425" spcFirstLastPara="1" rIns="91425" wrap="square" tIns="91425">
+          <a:bodyPr spcFirstLastPara="1" wrap="square" lIns="91425" tIns="91425" rIns="91425" bIns="91425" anchor="t" anchorCtr="0">
             <a:noAutofit/>
           </a:bodyPr>
           <a:lstStyle/>
           <a:p>
-            <a:pPr indent="0" lvl="0" marL="0" rtl="0" algn="l">
+            <a:pPr marL="0" lvl="0" indent="0" algn="l" rtl="0">
               <a:spcBef>
                 <a:spcPts val="0"/>
               </a:spcBef>
@@ -10060,9 +10470,11 @@
       <p:sp>
         <p:nvSpPr>
           <p:cNvPr id="106" name="Google Shape;106;p20"/>
-          <p:cNvSpPr txBox="1"/>
+          <p:cNvSpPr txBox="1">
+            <a:spLocks noGrp="1"/>
+          </p:cNvSpPr>
           <p:nvPr>
-            <p:ph idx="1" type="body"/>
+            <p:ph type="body" idx="1"/>
           </p:nvPr>
         </p:nvSpPr>
         <p:spPr>
@@ -10075,12 +10487,12 @@
           </a:prstGeom>
         </p:spPr>
         <p:txBody>
-          <a:bodyPr anchorCtr="0" anchor="t" bIns="91425" lIns="91425" spcFirstLastPara="1" rIns="91425" wrap="square" tIns="91425">
-            <a:normAutofit lnSpcReduction="10000"/>
+          <a:bodyPr spcFirstLastPara="1" wrap="square" lIns="91425" tIns="91425" rIns="91425" bIns="91425" anchor="t" anchorCtr="0">
+            <a:normAutofit/>
           </a:bodyPr>
           <a:lstStyle/>
           <a:p>
-            <a:pPr indent="-346075" lvl="0" marL="457200" rtl="0" algn="l">
+            <a:pPr marL="457200" lvl="0" indent="-346075" algn="l" rtl="0">
               <a:lnSpc>
                 <a:spcPct val="100000"/>
               </a:lnSpc>
@@ -10097,21 +10509,21 @@
               <a:buChar char="●"/>
             </a:pPr>
             <a:r>
-              <a:rPr lang="en-GB" sz="1850">
+              <a:rPr lang="en-GB" sz="1600" dirty="0">
                 <a:solidFill>
                   <a:schemeClr val="dk1"/>
                 </a:solidFill>
               </a:rPr>
               <a:t>20 models trained over 2 folds of cross-validation (40 total).</a:t>
             </a:r>
-            <a:endParaRPr sz="1850">
+            <a:endParaRPr sz="1600" dirty="0">
               <a:solidFill>
                 <a:schemeClr val="dk1"/>
               </a:solidFill>
             </a:endParaRPr>
           </a:p>
           <a:p>
-            <a:pPr indent="-346075" lvl="0" marL="457200" rtl="0" algn="l">
+            <a:pPr marL="457200" lvl="0" indent="-346075" algn="l" rtl="0">
               <a:lnSpc>
                 <a:spcPct val="100000"/>
               </a:lnSpc>
@@ -10128,21 +10540,21 @@
               <a:buChar char="●"/>
             </a:pPr>
             <a:r>
-              <a:rPr lang="en-GB" sz="1850">
+              <a:rPr lang="en-GB" sz="1600" dirty="0">
                 <a:solidFill>
                   <a:schemeClr val="dk1"/>
                 </a:solidFill>
               </a:rPr>
               <a:t>Best fit selected based on accuracy.</a:t>
             </a:r>
-            <a:endParaRPr sz="1850">
+            <a:endParaRPr sz="1600" dirty="0">
               <a:solidFill>
                 <a:schemeClr val="dk1"/>
               </a:solidFill>
             </a:endParaRPr>
           </a:p>
           <a:p>
-            <a:pPr indent="-346075" lvl="0" marL="457200" rtl="0" algn="l">
+            <a:pPr marL="457200" lvl="0" indent="-346075" algn="l" rtl="0">
               <a:lnSpc>
                 <a:spcPct val="100000"/>
               </a:lnSpc>
@@ -10159,21 +10571,69 @@
               <a:buChar char="●"/>
             </a:pPr>
             <a:r>
-              <a:rPr lang="en-GB" sz="1850">
+              <a:rPr lang="en-GB" sz="1600" dirty="0">
                 <a:solidFill>
                   <a:schemeClr val="dk1"/>
                 </a:solidFill>
               </a:rPr>
-              <a:t>Best hyperparameters: n_estimators = 207, max_features = 10, min_samples_split = 23.</a:t>
+              <a:t>Best hyperparameters: </a:t>
             </a:r>
-            <a:endParaRPr sz="1850">
+            <a:r>
+              <a:rPr lang="en-GB" sz="1600" dirty="0" err="1">
+                <a:solidFill>
+                  <a:schemeClr val="dk1"/>
+                </a:solidFill>
+              </a:rPr>
+              <a:t>n_estimators</a:t>
+            </a:r>
+            <a:r>
+              <a:rPr lang="en-GB" sz="1600" dirty="0">
+                <a:solidFill>
+                  <a:schemeClr val="dk1"/>
+                </a:solidFill>
+              </a:rPr>
+              <a:t> = 207, </a:t>
+            </a:r>
+            <a:r>
+              <a:rPr lang="en-GB" sz="1600" dirty="0" err="1">
+                <a:solidFill>
+                  <a:schemeClr val="dk1"/>
+                </a:solidFill>
+              </a:rPr>
+              <a:t>max_features</a:t>
+            </a:r>
+            <a:r>
+              <a:rPr lang="en-GB" sz="1600" dirty="0">
+                <a:solidFill>
+                  <a:schemeClr val="dk1"/>
+                </a:solidFill>
+              </a:rPr>
+              <a:t> = 10, </a:t>
+            </a:r>
+            <a:r>
+              <a:rPr lang="en-GB" sz="1600" dirty="0" err="1">
+                <a:solidFill>
+                  <a:schemeClr val="dk1"/>
+                </a:solidFill>
+              </a:rPr>
+              <a:t>min_samples_split</a:t>
+            </a:r>
+            <a:r>
+              <a:rPr lang="en-GB" sz="1600" dirty="0">
+                <a:solidFill>
+                  <a:schemeClr val="dk1"/>
+                </a:solidFill>
+              </a:rPr>
+              <a:t> = 23.</a:t>
+            </a:r>
+            <a:endParaRPr sz="1600" dirty="0">
               <a:solidFill>
                 <a:schemeClr val="dk1"/>
               </a:solidFill>
             </a:endParaRPr>
           </a:p>
           <a:p>
-            <a:pPr indent="-346075" lvl="0" marL="457200" rtl="0" algn="l">
+            <a:pPr marL="457200" lvl="0" indent="-346075" algn="l" rtl="0">
               <a:lnSpc>
                 <a:spcPct val="100000"/>
               </a:lnSpc>
@@ -10190,21 +10650,21 @@
               <a:buChar char="●"/>
             </a:pPr>
             <a:r>
-              <a:rPr lang="en-GB" sz="1850">
+              <a:rPr lang="en-GB" sz="1600" dirty="0">
                 <a:solidFill>
                   <a:schemeClr val="dk1"/>
                 </a:solidFill>
               </a:rPr>
               <a:t>Resulting accuracy score: 77.18%, an improvement on baseline model.</a:t>
             </a:r>
-            <a:endParaRPr sz="1850">
+            <a:endParaRPr sz="1600" dirty="0">
               <a:solidFill>
                 <a:schemeClr val="dk1"/>
               </a:solidFill>
             </a:endParaRPr>
           </a:p>
           <a:p>
-            <a:pPr indent="0" lvl="0" marL="0" rtl="0" algn="l">
+            <a:pPr marL="0" lvl="0" indent="0" algn="l" rtl="0">
               <a:spcBef>
                 <a:spcPts val="0"/>
               </a:spcBef>
@@ -10213,10 +10673,7 @@
               </a:spcAft>
               <a:buNone/>
             </a:pPr>
-            <a:r>
-              <a:t/>
-            </a:r>
-            <a:endParaRPr/>
+            <a:endParaRPr dirty="0"/>
           </a:p>
         </p:txBody>
       </p:sp>
@@ -10257,11 +10714,11 @@
 </file>
 
 <file path=ppt/slides/slide9.xml><?xml version="1.0" encoding="utf-8"?>
-<p:sld xmlns:a="http://schemas.openxmlformats.org/drawingml/2006/main" xmlns:r="http://schemas.openxmlformats.org/officeDocument/2006/relationships" xmlns:mc="http://schemas.openxmlformats.org/markup-compatibility/2006" xmlns:mv="urn:schemas-microsoft-com:mac:vml" xmlns:p="http://schemas.openxmlformats.org/presentationml/2006/main" xmlns:c="http://schemas.openxmlformats.org/drawingml/2006/chart" xmlns:dgm="http://schemas.openxmlformats.org/drawingml/2006/diagram" xmlns:o="urn:schemas-microsoft-com:office:office" xmlns:v="urn:schemas-microsoft-com:vml" xmlns:pvml="urn:schemas-microsoft-com:office:powerpoint" xmlns:com="http://schemas.openxmlformats.org/drawingml/2006/compatibility" xmlns:p14="http://schemas.microsoft.com/office/powerpoint/2010/main" xmlns:p15="http://schemas.microsoft.com/office/powerpoint/2012/main" xmlns:ahyp="http://schemas.microsoft.com/office/drawing/2018/hyperlinkcolor">
+<p:sld xmlns:a="http://schemas.openxmlformats.org/drawingml/2006/main" xmlns:r="http://schemas.openxmlformats.org/officeDocument/2006/relationships" xmlns:p="http://schemas.openxmlformats.org/presentationml/2006/main">
   <p:cSld>
     <p:spTree>
       <p:nvGrpSpPr>
-        <p:cNvPr id="111" name="Shape 111"/>
+        <p:cNvPr id="1" name="Shape 111"/>
         <p:cNvGrpSpPr/>
         <p:nvPr/>
       </p:nvGrpSpPr>
@@ -10276,7 +10733,9 @@
       <p:sp>
         <p:nvSpPr>
           <p:cNvPr id="112" name="Google Shape;112;p21"/>
-          <p:cNvSpPr txBox="1"/>
+          <p:cNvSpPr txBox="1">
+            <a:spLocks noGrp="1"/>
+          </p:cNvSpPr>
           <p:nvPr>
             <p:ph type="title"/>
           </p:nvPr>
@@ -10291,12 +10750,12 @@
           </a:prstGeom>
         </p:spPr>
         <p:txBody>
-          <a:bodyPr anchorCtr="0" anchor="t" bIns="91425" lIns="91425" spcFirstLastPara="1" rIns="91425" wrap="square" tIns="91425">
+          <a:bodyPr spcFirstLastPara="1" wrap="square" lIns="91425" tIns="91425" rIns="91425" bIns="91425" anchor="t" anchorCtr="0">
             <a:normAutofit fontScale="90000"/>
           </a:bodyPr>
           <a:lstStyle/>
           <a:p>
-            <a:pPr indent="0" lvl="0" marL="0" rtl="0" algn="l">
+            <a:pPr marL="0" lvl="0" indent="0" algn="l" rtl="0">
               <a:spcBef>
                 <a:spcPts val="0"/>
               </a:spcBef>
@@ -10316,9 +10775,11 @@
       <p:sp>
         <p:nvSpPr>
           <p:cNvPr id="113" name="Google Shape;113;p21"/>
-          <p:cNvSpPr txBox="1"/>
+          <p:cNvSpPr txBox="1">
+            <a:spLocks noGrp="1"/>
+          </p:cNvSpPr>
           <p:nvPr>
-            <p:ph idx="1" type="body"/>
+            <p:ph type="body" idx="1"/>
           </p:nvPr>
         </p:nvSpPr>
         <p:spPr>
@@ -10331,12 +10792,12 @@
           </a:prstGeom>
         </p:spPr>
         <p:txBody>
-          <a:bodyPr anchorCtr="0" anchor="t" bIns="91425" lIns="91425" spcFirstLastPara="1" rIns="91425" wrap="square" tIns="91425">
-            <a:normAutofit fontScale="40000" lnSpcReduction="10000"/>
+          <a:bodyPr spcFirstLastPara="1" wrap="square" lIns="91425" tIns="91425" rIns="91425" bIns="91425" anchor="t" anchorCtr="0">
+            <a:normAutofit fontScale="47500" lnSpcReduction="20000"/>
           </a:bodyPr>
           <a:lstStyle/>
           <a:p>
-            <a:pPr indent="-313690" lvl="0" marL="457200" rtl="0" algn="l">
+            <a:pPr marL="457200" lvl="0" indent="-313690" algn="l" rtl="0">
               <a:lnSpc>
                 <a:spcPct val="90000"/>
               </a:lnSpc>
@@ -10353,21 +10814,21 @@
               <a:buChar char="●"/>
             </a:pPr>
             <a:r>
-              <a:rPr lang="en-GB" sz="3350">
+              <a:rPr lang="en-GB" sz="3350" dirty="0">
                 <a:solidFill>
                   <a:schemeClr val="dk1"/>
                 </a:solidFill>
               </a:rPr>
               <a:t>Algorithm trains and evaluates model for every combination of values in specified hyperparameter grid.</a:t>
             </a:r>
-            <a:endParaRPr sz="3350">
+            <a:endParaRPr sz="3350" dirty="0">
               <a:solidFill>
                 <a:schemeClr val="dk1"/>
               </a:solidFill>
             </a:endParaRPr>
           </a:p>
           <a:p>
-            <a:pPr indent="-313690" lvl="0" marL="457200" rtl="0" algn="l">
+            <a:pPr marL="457200" lvl="0" indent="-313690" algn="l" rtl="0">
               <a:lnSpc>
                 <a:spcPct val="90000"/>
               </a:lnSpc>
@@ -10384,21 +10845,21 @@
               <a:buChar char="●"/>
             </a:pPr>
             <a:r>
-              <a:rPr lang="en-GB" sz="3350">
+              <a:rPr lang="en-GB" sz="3350" dirty="0">
                 <a:solidFill>
                   <a:schemeClr val="dk1"/>
                 </a:solidFill>
               </a:rPr>
               <a:t>Model with highest mean score across cross-validation folds is selected as best model, with best combination of hyperparameters retained</a:t>
             </a:r>
-            <a:endParaRPr sz="3350">
+            <a:endParaRPr sz="3350" dirty="0">
               <a:solidFill>
                 <a:schemeClr val="dk1"/>
               </a:solidFill>
             </a:endParaRPr>
           </a:p>
           <a:p>
-            <a:pPr indent="-313690" lvl="0" marL="457200" rtl="0" algn="l">
+            <a:pPr marL="457200" lvl="0" indent="-313690" algn="l" rtl="0">
               <a:lnSpc>
                 <a:spcPct val="90000"/>
               </a:lnSpc>
@@ -10415,21 +10876,21 @@
               <a:buChar char="●"/>
             </a:pPr>
             <a:r>
-              <a:rPr lang="en-GB" sz="3350">
+              <a:rPr lang="en-GB" sz="3350" dirty="0">
                 <a:solidFill>
                   <a:schemeClr val="dk1"/>
                 </a:solidFill>
               </a:rPr>
               <a:t>Guaranteed to find optimal combination of hyperparameters</a:t>
             </a:r>
-            <a:endParaRPr sz="3350">
+            <a:endParaRPr sz="3350" dirty="0">
               <a:solidFill>
                 <a:schemeClr val="dk1"/>
               </a:solidFill>
             </a:endParaRPr>
           </a:p>
           <a:p>
-            <a:pPr indent="-313690" lvl="0" marL="457200" rtl="0" algn="l">
+            <a:pPr marL="457200" lvl="0" indent="-313690" algn="l" rtl="0">
               <a:lnSpc>
                 <a:spcPct val="90000"/>
               </a:lnSpc>
@@ -10446,21 +10907,21 @@
               <a:buChar char="●"/>
             </a:pPr>
             <a:r>
-              <a:rPr lang="en-GB" sz="3350">
+              <a:rPr lang="en-GB" sz="3350" dirty="0">
                 <a:solidFill>
                   <a:schemeClr val="dk1"/>
                 </a:solidFill>
               </a:rPr>
               <a:t>Resource intensive as examines all combinations</a:t>
             </a:r>
-            <a:endParaRPr sz="3350">
+            <a:endParaRPr sz="3350" dirty="0">
               <a:solidFill>
                 <a:schemeClr val="dk1"/>
               </a:solidFill>
             </a:endParaRPr>
           </a:p>
           <a:p>
-            <a:pPr indent="-313690" lvl="0" marL="457200" rtl="0" algn="l">
+            <a:pPr marL="457200" lvl="0" indent="-313690" algn="l" rtl="0">
               <a:lnSpc>
                 <a:spcPct val="90000"/>
               </a:lnSpc>
@@ -10477,21 +10938,21 @@
               <a:buChar char="●"/>
             </a:pPr>
             <a:r>
-              <a:rPr lang="en-GB" sz="3350">
+              <a:rPr lang="en-GB" sz="3350" dirty="0">
                 <a:solidFill>
                   <a:schemeClr val="dk1"/>
                 </a:solidFill>
               </a:rPr>
-              <a:t>Final accuracy score: 77.28%, slightly higher than baseline model</a:t>
+              <a:t>Final accuracy score: 77.28%, an improvement on the baseline model</a:t>
             </a:r>
-            <a:endParaRPr sz="3350">
+            <a:endParaRPr sz="3350" dirty="0">
               <a:solidFill>
                 <a:schemeClr val="dk1"/>
               </a:solidFill>
             </a:endParaRPr>
           </a:p>
           <a:p>
-            <a:pPr indent="0" lvl="0" marL="0" rtl="0" algn="l">
+            <a:pPr marL="0" lvl="0" indent="0" algn="l" rtl="0">
               <a:spcBef>
                 <a:spcPts val="1000"/>
               </a:spcBef>
@@ -10500,10 +10961,7 @@
               </a:spcAft>
               <a:buNone/>
             </a:pPr>
-            <a:r>
-              <a:t/>
-            </a:r>
-            <a:endParaRPr/>
+            <a:endParaRPr dirty="0"/>
           </a:p>
         </p:txBody>
       </p:sp>
@@ -10544,7 +11002,7 @@
 </file>
 
 <file path=ppt/theme/theme1.xml><?xml version="1.0" encoding="utf-8"?>
-<a:theme xmlns:a="http://schemas.openxmlformats.org/drawingml/2006/main" xmlns:r="http://schemas.openxmlformats.org/officeDocument/2006/relationships" name="Spearmint">
+<a:theme xmlns:a="http://schemas.openxmlformats.org/drawingml/2006/main" name="Spearmint">
   <a:themeElements>
     <a:clrScheme name="Spearmint">
       <a:dk1>
@@ -10819,11 +11277,13 @@
       </a:bgFillStyleLst>
     </a:fmtScheme>
   </a:themeElements>
+  <a:objectDefaults/>
+  <a:extraClrSchemeLst/>
 </a:theme>
 </file>
 
 <file path=ppt/theme/theme2.xml><?xml version="1.0" encoding="utf-8"?>
-<a:theme xmlns:a="http://schemas.openxmlformats.org/drawingml/2006/main" xmlns:r="http://schemas.openxmlformats.org/officeDocument/2006/relationships">
+<a:theme xmlns:a="http://schemas.openxmlformats.org/drawingml/2006/main">
   <a:themeElements>
     <a:clrScheme name="Default">
       <a:dk1>
@@ -11098,5 +11558,7 @@
       </a:bgFillStyleLst>
     </a:fmtScheme>
   </a:themeElements>
+  <a:objectDefaults/>
+  <a:extraClrSchemeLst/>
 </a:theme>
 </file>